--- a/Poster and Presentations/AGU_2019.pptx
+++ b/Poster and Presentations/AGU_2019.pptx
@@ -3821,23 +3821,7 @@
             <a:pPr algn="ctr"/>
             <a:r>
               <a:rPr lang="en-US" sz="4800" b="1" dirty="0"/>
-              <a:t>Yash Amonkar, James Doss-</a:t>
-            </a:r>
-            <a:r>
-              <a:rPr lang="en-US" sz="4800" b="1" dirty="0" err="1"/>
-              <a:t>Gollin</a:t>
-            </a:r>
-            <a:r>
-              <a:rPr lang="en-US" sz="4800" b="1" dirty="0"/>
-              <a:t>, </a:t>
-            </a:r>
-            <a:r>
-              <a:rPr lang="en-US" sz="4800" b="1" dirty="0" err="1"/>
-              <a:t>Upmanu</a:t>
-            </a:r>
-            <a:r>
-              <a:rPr lang="en-US" sz="4800" b="1" dirty="0"/>
-              <a:t> Lall</a:t>
+              <a:t>Yash Amonkar, James Doss-Gollin, Upmanu Lall</a:t>
             </a:r>
           </a:p>
           <a:p>
@@ -3864,7 +3848,7 @@
         <p:spPr>
           <a:xfrm>
             <a:off x="639824" y="4975423"/>
-            <a:ext cx="10111034" cy="15604272"/>
+            <a:ext cx="10111034" cy="14865608"/>
           </a:xfrm>
           <a:prstGeom prst="rect">
             <a:avLst/>
@@ -3903,24 +3887,7 @@
             </a:r>
             <a:r>
               <a:rPr lang="en-US" sz="2400" dirty="0"/>
-              <a:t>. </a:t>
-            </a:r>
-          </a:p>
-          <a:p>
-            <a:pPr marL="342900" indent="-342900">
-              <a:buFont typeface="Arial" panose="020B0604020202020204" pitchFamily="34" charset="0"/>
-              <a:buChar char="•"/>
-            </a:pPr>
-            <a:endParaRPr lang="en-US" sz="2400" dirty="0"/>
-          </a:p>
-          <a:p>
-            <a:pPr marL="342900" indent="-342900">
-              <a:buFont typeface="Arial" panose="020B0604020202020204" pitchFamily="34" charset="0"/>
-              <a:buChar char="•"/>
-            </a:pPr>
-            <a:r>
-              <a:rPr lang="en-US" sz="2400" dirty="0"/>
-              <a:t>Clustered flood occurrences across large regions are particularly catastrophic. This has been observed in the Mid-western USA since the 1930s.</a:t>
+              <a:t>. Clustered flood occurrences across large regions are particularly catastrophic. This has been observed in the Mid-western USA since the 1930s.</a:t>
             </a:r>
           </a:p>
           <a:p>
@@ -4073,40 +4040,22 @@
             <a:endParaRPr lang="en-US" sz="1600" dirty="0"/>
           </a:p>
           <a:p>
+            <a:r>
+              <a:rPr lang="en-US" sz="2800" u="sng" dirty="0"/>
+              <a:t>Research Question:- What can we infer as to space-time clustering of floods from historical streamflow data from the Ohio River Basin?</a:t>
+            </a:r>
+          </a:p>
+          <a:p>
             <a:endParaRPr lang="en-US" sz="1600" dirty="0"/>
           </a:p>
           <a:p>
-            <a:endParaRPr lang="en-US" sz="1600" dirty="0"/>
-          </a:p>
-          <a:p>
-            <a:r>
-              <a:rPr lang="en-US" sz="2400" u="sng" dirty="0"/>
-              <a:t>Research Question:- What can we infer as to space-time clustering of floods from historical streamflow data from the Ohio River Basin?</a:t>
-            </a:r>
-          </a:p>
-          <a:p>
-            <a:endParaRPr lang="en-US" sz="1600" dirty="0"/>
-          </a:p>
-          <a:p>
             <a:r>
               <a:rPr lang="en-US" sz="1600" dirty="0"/>
-              <a:t>1 - </a:t>
-            </a:r>
-            <a:r>
-              <a:rPr lang="en-US" sz="1600" dirty="0" err="1"/>
-              <a:t>Doocy</a:t>
-            </a:r>
-            <a:r>
-              <a:rPr lang="en-US" sz="1600" dirty="0"/>
-              <a:t>, S., Daniels, A., Murray, S., &amp; Kirsch, T. D. (2013). The human impact of floods: a historical review of events 1980-2009 and systematic literature review. </a:t>
-            </a:r>
-            <a:r>
-              <a:rPr lang="en-US" sz="1600" i="1" dirty="0" err="1"/>
-              <a:t>PLoS</a:t>
+              <a:t>1 - Doocy, S., Daniels, A., Murray, S., &amp; Kirsch, T. D. (2013). The human impact of floods: a historical review of events 1980-2009 and systematic literature review. </a:t>
             </a:r>
             <a:r>
               <a:rPr lang="en-US" sz="1600" i="1" dirty="0"/>
-              <a:t> currents</a:t>
+              <a:t>PLoS currents</a:t>
             </a:r>
             <a:r>
               <a:rPr lang="en-US" sz="1600" dirty="0"/>
@@ -4134,8 +4083,8 @@
         </p:nvSpPr>
         <p:spPr>
           <a:xfrm>
-            <a:off x="690100" y="20882298"/>
-            <a:ext cx="10111034" cy="10002738"/>
+            <a:off x="639824" y="20202064"/>
+            <a:ext cx="10111034" cy="5663089"/>
           </a:xfrm>
           <a:prstGeom prst="rect">
             <a:avLst/>
@@ -4222,56 +4171,7 @@
             <a:endParaRPr lang="en-US" sz="2400" dirty="0"/>
           </a:p>
           <a:p>
-            <a:endParaRPr lang="en-US" sz="2400" dirty="0"/>
-          </a:p>
-          <a:p>
-            <a:pPr marL="342900" indent="-342900">
-              <a:buFont typeface="Arial" panose="020B0604020202020204" pitchFamily="34" charset="0"/>
-              <a:buChar char="•"/>
-            </a:pPr>
-            <a:endParaRPr lang="en-US" sz="2400" dirty="0"/>
-          </a:p>
-          <a:p>
-            <a:pPr marL="342900" indent="-342900">
-              <a:buFont typeface="Arial" panose="020B0604020202020204" pitchFamily="34" charset="0"/>
-              <a:buChar char="•"/>
-            </a:pPr>
-            <a:endParaRPr lang="en-US" sz="2400" dirty="0"/>
-          </a:p>
-          <a:p>
-            <a:pPr marL="342900" indent="-342900">
-              <a:buFont typeface="Arial" panose="020B0604020202020204" pitchFamily="34" charset="0"/>
-              <a:buChar char="•"/>
-            </a:pPr>
-            <a:endParaRPr lang="en-US" sz="2400" dirty="0"/>
-          </a:p>
-          <a:p>
-            <a:pPr marL="342900" indent="-342900">
-              <a:buFont typeface="Arial" panose="020B0604020202020204" pitchFamily="34" charset="0"/>
-              <a:buChar char="•"/>
-            </a:pPr>
-            <a:endParaRPr lang="en-US" sz="2400" dirty="0"/>
-          </a:p>
-          <a:p>
-            <a:endParaRPr lang="en-US" sz="2400" dirty="0"/>
-          </a:p>
-          <a:p>
-            <a:endParaRPr lang="en-US" sz="2400" dirty="0"/>
-          </a:p>
-          <a:p>
-            <a:endParaRPr lang="en-US" sz="2400" dirty="0"/>
-          </a:p>
-          <a:p>
-            <a:endParaRPr lang="en-US" sz="2400" dirty="0"/>
-          </a:p>
-          <a:p>
-            <a:endParaRPr lang="en-US" sz="2400" dirty="0"/>
-          </a:p>
-          <a:p>
-            <a:endParaRPr lang="en-US" sz="2400" dirty="0"/>
-          </a:p>
-          <a:p>
-            <a:endParaRPr lang="en-US" sz="1800" dirty="0"/>
+            <a:endParaRPr lang="en-US" sz="2800" dirty="0"/>
           </a:p>
           <a:p>
             <a:pPr marL="342900" indent="-342900">
@@ -4305,43 +4205,6 @@
           </a:p>
           <a:p>
             <a:pPr marL="342900" indent="-342900">
-              <a:buAutoNum type="arabicPeriod"/>
-            </a:pPr>
-            <a:r>
-              <a:rPr kumimoji="0" lang="en-US" altLang="en-US" sz="1400" b="0" i="0" u="none" strike="noStrike" cap="none" normalizeH="0" baseline="0" dirty="0">
-                <a:ln>
-                  <a:noFill/>
-                </a:ln>
-                <a:solidFill>
-                  <a:srgbClr val="000000"/>
-                </a:solidFill>
-                <a:effectLst/>
-                <a:latin typeface="Lucida Console" panose="020B0609040504020204" pitchFamily="49" charset="0"/>
-              </a:rPr>
-              <a:t>Gopi Goteti and Joseph Stachelek (2016). dams: Dams in the United States from the National Inventory of Dams (NID). R package version 0.2. </a:t>
-            </a:r>
-            <a:r>
-              <a:rPr lang="en-US" altLang="en-US" sz="1400" dirty="0">
-                <a:solidFill>
-                  <a:srgbClr val="000000"/>
-                </a:solidFill>
-                <a:latin typeface="Lucida Console" panose="020B0609040504020204" pitchFamily="49" charset="0"/>
-              </a:rPr>
-              <a:t>https://CRAN.R-project.org/package=dams</a:t>
-            </a:r>
-            <a:endParaRPr kumimoji="0" lang="en-US" altLang="en-US" sz="1400" b="0" i="0" u="none" strike="noStrike" cap="none" normalizeH="0" baseline="0" dirty="0">
-              <a:ln>
-                <a:noFill/>
-              </a:ln>
-              <a:solidFill>
-                <a:srgbClr val="000000"/>
-              </a:solidFill>
-              <a:effectLst/>
-              <a:latin typeface="Lucida Console" panose="020B0609040504020204" pitchFamily="49" charset="0"/>
-            </a:endParaRPr>
-          </a:p>
-          <a:p>
-            <a:pPr marL="342900" indent="-342900">
               <a:buFontTx/>
               <a:buAutoNum type="arabicPeriod"/>
             </a:pPr>
@@ -4376,8 +4239,8 @@
         </p:nvSpPr>
         <p:spPr>
           <a:xfrm>
-            <a:off x="690100" y="21633736"/>
-            <a:ext cx="4205910" cy="4893647"/>
+            <a:off x="690100" y="20687252"/>
+            <a:ext cx="4205910" cy="3785652"/>
           </a:xfrm>
           <a:prstGeom prst="rect">
             <a:avLst/>
@@ -4415,38 +4278,13 @@
             </a:r>
           </a:p>
           <a:p>
+            <a:endParaRPr lang="en-US" sz="2400" dirty="0"/>
+          </a:p>
+          <a:p>
             <a:pPr marL="342900" indent="-342900">
               <a:buFont typeface="Arial" panose="020B0604020202020204" pitchFamily="34" charset="0"/>
               <a:buChar char="•"/>
             </a:pPr>
-            <a:endParaRPr lang="en-US" sz="2400" dirty="0"/>
-          </a:p>
-          <a:p>
-            <a:pPr marL="342900" indent="-342900">
-              <a:buFont typeface="Arial" panose="020B0604020202020204" pitchFamily="34" charset="0"/>
-              <a:buChar char="•"/>
-            </a:pPr>
-            <a:r>
-              <a:rPr lang="en-US" sz="2400" dirty="0"/>
-              <a:t>Dams – National Inventory of Dams/Dams package in R</a:t>
-            </a:r>
-            <a:r>
-              <a:rPr lang="en-US" sz="2400" baseline="30000" dirty="0"/>
-              <a:t>2</a:t>
-            </a:r>
-            <a:r>
-              <a:rPr lang="en-US" sz="2400" dirty="0"/>
-              <a:t>.</a:t>
-            </a:r>
-          </a:p>
-          <a:p>
-            <a:endParaRPr lang="en-US" sz="2400" dirty="0"/>
-          </a:p>
-          <a:p>
-            <a:pPr marL="342900" indent="-342900">
-              <a:buFont typeface="Arial" panose="020B0604020202020204" pitchFamily="34" charset="0"/>
-              <a:buChar char="•"/>
-            </a:pPr>
             <a:r>
               <a:rPr lang="en-US" sz="2400" dirty="0"/>
               <a:t>Climate Indices</a:t>
@@ -4498,53 +4336,6 @@
           </a:p>
         </p:txBody>
       </p:sp>
-      <p:pic>
-        <p:nvPicPr>
-          <p:cNvPr id="1026" name="Picture 2" descr="Image result for ENSO PDO NAO">
-            <a:extLst>
-              <a:ext uri="{FF2B5EF4-FFF2-40B4-BE49-F238E27FC236}">
-                <a16:creationId xmlns:a16="http://schemas.microsoft.com/office/drawing/2014/main" id="{7BFA8ABF-9F05-407C-9580-F70BB3429A92}"/>
-              </a:ext>
-            </a:extLst>
-          </p:cNvPr>
-          <p:cNvPicPr>
-            <a:picLocks noChangeAspect="1" noChangeArrowheads="1"/>
-          </p:cNvPicPr>
-          <p:nvPr/>
-        </p:nvPicPr>
-        <p:blipFill>
-          <a:blip r:embed="rId3">
-            <a:extLst>
-              <a:ext uri="{28A0092B-C50C-407E-A947-70E740481C1C}">
-                <a14:useLocalDpi xmlns:a14="http://schemas.microsoft.com/office/drawing/2010/main" val="0"/>
-              </a:ext>
-            </a:extLst>
-          </a:blip>
-          <a:srcRect/>
-          <a:stretch>
-            <a:fillRect/>
-          </a:stretch>
-        </p:blipFill>
-        <p:spPr bwMode="auto">
-          <a:xfrm>
-            <a:off x="5271186" y="25590899"/>
-            <a:ext cx="5244495" cy="2667941"/>
-          </a:xfrm>
-          <a:prstGeom prst="rect">
-            <a:avLst/>
-          </a:prstGeom>
-          <a:noFill/>
-          <a:extLst>
-            <a:ext uri="{909E8E84-426E-40DD-AFC4-6F175D3DCCD1}">
-              <a14:hiddenFill xmlns:a14="http://schemas.microsoft.com/office/drawing/2010/main">
-                <a:solidFill>
-                  <a:srgbClr val="FFFFFF"/>
-                </a:solidFill>
-              </a14:hiddenFill>
-            </a:ext>
-          </a:extLst>
-        </p:spPr>
-      </p:pic>
       <p:sp>
         <p:nvSpPr>
           <p:cNvPr id="20" name="TextBox 19">
@@ -4560,7 +4351,7 @@
         <p:spPr>
           <a:xfrm>
             <a:off x="11419297" y="4975423"/>
-            <a:ext cx="10732011" cy="10865347"/>
+            <a:ext cx="10732011" cy="9203353"/>
           </a:xfrm>
           <a:prstGeom prst="rect">
             <a:avLst/>
@@ -4610,24 +4401,6 @@
           <a:p>
             <a:endParaRPr lang="en-US" sz="1800" dirty="0"/>
           </a:p>
-          <a:p>
-            <a:endParaRPr lang="en-US" sz="1800" dirty="0"/>
-          </a:p>
-          <a:p>
-            <a:endParaRPr lang="en-US" sz="1800" dirty="0"/>
-          </a:p>
-          <a:p>
-            <a:endParaRPr lang="en-US" sz="1800" dirty="0"/>
-          </a:p>
-          <a:p>
-            <a:endParaRPr lang="en-US" sz="1800" dirty="0"/>
-          </a:p>
-          <a:p>
-            <a:endParaRPr lang="en-US" sz="1800" dirty="0"/>
-          </a:p>
-          <a:p>
-            <a:endParaRPr lang="en-US" sz="1800" dirty="0"/>
-          </a:p>
         </p:txBody>
       </p:sp>
       <p:sp>
@@ -4644,8 +4417,8 @@
         </p:nvSpPr>
         <p:spPr>
           <a:xfrm>
-            <a:off x="22754916" y="5010153"/>
-            <a:ext cx="20352321" cy="26702053"/>
+            <a:off x="22665579" y="4975423"/>
+            <a:ext cx="20441658" cy="27440717"/>
           </a:xfrm>
           <a:prstGeom prst="rect">
             <a:avLst/>
@@ -4858,13 +4631,77 @@
             <a:endParaRPr lang="en-US" sz="2400" dirty="0"/>
           </a:p>
           <a:p>
-            <a:endParaRPr lang="en-US" sz="2400" dirty="0"/>
-          </a:p>
-          <a:p>
-            <a:endParaRPr lang="en-US" sz="2400" dirty="0"/>
-          </a:p>
-          <a:p>
-            <a:endParaRPr lang="en-US" sz="2400" dirty="0"/>
+            <a:pPr marL="342900" indent="-342900">
+              <a:buFont typeface="Arial" panose="020B0604020202020204" pitchFamily="34" charset="0"/>
+              <a:buChar char="•"/>
+            </a:pPr>
+            <a:r>
+              <a:rPr lang="en-US" sz="2400" dirty="0"/>
+              <a:t>The rate parameters associated with the three hidden states are:-  </a:t>
+            </a:r>
+          </a:p>
+          <a:p>
+            <a:pPr lvl="1"/>
+            <a:r>
+              <a:rPr lang="en-US" sz="2400" dirty="0"/>
+              <a:t>0.7</a:t>
+            </a:r>
+            <a:r>
+              <a:rPr lang="en-US" sz="2400" dirty="0">
+                <a:sym typeface="Wingdings" panose="05000000000000000000" pitchFamily="2" charset="2"/>
+              </a:rPr>
+              <a:t> Dry State</a:t>
+            </a:r>
+            <a:r>
+              <a:rPr lang="en-US" sz="2400" dirty="0"/>
+              <a:t>, </a:t>
+            </a:r>
+          </a:p>
+          <a:p>
+            <a:pPr lvl="1"/>
+            <a:r>
+              <a:rPr lang="en-US" sz="2400" dirty="0"/>
+              <a:t>4.56 </a:t>
+            </a:r>
+            <a:r>
+              <a:rPr lang="en-US" sz="2400" dirty="0">
+                <a:sym typeface="Wingdings" panose="05000000000000000000" pitchFamily="2" charset="2"/>
+              </a:rPr>
+              <a:t> Intermediate State</a:t>
+            </a:r>
+            <a:r>
+              <a:rPr lang="en-US" sz="2400" dirty="0"/>
+              <a:t> </a:t>
+            </a:r>
+          </a:p>
+          <a:p>
+            <a:pPr lvl="1"/>
+            <a:r>
+              <a:rPr lang="en-US" sz="2400" dirty="0"/>
+              <a:t>12.34 </a:t>
+            </a:r>
+            <a:r>
+              <a:rPr lang="en-US" sz="2400" dirty="0">
+                <a:sym typeface="Wingdings" panose="05000000000000000000" pitchFamily="2" charset="2"/>
+              </a:rPr>
+              <a:t> Wet State. </a:t>
+            </a:r>
+          </a:p>
+          <a:p>
+            <a:pPr marL="342900" indent="-342900">
+              <a:buFont typeface="Arial" panose="020B0604020202020204" pitchFamily="34" charset="0"/>
+              <a:buChar char="•"/>
+            </a:pPr>
+            <a:r>
+              <a:rPr lang="en-US" sz="2400" dirty="0">
+                <a:sym typeface="Wingdings" panose="05000000000000000000" pitchFamily="2" charset="2"/>
+              </a:rPr>
+              <a:t>There is no persistence in the extreme wet state and no sudden jump from dry to wet states, providing a measure of predictability in the extreme streamflow e</a:t>
+            </a:r>
+            <a:r>
+              <a:rPr lang="en-US" sz="2400" dirty="0"/>
+              <a:t>vents.</a:t>
+            </a:r>
           </a:p>
         </p:txBody>
       </p:sp>
@@ -4882,8 +4719,8 @@
         </p:nvSpPr>
         <p:spPr>
           <a:xfrm>
-            <a:off x="11417219" y="16184363"/>
-            <a:ext cx="10817311" cy="10679847"/>
+            <a:off x="11419298" y="14570360"/>
+            <a:ext cx="10772502" cy="11295400"/>
           </a:xfrm>
           <a:prstGeom prst="rect">
             <a:avLst/>
@@ -4922,7 +4759,7 @@
             </a:pPr>
             <a:r>
               <a:rPr lang="en-US" sz="2400" dirty="0"/>
-              <a:t>Daily Data from _____ stations for the period 1937-2017 were used. </a:t>
+              <a:t>Daily Data from 28 stations for the period 1937-2017 were used. </a:t>
             </a:r>
           </a:p>
           <a:p>
@@ -4945,92 +4782,57 @@
           <a:p>
             <a:r>
               <a:rPr lang="en-US" sz="2800" u="sng" dirty="0"/>
-              <a:t>Wavelet Clustering: Are there common recurrent patterns of flooding  with a characteristic frequency? </a:t>
-            </a:r>
-          </a:p>
-          <a:p>
-            <a:pPr marL="342900" indent="-342900">
-              <a:buFont typeface="Arial" panose="020B0604020202020204" pitchFamily="34" charset="0"/>
-              <a:buChar char="•"/>
-            </a:pPr>
-            <a:r>
-              <a:rPr lang="en-US" sz="2400" dirty="0"/>
-              <a:t>Compute Wavelet spectra for each streamflow site. </a:t>
-            </a:r>
-          </a:p>
-          <a:p>
-            <a:pPr marL="342900" indent="-342900">
-              <a:buFont typeface="Arial" panose="020B0604020202020204" pitchFamily="34" charset="0"/>
-              <a:buChar char="•"/>
-            </a:pPr>
-            <a:r>
-              <a:rPr lang="en-US" sz="2400" dirty="0"/>
-              <a:t>Hierarchical Clustering of Wavelet Spectra to identify common time-frequency structure in flooding. Using Silhouette Analysis the number of clusters in the field were identified. </a:t>
-            </a:r>
-          </a:p>
-          <a:p>
-            <a:pPr marL="342900" indent="-342900">
-              <a:buFont typeface="Arial" panose="020B0604020202020204" pitchFamily="34" charset="0"/>
-              <a:buChar char="•"/>
-            </a:pPr>
-            <a:r>
-              <a:rPr lang="en-US" sz="2400" dirty="0"/>
-              <a:t>For each cluster, principal component analysis was carried out on the field and the 1</a:t>
-            </a:r>
-            <a:r>
-              <a:rPr lang="en-US" sz="2400" baseline="30000" dirty="0"/>
-              <a:t>st</a:t>
-            </a:r>
-            <a:r>
-              <a:rPr lang="en-US" sz="2400" dirty="0"/>
-              <a:t> PC was selected. </a:t>
-            </a:r>
-          </a:p>
-          <a:p>
-            <a:pPr marL="342900" indent="-342900">
-              <a:buFont typeface="Arial" panose="020B0604020202020204" pitchFamily="34" charset="0"/>
-              <a:buChar char="•"/>
-            </a:pPr>
-            <a:r>
-              <a:rPr lang="en-US" sz="2400" dirty="0"/>
-              <a:t>Wavelet Analysis was carried out on the 1</a:t>
-            </a:r>
-            <a:r>
-              <a:rPr lang="en-US" sz="2400" baseline="30000" dirty="0"/>
-              <a:t>st</a:t>
-            </a:r>
-            <a:r>
-              <a:rPr lang="en-US" sz="2400" dirty="0"/>
-              <a:t> PC to illustrate the identified time-frequency pattern</a:t>
-            </a:r>
-          </a:p>
-          <a:p>
-            <a:pPr marL="342900" indent="-342900">
-              <a:buFont typeface="Arial" panose="020B0604020202020204" pitchFamily="34" charset="0"/>
-              <a:buChar char="•"/>
-            </a:pPr>
-            <a:r>
-              <a:rPr lang="en-US" sz="2400" dirty="0"/>
-              <a:t>Compute Wavelet for the 1</a:t>
-            </a:r>
-            <a:r>
-              <a:rPr lang="en-US" sz="2400" baseline="30000" dirty="0"/>
-              <a:t>st</a:t>
-            </a:r>
-            <a:r>
-              <a:rPr lang="en-US" sz="2400" dirty="0"/>
-              <a:t> PC for each cluster and the relevant Climate Indices. </a:t>
-            </a:r>
-          </a:p>
-          <a:p>
-            <a:pPr marL="342900" indent="-342900">
-              <a:buFont typeface="Arial" panose="020B0604020202020204" pitchFamily="34" charset="0"/>
-              <a:buChar char="•"/>
-            </a:pPr>
-            <a:r>
-              <a:rPr lang="en-US" sz="2400" dirty="0"/>
-              <a:t>For a robust inference, nested analysis was carried out using more station data but a shorter study period of 39 years(1979-2017). </a:t>
-            </a:r>
+              <a:t>Wavelet Clustering </a:t>
+            </a:r>
+            <a:r>
+              <a:rPr lang="en-US" sz="2800" u="sng" dirty="0">
+                <a:sym typeface="Wingdings" panose="05000000000000000000" pitchFamily="2" charset="2"/>
+              </a:rPr>
+              <a:t> Space Time Clustering</a:t>
+            </a:r>
+          </a:p>
+          <a:p>
+            <a:endParaRPr lang="en-US" sz="2800" u="sng" dirty="0">
+              <a:sym typeface="Wingdings" panose="05000000000000000000" pitchFamily="2" charset="2"/>
+            </a:endParaRPr>
+          </a:p>
+          <a:p>
+            <a:r>
+              <a:rPr lang="en-US" sz="2800" u="sng" dirty="0">
+                <a:sym typeface="Wingdings" panose="05000000000000000000" pitchFamily="2" charset="2"/>
+              </a:rPr>
+              <a:t>Hidden Markov Model  Aggregated Persistence Structure</a:t>
+            </a:r>
+          </a:p>
+          <a:p>
+            <a:endParaRPr lang="en-US" sz="2800" u="sng" dirty="0"/>
+          </a:p>
+          <a:p>
+            <a:endParaRPr lang="en-US" sz="2800" u="sng" dirty="0"/>
+          </a:p>
+          <a:p>
+            <a:endParaRPr lang="en-US" sz="2800" u="sng" dirty="0"/>
+          </a:p>
+          <a:p>
+            <a:endParaRPr lang="en-US" sz="2800" u="sng" dirty="0"/>
+          </a:p>
+          <a:p>
+            <a:endParaRPr lang="en-US" sz="2800" u="sng" dirty="0"/>
+          </a:p>
+          <a:p>
+            <a:endParaRPr lang="en-US" sz="2800" u="sng" dirty="0"/>
+          </a:p>
+          <a:p>
+            <a:endParaRPr lang="en-US" sz="2800" u="sng" dirty="0"/>
+          </a:p>
+          <a:p>
+            <a:endParaRPr lang="en-US" sz="2800" u="sng" dirty="0"/>
+          </a:p>
+          <a:p>
+            <a:endParaRPr lang="en-US" sz="2800" u="sng" dirty="0"/>
+          </a:p>
+          <a:p>
+            <a:endParaRPr lang="en-US" sz="2400" dirty="0"/>
           </a:p>
           <a:p>
             <a:endParaRPr lang="en-US" sz="2400" dirty="0"/>
@@ -5070,7 +4872,7 @@
           <p:nvPr/>
         </p:nvPicPr>
         <p:blipFill>
-          <a:blip r:embed="rId4">
+          <a:blip r:embed="rId3">
             <a:extLst>
               <a:ext uri="{28A0092B-C50C-407E-A947-70E740481C1C}">
                 <a14:useLocalDpi xmlns:a14="http://schemas.microsoft.com/office/drawing/2010/main" val="0"/>
@@ -5091,6 +4893,11 @@
             <a:avLst/>
           </a:prstGeom>
           <a:noFill/>
+          <a:ln>
+            <a:solidFill>
+              <a:schemeClr val="tx1"/>
+            </a:solidFill>
+          </a:ln>
           <a:extLst>
             <a:ext uri="{909E8E84-426E-40DD-AFC4-6F175D3DCCD1}">
               <a14:hiddenFill xmlns:a14="http://schemas.microsoft.com/office/drawing/2010/main">
@@ -5117,7 +4924,7 @@
         <p:spPr>
           <a:xfrm>
             <a:off x="11514635" y="6076533"/>
-            <a:ext cx="4753972" cy="4893647"/>
+            <a:ext cx="4753972" cy="4524315"/>
           </a:xfrm>
           <a:prstGeom prst="rect">
             <a:avLst/>
@@ -5153,7 +4960,7 @@
             </a:pPr>
             <a:r>
               <a:rPr lang="en-US" sz="2400" dirty="0"/>
-              <a:t>Unlike most other regions, the flooding in this basin is dominated by the precipitation and/or snow melt. Though like most floods there are numerous reasons leading up to it. </a:t>
+              <a:t>Springtime extreme streamflow in the Ohio River Basin is driven by a unique, recurrent, persistent, and strong atmospheric anticyclonic circulation anomaly pattern. </a:t>
             </a:r>
           </a:p>
           <a:p>
@@ -5179,8 +4986,8 @@
         </p:nvSpPr>
         <p:spPr>
           <a:xfrm>
-            <a:off x="11521463" y="10630099"/>
-            <a:ext cx="10629845" cy="5078313"/>
+            <a:off x="11510951" y="10057089"/>
+            <a:ext cx="10629845" cy="3970318"/>
           </a:xfrm>
           <a:prstGeom prst="rect">
             <a:avLst/>
@@ -5192,16 +4999,6 @@
             <a:spAutoFit/>
           </a:bodyPr>
           <a:lstStyle/>
-          <a:p>
-            <a:pPr marL="285750" indent="-285750">
-              <a:buFont typeface="Arial" panose="020B0604020202020204" pitchFamily="34" charset="0"/>
-              <a:buChar char="•"/>
-            </a:pPr>
-            <a:r>
-              <a:rPr lang="en-US" sz="2400" dirty="0"/>
-              <a:t>Springtime extreme streamflow in the Ohio River Basin is driven by a unique, recurrent, persistent, and strong atmospheric anticyclonic circulation anomaly pattern. </a:t>
-            </a:r>
-          </a:p>
           <a:p>
             <a:pPr marL="285750" indent="-285750">
               <a:buFont typeface="Arial" panose="020B0604020202020204" pitchFamily="34" charset="0"/>
@@ -5341,8 +5138,8 @@
         </p:nvSpPr>
         <p:spPr>
           <a:xfrm>
-            <a:off x="11319599" y="27359712"/>
-            <a:ext cx="10914931" cy="7386638"/>
+            <a:off x="647369" y="26350341"/>
+            <a:ext cx="21544430" cy="4154984"/>
           </a:xfrm>
           <a:prstGeom prst="rect">
             <a:avLst/>
@@ -5379,101 +5176,38 @@
             </a:pPr>
             <a:r>
               <a:rPr lang="en-US" sz="2400" dirty="0"/>
-              <a:t>The Ohio River Basin shows significant clustering in the regional stream-flow with further ramifications in the understanding of the local climatology and for the design of critical infrastructure in the region. </a:t>
-            </a:r>
+              <a:t>The ORB shows significant clustering in the regional stream-flow with further ramifications in the understanding of the local climatology and for the design of critical infrastructure in the region. </a:t>
+            </a:r>
+          </a:p>
+          <a:p>
+            <a:endParaRPr lang="en-US" sz="2400" dirty="0"/>
           </a:p>
           <a:p>
             <a:pPr marL="342900" indent="-342900">
               <a:buFont typeface="Arial" panose="020B0604020202020204" pitchFamily="34" charset="0"/>
               <a:buChar char="•"/>
             </a:pPr>
-            <a:endParaRPr lang="en-US" sz="2400" dirty="0"/>
+            <a:r>
+              <a:rPr lang="en-US" sz="2400" dirty="0"/>
+              <a:t>Large scale climate drivers induce space and time clustering in the occurrence of flooding in this region, even without an anthropogenic climate change, with significant regional impact on losses and supply chains.</a:t>
+            </a:r>
           </a:p>
           <a:p>
             <a:pPr marL="342900" indent="-342900">
               <a:buFont typeface="Arial" panose="020B0604020202020204" pitchFamily="34" charset="0"/>
               <a:buChar char="•"/>
             </a:pPr>
-            <a:r>
-              <a:rPr lang="en-US" sz="2400" dirty="0"/>
-              <a:t>The network of aging dams in the region, may be vulnerable to cascading failure under the spatially and temporally correlated extreme events. A repeat of the 1937 event could be catastrophic.</a:t>
-            </a:r>
+            <a:endParaRPr lang="en-US" sz="2400" dirty="0"/>
           </a:p>
           <a:p>
             <a:pPr marL="342900" indent="-342900">
               <a:buFont typeface="Arial" panose="020B0604020202020204" pitchFamily="34" charset="0"/>
               <a:buChar char="•"/>
             </a:pPr>
-            <a:endParaRPr lang="en-US" sz="2400" dirty="0"/>
-          </a:p>
-          <a:p>
-            <a:pPr marL="342900" indent="-342900">
-              <a:buFont typeface="Arial" panose="020B0604020202020204" pitchFamily="34" charset="0"/>
-              <a:buChar char="•"/>
-            </a:pPr>
             <a:r>
               <a:rPr lang="en-US" sz="2400" dirty="0"/>
-              <a:t>Nuclear power plants in the region are located near rivers, and do not have adequate protection under a scenario of upstream dam failures</a:t>
-            </a:r>
-            <a:r>
-              <a:rPr lang="en-US" sz="2400" baseline="30000" dirty="0"/>
-              <a:t>1</a:t>
-            </a:r>
-            <a:r>
-              <a:rPr lang="en-US" sz="2400" dirty="0"/>
-              <a:t>. </a:t>
-            </a:r>
-          </a:p>
-          <a:p>
-            <a:pPr marL="342900" indent="-342900">
-              <a:buFont typeface="Arial" panose="020B0604020202020204" pitchFamily="34" charset="0"/>
-              <a:buChar char="•"/>
-            </a:pPr>
-            <a:endParaRPr lang="en-US" sz="2400" dirty="0"/>
-          </a:p>
-          <a:p>
-            <a:pPr marL="342900" indent="-342900">
-              <a:buFont typeface="Arial" panose="020B0604020202020204" pitchFamily="34" charset="0"/>
-              <a:buChar char="•"/>
-            </a:pPr>
-            <a:r>
-              <a:rPr lang="en-US" sz="2400" dirty="0"/>
-              <a:t>Large scale climate drivers induce space and time clustering in the occurrence of flooding in this region, even without an anthropogenic climate change, with significant regional impact on losses and supply chains.</a:t>
-            </a:r>
-          </a:p>
-          <a:p>
-            <a:pPr marL="342900" indent="-342900">
-              <a:buFont typeface="Arial" panose="020B0604020202020204" pitchFamily="34" charset="0"/>
-              <a:buChar char="•"/>
-            </a:pPr>
-            <a:endParaRPr lang="en-US" sz="2400" dirty="0"/>
-          </a:p>
-          <a:p>
-            <a:r>
-              <a:rPr lang="en-US" sz="1400" dirty="0"/>
-              <a:t>Perkins, R. H., </a:t>
-            </a:r>
-            <a:r>
-              <a:rPr lang="en-US" sz="1400" dirty="0" err="1"/>
-              <a:t>Bensi</a:t>
-            </a:r>
-            <a:r>
-              <a:rPr lang="en-US" sz="1400" dirty="0"/>
-              <a:t>, M. T., Philip, J., &amp; </a:t>
-            </a:r>
-            <a:r>
-              <a:rPr lang="en-US" sz="1400" dirty="0" err="1"/>
-              <a:t>Sancakatar</a:t>
-            </a:r>
-            <a:r>
-              <a:rPr lang="en-US" sz="1400" dirty="0"/>
-              <a:t>, S. (2011). Screening analysis report for the proposed generic issue on flooding of nuclear power plant sites following upstream dam failures. </a:t>
-            </a:r>
-            <a:r>
-              <a:rPr lang="en-US" sz="1400" i="1" dirty="0"/>
-              <a:t>NRC, Washington, DC. US Nuclear Regulatory Commission, Office of Nuclear Regulatory Research, Division of Risk Analysis</a:t>
-            </a:r>
-            <a:endParaRPr lang="en-US" sz="1400" dirty="0"/>
+              <a:t>There is presence of fat tail in the aggregated spatial domain across the ORB, which is captured and simulated well by a Poisson emission based Hidden Markov Model(HMM), which shows predictability of </a:t>
+            </a:r>
           </a:p>
         </p:txBody>
       </p:sp>
@@ -5486,7 +5220,7 @@
           <p:nvPr/>
         </p:nvPicPr>
         <p:blipFill>
-          <a:blip r:embed="rId5">
+          <a:blip r:embed="rId4">
             <a:extLst>
               <a:ext uri="{28A0092B-C50C-407E-A947-70E740481C1C}">
                 <a14:useLocalDpi xmlns:a14="http://schemas.microsoft.com/office/drawing/2010/main" val="0"/>
@@ -5500,13 +5234,18 @@
         </p:blipFill>
         <p:spPr bwMode="auto">
           <a:xfrm>
-            <a:off x="4671981" y="11298850"/>
+            <a:off x="4746670" y="10770623"/>
             <a:ext cx="5754579" cy="5072321"/>
           </a:xfrm>
           <a:prstGeom prst="rect">
             <a:avLst/>
           </a:prstGeom>
           <a:noFill/>
+          <a:ln>
+            <a:solidFill>
+              <a:schemeClr val="tx1"/>
+            </a:solidFill>
+          </a:ln>
           <a:extLst>
             <a:ext uri="{909E8E84-426E-40DD-AFC4-6F175D3DCCD1}">
               <a14:hiddenFill xmlns:a14="http://schemas.microsoft.com/office/drawing/2010/main">
@@ -5532,7 +5271,7 @@
         </p:nvSpPr>
         <p:spPr>
           <a:xfrm>
-            <a:off x="734106" y="11298850"/>
+            <a:off x="800158" y="10770623"/>
             <a:ext cx="3696904" cy="7109639"/>
           </a:xfrm>
           <a:prstGeom prst="rect">
@@ -5621,7 +5360,7 @@
           <a:p>
             <a:r>
               <a:rPr lang="en-US" sz="1800" dirty="0"/>
-              <a:t>Figure 4: Ohio River Basin. Credit - Orsanco</a:t>
+              <a:t>Figure 3: Ohio River Basin. Credit - Orsanco</a:t>
             </a:r>
           </a:p>
         </p:txBody>
@@ -5640,7 +5379,7 @@
         </p:nvSpPr>
         <p:spPr>
           <a:xfrm>
-            <a:off x="4644502" y="16507923"/>
+            <a:off x="4657396" y="15960880"/>
             <a:ext cx="5730975" cy="369332"/>
           </a:xfrm>
           <a:prstGeom prst="rect">
@@ -5654,49 +5393,12 @@
           </a:bodyPr>
           <a:lstStyle/>
           <a:p>
+            <a:pPr algn="ctr"/>
             <a:r>
               <a:rPr lang="en-US" sz="1800" dirty="0"/>
               <a:t>Figure 1:- NOAA 2019 Spring Flood Outlook</a:t>
             </a:r>
-            <a:r>
-              <a:rPr lang="en-US" sz="1800" baseline="30000" dirty="0"/>
-              <a:t>1</a:t>
-            </a:r>
-          </a:p>
-        </p:txBody>
-      </p:sp>
-      <p:sp>
-        <p:nvSpPr>
-          <p:cNvPr id="32" name="TextBox 31">
-            <a:extLst>
-              <a:ext uri="{FF2B5EF4-FFF2-40B4-BE49-F238E27FC236}">
-                <a16:creationId xmlns:a16="http://schemas.microsoft.com/office/drawing/2014/main" id="{B9EC2329-5C71-40C1-8A3A-A74E5CDB8DB6}"/>
-              </a:ext>
-            </a:extLst>
-          </p:cNvPr>
-          <p:cNvSpPr txBox="1"/>
-          <p:nvPr/>
-        </p:nvSpPr>
-        <p:spPr>
-          <a:xfrm>
-            <a:off x="5588624" y="28407133"/>
-            <a:ext cx="5730975" cy="369332"/>
-          </a:xfrm>
-          <a:prstGeom prst="rect">
-            <a:avLst/>
-          </a:prstGeom>
-          <a:noFill/>
-        </p:spPr>
-        <p:txBody>
-          <a:bodyPr wrap="square" rtlCol="0">
-            <a:spAutoFit/>
-          </a:bodyPr>
-          <a:lstStyle/>
-          <a:p>
-            <a:r>
-              <a:rPr lang="en-US" sz="1800" dirty="0"/>
-              <a:t>Figure 3:- Global Climate Indices. Courtesy - UCAR</a:t>
-            </a:r>
+            <a:endParaRPr lang="en-US" sz="1800" baseline="30000" dirty="0"/>
           </a:p>
         </p:txBody>
       </p:sp>
@@ -5765,8 +5467,8 @@
         </p:nvSpPr>
         <p:spPr>
           <a:xfrm>
-            <a:off x="5237184" y="25073274"/>
-            <a:ext cx="5244495" cy="369332"/>
+            <a:off x="5158428" y="24177748"/>
+            <a:ext cx="5244495" cy="461665"/>
           </a:xfrm>
           <a:prstGeom prst="rect">
             <a:avLst/>
@@ -5781,7 +5483,7 @@
           <a:p>
             <a:pPr algn="ctr"/>
             <a:r>
-              <a:rPr lang="en-US" sz="1800" dirty="0"/>
+              <a:rPr lang="en-US" sz="2400" dirty="0"/>
               <a:t>Figure 2:- Stream Gauges.</a:t>
             </a:r>
           </a:p>
@@ -5802,14 +5504,14 @@
           <p:nvPr/>
         </p:nvPicPr>
         <p:blipFill>
-          <a:blip r:embed="rId6"/>
+          <a:blip r:embed="rId5"/>
           <a:stretch>
             <a:fillRect/>
           </a:stretch>
         </p:blipFill>
         <p:spPr>
           <a:xfrm>
-            <a:off x="5271186" y="21390062"/>
+            <a:off x="5346537" y="20449641"/>
             <a:ext cx="5244495" cy="3665196"/>
           </a:xfrm>
           <a:prstGeom prst="rect">
@@ -5832,7 +5534,7 @@
           <p:nvPr/>
         </p:nvPicPr>
         <p:blipFill>
-          <a:blip r:embed="rId7"/>
+          <a:blip r:embed="rId6"/>
           <a:stretch>
             <a:fillRect/>
           </a:stretch>
@@ -5867,7 +5569,7 @@
           <p:nvPr/>
         </p:nvPicPr>
         <p:blipFill>
-          <a:blip r:embed="rId8"/>
+          <a:blip r:embed="rId7"/>
           <a:stretch>
             <a:fillRect/>
           </a:stretch>
@@ -5902,7 +5604,7 @@
           <p:nvPr/>
         </p:nvPicPr>
         <p:blipFill>
-          <a:blip r:embed="rId9"/>
+          <a:blip r:embed="rId8"/>
           <a:stretch>
             <a:fillRect/>
           </a:stretch>
@@ -5932,13 +5634,13 @@
           <p:nvPr>
             <p:extLst>
               <p:ext uri="{D42A27DB-BD31-4B8C-83A1-F6EECF244321}">
-                <p14:modId xmlns:p14="http://schemas.microsoft.com/office/powerpoint/2010/main" val="2772782031"/>
+                <p14:modId xmlns:p14="http://schemas.microsoft.com/office/powerpoint/2010/main" val="978156025"/>
               </p:ext>
             </p:extLst>
           </p:nvPr>
         </p:nvGraphicFramePr>
         <p:xfrm>
-          <a:off x="30287748" y="14348817"/>
+          <a:off x="38393700" y="14348817"/>
           <a:ext cx="4346903" cy="5372848"/>
         </p:xfrm>
         <a:graphic>
@@ -6050,7 +5752,7 @@
                     <a:p>
                       <a:r>
                         <a:rPr lang="en-US" sz="2400" dirty="0"/>
-                        <a:t>-0.31</a:t>
+                        <a:t>-0.31***</a:t>
                       </a:r>
                     </a:p>
                   </a:txBody>
@@ -6149,7 +5851,7 @@
                     <a:p>
                       <a:r>
                         <a:rPr lang="en-US" sz="2400" dirty="0"/>
-                        <a:t>0.27</a:t>
+                        <a:t>0.27**</a:t>
                       </a:r>
                     </a:p>
                   </a:txBody>
@@ -6213,7 +5915,7 @@
           <p:nvPr/>
         </p:nvPicPr>
         <p:blipFill>
-          <a:blip r:embed="rId10"/>
+          <a:blip r:embed="rId9"/>
           <a:stretch>
             <a:fillRect/>
           </a:stretch>
@@ -6243,7 +5945,7 @@
           <p:nvPr/>
         </p:nvPicPr>
         <p:blipFill>
-          <a:blip r:embed="rId11"/>
+          <a:blip r:embed="rId10"/>
           <a:stretch>
             <a:fillRect/>
           </a:stretch>
@@ -6273,7 +5975,7 @@
           <p:nvPr/>
         </p:nvPicPr>
         <p:blipFill>
-          <a:blip r:embed="rId12"/>
+          <a:blip r:embed="rId11"/>
           <a:stretch>
             <a:fillRect/>
           </a:stretch>
@@ -6303,7 +6005,7 @@
           <p:nvPr/>
         </p:nvPicPr>
         <p:blipFill>
-          <a:blip r:embed="rId13"/>
+          <a:blip r:embed="rId12"/>
           <a:stretch>
             <a:fillRect/>
           </a:stretch>
@@ -6333,20 +6035,20 @@
           <p:nvPr>
             <p:extLst>
               <p:ext uri="{D42A27DB-BD31-4B8C-83A1-F6EECF244321}">
-                <p14:modId xmlns:p14="http://schemas.microsoft.com/office/powerpoint/2010/main" val="2438020227"/>
+                <p14:modId xmlns:p14="http://schemas.microsoft.com/office/powerpoint/2010/main" val="1017665739"/>
               </p:ext>
             </p:extLst>
           </p:nvPr>
         </p:nvGraphicFramePr>
         <p:xfrm>
           <a:off x="38213675" y="24876181"/>
-          <a:ext cx="4526928" cy="3747168"/>
+          <a:ext cx="4526928" cy="3754389"/>
         </p:xfrm>
         <a:graphic>
           <a:graphicData uri="http://schemas.openxmlformats.org/drawingml/2006/table">
             <a:tbl>
               <a:tblPr firstRow="1" bandRow="1">
-                <a:tableStyleId>{5C22544A-7EE6-4342-B048-85BDC9FD1C3A}</a:tableStyleId>
+                <a:tableStyleId>{616DA210-FB5B-4158-B5E0-FEB733F419BA}</a:tableStyleId>
               </a:tblPr>
               <a:tblGrid>
                 <a:gridCol w="1131732">
@@ -6378,56 +6080,24 @@
                   </a:extLst>
                 </a:gridCol>
               </a:tblGrid>
-              <a:tr h="936792">
+              <a:tr h="1055586">
                 <a:tc>
                   <a:txBody>
                     <a:bodyPr/>
                     <a:lstStyle/>
                     <a:p>
+                      <a:r>
+                        <a:rPr lang="en-US" sz="3200" dirty="0"/>
+                        <a:t>to/ from</a:t>
+                      </a:r>
                       <a:endParaRPr lang="en-US" sz="3200" dirty="0">
                         <a:solidFill>
-                          <a:schemeClr val="bg1"/>
+                          <a:schemeClr val="tx1"/>
                         </a:solidFill>
                       </a:endParaRPr>
                     </a:p>
                   </a:txBody>
-                  <a:tcPr>
-                    <a:lnL w="12700" cap="flat" cmpd="sng" algn="ctr">
-                      <a:noFill/>
-                      <a:prstDash val="solid"/>
-                      <a:round/>
-                      <a:headEnd type="none" w="med" len="med"/>
-                      <a:tailEnd type="none" w="med" len="med"/>
-                    </a:lnL>
-                    <a:lnR w="28575" cap="flat" cmpd="sng" algn="ctr">
-                      <a:solidFill>
-                        <a:schemeClr val="bg1"/>
-                      </a:solidFill>
-                      <a:prstDash val="solid"/>
-                      <a:round/>
-                      <a:headEnd type="none" w="med" len="med"/>
-                      <a:tailEnd type="none" w="med" len="med"/>
-                    </a:lnR>
-                    <a:lnT w="12700" cap="flat" cmpd="sng" algn="ctr">
-                      <a:noFill/>
-                      <a:prstDash val="solid"/>
-                      <a:round/>
-                      <a:headEnd type="none" w="med" len="med"/>
-                      <a:tailEnd type="none" w="med" len="med"/>
-                    </a:lnT>
-                    <a:lnB w="28575" cap="flat" cmpd="sng" algn="ctr">
-                      <a:solidFill>
-                        <a:schemeClr val="bg1"/>
-                      </a:solidFill>
-                      <a:prstDash val="solid"/>
-                      <a:round/>
-                      <a:headEnd type="none" w="med" len="med"/>
-                      <a:tailEnd type="none" w="med" len="med"/>
-                    </a:lnB>
-                    <a:solidFill>
-                      <a:schemeClr val="tx1"/>
-                    </a:solidFill>
-                  </a:tcPr>
+                  <a:tcPr/>
                 </a:tc>
                 <a:tc>
                   <a:txBody>
@@ -6435,54 +6105,17 @@
                     <a:lstStyle/>
                     <a:p>
                       <a:r>
-                        <a:rPr lang="en-US" sz="3200" dirty="0">
-                          <a:solidFill>
-                            <a:schemeClr val="bg1"/>
-                          </a:solidFill>
-                        </a:rPr>
+                        <a:rPr lang="en-US" sz="3200" dirty="0"/>
                         <a:t>1</a:t>
                       </a:r>
+                      <a:endParaRPr lang="en-US" sz="3200" dirty="0">
+                        <a:solidFill>
+                          <a:schemeClr val="tx1"/>
+                        </a:solidFill>
+                      </a:endParaRPr>
                     </a:p>
                   </a:txBody>
-                  <a:tcPr>
-                    <a:lnL w="28575" cap="flat" cmpd="sng" algn="ctr">
-                      <a:solidFill>
-                        <a:schemeClr val="bg1"/>
-                      </a:solidFill>
-                      <a:prstDash val="solid"/>
-                      <a:round/>
-                      <a:headEnd type="none" w="med" len="med"/>
-                      <a:tailEnd type="none" w="med" len="med"/>
-                    </a:lnL>
-                    <a:lnR w="28575" cap="flat" cmpd="sng" algn="ctr">
-                      <a:solidFill>
-                        <a:schemeClr val="bg1"/>
-                      </a:solidFill>
-                      <a:prstDash val="solid"/>
-                      <a:round/>
-                      <a:headEnd type="none" w="med" len="med"/>
-                      <a:tailEnd type="none" w="med" len="med"/>
-                    </a:lnR>
-                    <a:lnT w="12700" cap="flat" cmpd="sng" algn="ctr">
-                      <a:noFill/>
-                      <a:prstDash val="solid"/>
-                      <a:round/>
-                      <a:headEnd type="none" w="med" len="med"/>
-                      <a:tailEnd type="none" w="med" len="med"/>
-                    </a:lnT>
-                    <a:lnB w="28575" cap="flat" cmpd="sng" algn="ctr">
-                      <a:solidFill>
-                        <a:schemeClr val="bg1"/>
-                      </a:solidFill>
-                      <a:prstDash val="solid"/>
-                      <a:round/>
-                      <a:headEnd type="none" w="med" len="med"/>
-                      <a:tailEnd type="none" w="med" len="med"/>
-                    </a:lnB>
-                    <a:solidFill>
-                      <a:schemeClr val="tx1"/>
-                    </a:solidFill>
-                  </a:tcPr>
+                  <a:tcPr/>
                 </a:tc>
                 <a:tc>
                   <a:txBody>
@@ -6490,54 +6123,17 @@
                     <a:lstStyle/>
                     <a:p>
                       <a:r>
-                        <a:rPr lang="en-US" sz="3200" dirty="0">
-                          <a:solidFill>
-                            <a:schemeClr val="bg1"/>
-                          </a:solidFill>
-                        </a:rPr>
+                        <a:rPr lang="en-US" sz="3200" dirty="0"/>
                         <a:t>2</a:t>
                       </a:r>
+                      <a:endParaRPr lang="en-US" sz="3200" dirty="0">
+                        <a:solidFill>
+                          <a:schemeClr val="tx1"/>
+                        </a:solidFill>
+                      </a:endParaRPr>
                     </a:p>
                   </a:txBody>
-                  <a:tcPr>
-                    <a:lnL w="28575" cap="flat" cmpd="sng" algn="ctr">
-                      <a:solidFill>
-                        <a:schemeClr val="bg1"/>
-                      </a:solidFill>
-                      <a:prstDash val="solid"/>
-                      <a:round/>
-                      <a:headEnd type="none" w="med" len="med"/>
-                      <a:tailEnd type="none" w="med" len="med"/>
-                    </a:lnL>
-                    <a:lnR w="28575" cap="flat" cmpd="sng" algn="ctr">
-                      <a:solidFill>
-                        <a:schemeClr val="bg1"/>
-                      </a:solidFill>
-                      <a:prstDash val="solid"/>
-                      <a:round/>
-                      <a:headEnd type="none" w="med" len="med"/>
-                      <a:tailEnd type="none" w="med" len="med"/>
-                    </a:lnR>
-                    <a:lnT w="12700" cap="flat" cmpd="sng" algn="ctr">
-                      <a:noFill/>
-                      <a:prstDash val="solid"/>
-                      <a:round/>
-                      <a:headEnd type="none" w="med" len="med"/>
-                      <a:tailEnd type="none" w="med" len="med"/>
-                    </a:lnT>
-                    <a:lnB w="28575" cap="flat" cmpd="sng" algn="ctr">
-                      <a:solidFill>
-                        <a:schemeClr val="bg1"/>
-                      </a:solidFill>
-                      <a:prstDash val="solid"/>
-                      <a:round/>
-                      <a:headEnd type="none" w="med" len="med"/>
-                      <a:tailEnd type="none" w="med" len="med"/>
-                    </a:lnB>
-                    <a:solidFill>
-                      <a:schemeClr val="tx1"/>
-                    </a:solidFill>
-                  </a:tcPr>
+                  <a:tcPr/>
                 </a:tc>
                 <a:tc>
                   <a:txBody>
@@ -6545,52 +6141,17 @@
                     <a:lstStyle/>
                     <a:p>
                       <a:r>
-                        <a:rPr lang="en-US" sz="3200" dirty="0">
-                          <a:solidFill>
-                            <a:schemeClr val="bg1"/>
-                          </a:solidFill>
-                        </a:rPr>
+                        <a:rPr lang="en-US" sz="3200" dirty="0"/>
                         <a:t>3</a:t>
                       </a:r>
+                      <a:endParaRPr lang="en-US" sz="3200" dirty="0">
+                        <a:solidFill>
+                          <a:schemeClr val="tx1"/>
+                        </a:solidFill>
+                      </a:endParaRPr>
                     </a:p>
                   </a:txBody>
-                  <a:tcPr>
-                    <a:lnL w="28575" cap="flat" cmpd="sng" algn="ctr">
-                      <a:solidFill>
-                        <a:schemeClr val="bg1"/>
-                      </a:solidFill>
-                      <a:prstDash val="solid"/>
-                      <a:round/>
-                      <a:headEnd type="none" w="med" len="med"/>
-                      <a:tailEnd type="none" w="med" len="med"/>
-                    </a:lnL>
-                    <a:lnR w="12700" cap="flat" cmpd="sng" algn="ctr">
-                      <a:noFill/>
-                      <a:prstDash val="solid"/>
-                      <a:round/>
-                      <a:headEnd type="none" w="med" len="med"/>
-                      <a:tailEnd type="none" w="med" len="med"/>
-                    </a:lnR>
-                    <a:lnT w="12700" cap="flat" cmpd="sng" algn="ctr">
-                      <a:noFill/>
-                      <a:prstDash val="solid"/>
-                      <a:round/>
-                      <a:headEnd type="none" w="med" len="med"/>
-                      <a:tailEnd type="none" w="med" len="med"/>
-                    </a:lnT>
-                    <a:lnB w="28575" cap="flat" cmpd="sng" algn="ctr">
-                      <a:solidFill>
-                        <a:schemeClr val="bg1"/>
-                      </a:solidFill>
-                      <a:prstDash val="solid"/>
-                      <a:round/>
-                      <a:headEnd type="none" w="med" len="med"/>
-                      <a:tailEnd type="none" w="med" len="med"/>
-                    </a:lnB>
-                    <a:solidFill>
-                      <a:schemeClr val="tx1"/>
-                    </a:solidFill>
-                  </a:tcPr>
+                  <a:tcPr/>
                 </a:tc>
                 <a:extLst>
                   <a:ext uri="{0D108BD9-81ED-4DB2-BD59-A6C34878D82A}">
@@ -6598,221 +6159,78 @@
                   </a:ext>
                 </a:extLst>
               </a:tr>
-              <a:tr h="936792">
+              <a:tr h="895863">
                 <a:tc>
                   <a:txBody>
                     <a:bodyPr/>
                     <a:lstStyle/>
                     <a:p>
                       <a:r>
-                        <a:rPr lang="en-US" sz="3200" dirty="0">
-                          <a:solidFill>
-                            <a:schemeClr val="bg1"/>
-                          </a:solidFill>
-                        </a:rPr>
+                        <a:rPr lang="en-US" sz="3200" dirty="0"/>
                         <a:t>1</a:t>
                       </a:r>
+                      <a:endParaRPr lang="en-US" sz="3200" dirty="0">
+                        <a:solidFill>
+                          <a:schemeClr val="tx1"/>
+                        </a:solidFill>
+                      </a:endParaRPr>
                     </a:p>
                   </a:txBody>
-                  <a:tcPr>
-                    <a:lnL w="12700" cap="flat" cmpd="sng" algn="ctr">
-                      <a:noFill/>
-                      <a:prstDash val="solid"/>
-                      <a:round/>
-                      <a:headEnd type="none" w="med" len="med"/>
-                      <a:tailEnd type="none" w="med" len="med"/>
-                    </a:lnL>
-                    <a:lnR w="28575" cap="flat" cmpd="sng" algn="ctr">
-                      <a:solidFill>
-                        <a:schemeClr val="bg1"/>
-                      </a:solidFill>
-                      <a:prstDash val="solid"/>
-                      <a:round/>
-                      <a:headEnd type="none" w="med" len="med"/>
-                      <a:tailEnd type="none" w="med" len="med"/>
-                    </a:lnR>
-                    <a:lnT w="28575" cap="flat" cmpd="sng" algn="ctr">
-                      <a:solidFill>
-                        <a:schemeClr val="bg1"/>
-                      </a:solidFill>
-                      <a:prstDash val="solid"/>
-                      <a:round/>
-                      <a:headEnd type="none" w="med" len="med"/>
-                      <a:tailEnd type="none" w="med" len="med"/>
-                    </a:lnT>
-                    <a:lnB w="28575" cap="flat" cmpd="sng" algn="ctr">
-                      <a:solidFill>
-                        <a:schemeClr val="bg1"/>
-                      </a:solidFill>
-                      <a:prstDash val="solid"/>
-                      <a:round/>
-                      <a:headEnd type="none" w="med" len="med"/>
-                      <a:tailEnd type="none" w="med" len="med"/>
-                    </a:lnB>
-                    <a:solidFill>
-                      <a:schemeClr val="tx1"/>
-                    </a:solidFill>
-                  </a:tcPr>
+                  <a:tcPr/>
                 </a:tc>
                 <a:tc>
                   <a:txBody>
                     <a:bodyPr/>
                     <a:lstStyle/>
                     <a:p>
+                      <a:r>
+                        <a:rPr lang="en-US" sz="3200" dirty="0"/>
+                        <a:t>0.543</a:t>
+                      </a:r>
                       <a:endParaRPr lang="en-US" sz="3200" dirty="0">
                         <a:solidFill>
-                          <a:schemeClr val="bg1"/>
+                          <a:schemeClr val="tx1"/>
                         </a:solidFill>
                       </a:endParaRPr>
                     </a:p>
                   </a:txBody>
-                  <a:tcPr>
-                    <a:lnL w="28575" cap="flat" cmpd="sng" algn="ctr">
-                      <a:solidFill>
-                        <a:schemeClr val="bg1"/>
-                      </a:solidFill>
-                      <a:prstDash val="solid"/>
-                      <a:round/>
-                      <a:headEnd type="none" w="med" len="med"/>
-                      <a:tailEnd type="none" w="med" len="med"/>
-                    </a:lnL>
-                    <a:lnR w="28575" cap="flat" cmpd="sng" algn="ctr">
-                      <a:solidFill>
-                        <a:schemeClr val="bg1"/>
-                      </a:solidFill>
-                      <a:prstDash val="solid"/>
-                      <a:round/>
-                      <a:headEnd type="none" w="med" len="med"/>
-                      <a:tailEnd type="none" w="med" len="med"/>
-                    </a:lnR>
-                    <a:lnT w="28575" cap="flat" cmpd="sng" algn="ctr">
-                      <a:solidFill>
-                        <a:schemeClr val="bg1"/>
-                      </a:solidFill>
-                      <a:prstDash val="solid"/>
-                      <a:round/>
-                      <a:headEnd type="none" w="med" len="med"/>
-                      <a:tailEnd type="none" w="med" len="med"/>
-                    </a:lnT>
-                    <a:lnB w="28575" cap="flat" cmpd="sng" algn="ctr">
-                      <a:solidFill>
-                        <a:schemeClr val="bg1"/>
-                      </a:solidFill>
-                      <a:prstDash val="solid"/>
-                      <a:round/>
-                      <a:headEnd type="none" w="med" len="med"/>
-                      <a:tailEnd type="none" w="med" len="med"/>
-                    </a:lnB>
-                    <a:solidFill>
-                      <a:schemeClr val="tx1"/>
-                    </a:solidFill>
-                  </a:tcPr>
+                  <a:tcPr/>
                 </a:tc>
                 <a:tc>
                   <a:txBody>
                     <a:bodyPr/>
                     <a:lstStyle/>
                     <a:p>
+                      <a:r>
+                        <a:rPr lang="en-US" sz="3200" dirty="0"/>
+                        <a:t>0</a:t>
+                      </a:r>
                       <a:endParaRPr lang="en-US" sz="3200" dirty="0">
                         <a:solidFill>
-                          <a:schemeClr val="bg1"/>
+                          <a:schemeClr val="tx1"/>
                         </a:solidFill>
                       </a:endParaRPr>
                     </a:p>
                   </a:txBody>
-                  <a:tcPr>
-                    <a:lnL w="28575" cap="flat" cmpd="sng" algn="ctr">
-                      <a:solidFill>
-                        <a:schemeClr val="bg1"/>
-                      </a:solidFill>
-                      <a:prstDash val="solid"/>
-                      <a:round/>
-                      <a:headEnd type="none" w="med" len="med"/>
-                      <a:tailEnd type="none" w="med" len="med"/>
-                    </a:lnL>
-                    <a:lnR w="28575" cap="flat" cmpd="sng" algn="ctr">
-                      <a:solidFill>
-                        <a:schemeClr val="bg1"/>
-                      </a:solidFill>
-                      <a:prstDash val="solid"/>
-                      <a:round/>
-                      <a:headEnd type="none" w="med" len="med"/>
-                      <a:tailEnd type="none" w="med" len="med"/>
-                    </a:lnR>
-                    <a:lnT w="28575" cap="flat" cmpd="sng" algn="ctr">
-                      <a:solidFill>
-                        <a:schemeClr val="bg1"/>
-                      </a:solidFill>
-                      <a:prstDash val="solid"/>
-                      <a:round/>
-                      <a:headEnd type="none" w="med" len="med"/>
-                      <a:tailEnd type="none" w="med" len="med"/>
-                    </a:lnT>
-                    <a:lnB w="28575" cap="flat" cmpd="sng" algn="ctr">
-                      <a:solidFill>
-                        <a:schemeClr val="bg1"/>
-                      </a:solidFill>
-                      <a:prstDash val="solid"/>
-                      <a:round/>
-                      <a:headEnd type="none" w="med" len="med"/>
-                      <a:tailEnd type="none" w="med" len="med"/>
-                    </a:lnB>
-                    <a:solidFill>
-                      <a:schemeClr val="tx1"/>
-                    </a:solidFill>
-                  </a:tcPr>
+                  <a:tcPr/>
                 </a:tc>
                 <a:tc>
                   <a:txBody>
                     <a:bodyPr/>
                     <a:lstStyle/>
                     <a:p>
+                      <a:r>
+                        <a:rPr lang="en-US" sz="3200" dirty="0"/>
+                        <a:t>0.474</a:t>
+                      </a:r>
                       <a:endParaRPr lang="en-US" sz="3200" dirty="0">
                         <a:solidFill>
-                          <a:schemeClr val="bg1"/>
+                          <a:schemeClr val="tx1"/>
                         </a:solidFill>
                       </a:endParaRPr>
                     </a:p>
                   </a:txBody>
-                  <a:tcPr>
-                    <a:lnL w="28575" cap="flat" cmpd="sng" algn="ctr">
-                      <a:solidFill>
-                        <a:schemeClr val="bg1"/>
-                      </a:solidFill>
-                      <a:prstDash val="solid"/>
-                      <a:round/>
-                      <a:headEnd type="none" w="med" len="med"/>
-                      <a:tailEnd type="none" w="med" len="med"/>
-                    </a:lnL>
-                    <a:lnR w="12700" cap="flat" cmpd="sng" algn="ctr">
-                      <a:noFill/>
-                      <a:prstDash val="solid"/>
-                      <a:round/>
-                      <a:headEnd type="none" w="med" len="med"/>
-                      <a:tailEnd type="none" w="med" len="med"/>
-                    </a:lnR>
-                    <a:lnT w="28575" cap="flat" cmpd="sng" algn="ctr">
-                      <a:solidFill>
-                        <a:schemeClr val="bg1"/>
-                      </a:solidFill>
-                      <a:prstDash val="solid"/>
-                      <a:round/>
-                      <a:headEnd type="none" w="med" len="med"/>
-                      <a:tailEnd type="none" w="med" len="med"/>
-                    </a:lnT>
-                    <a:lnB w="28575" cap="flat" cmpd="sng" algn="ctr">
-                      <a:solidFill>
-                        <a:schemeClr val="bg1"/>
-                      </a:solidFill>
-                      <a:prstDash val="solid"/>
-                      <a:round/>
-                      <a:headEnd type="none" w="med" len="med"/>
-                      <a:tailEnd type="none" w="med" len="med"/>
-                    </a:lnB>
-                    <a:solidFill>
-                      <a:schemeClr val="tx1"/>
-                    </a:solidFill>
-                  </a:tcPr>
+                  <a:tcPr/>
                 </a:tc>
                 <a:extLst>
                   <a:ext uri="{0D108BD9-81ED-4DB2-BD59-A6C34878D82A}">
@@ -6820,221 +6238,78 @@
                   </a:ext>
                 </a:extLst>
               </a:tr>
-              <a:tr h="936792">
+              <a:tr h="895863">
                 <a:tc>
                   <a:txBody>
                     <a:bodyPr/>
                     <a:lstStyle/>
                     <a:p>
                       <a:r>
-                        <a:rPr lang="en-US" sz="3200" dirty="0">
-                          <a:solidFill>
-                            <a:schemeClr val="bg1"/>
-                          </a:solidFill>
-                        </a:rPr>
+                        <a:rPr lang="en-US" sz="3200" dirty="0"/>
                         <a:t>2</a:t>
                       </a:r>
+                      <a:endParaRPr lang="en-US" sz="3200" dirty="0">
+                        <a:solidFill>
+                          <a:schemeClr val="tx1"/>
+                        </a:solidFill>
+                      </a:endParaRPr>
                     </a:p>
                   </a:txBody>
-                  <a:tcPr>
-                    <a:lnL w="12700" cap="flat" cmpd="sng" algn="ctr">
-                      <a:noFill/>
-                      <a:prstDash val="solid"/>
-                      <a:round/>
-                      <a:headEnd type="none" w="med" len="med"/>
-                      <a:tailEnd type="none" w="med" len="med"/>
-                    </a:lnL>
-                    <a:lnR w="28575" cap="flat" cmpd="sng" algn="ctr">
-                      <a:solidFill>
-                        <a:schemeClr val="bg1"/>
-                      </a:solidFill>
-                      <a:prstDash val="solid"/>
-                      <a:round/>
-                      <a:headEnd type="none" w="med" len="med"/>
-                      <a:tailEnd type="none" w="med" len="med"/>
-                    </a:lnR>
-                    <a:lnT w="28575" cap="flat" cmpd="sng" algn="ctr">
-                      <a:solidFill>
-                        <a:schemeClr val="bg1"/>
-                      </a:solidFill>
-                      <a:prstDash val="solid"/>
-                      <a:round/>
-                      <a:headEnd type="none" w="med" len="med"/>
-                      <a:tailEnd type="none" w="med" len="med"/>
-                    </a:lnT>
-                    <a:lnB w="28575" cap="flat" cmpd="sng" algn="ctr">
-                      <a:solidFill>
-                        <a:schemeClr val="bg1"/>
-                      </a:solidFill>
-                      <a:prstDash val="solid"/>
-                      <a:round/>
-                      <a:headEnd type="none" w="med" len="med"/>
-                      <a:tailEnd type="none" w="med" len="med"/>
-                    </a:lnB>
-                    <a:solidFill>
-                      <a:schemeClr val="tx1"/>
-                    </a:solidFill>
-                  </a:tcPr>
+                  <a:tcPr/>
                 </a:tc>
                 <a:tc>
                   <a:txBody>
                     <a:bodyPr/>
                     <a:lstStyle/>
                     <a:p>
+                      <a:r>
+                        <a:rPr lang="en-US" sz="3200" dirty="0"/>
+                        <a:t>0.684</a:t>
+                      </a:r>
                       <a:endParaRPr lang="en-US" sz="3200" dirty="0">
                         <a:solidFill>
-                          <a:schemeClr val="bg1"/>
+                          <a:schemeClr val="tx1"/>
                         </a:solidFill>
                       </a:endParaRPr>
                     </a:p>
                   </a:txBody>
-                  <a:tcPr>
-                    <a:lnL w="28575" cap="flat" cmpd="sng" algn="ctr">
-                      <a:solidFill>
-                        <a:schemeClr val="bg1"/>
-                      </a:solidFill>
-                      <a:prstDash val="solid"/>
-                      <a:round/>
-                      <a:headEnd type="none" w="med" len="med"/>
-                      <a:tailEnd type="none" w="med" len="med"/>
-                    </a:lnL>
-                    <a:lnR w="28575" cap="flat" cmpd="sng" algn="ctr">
-                      <a:solidFill>
-                        <a:schemeClr val="bg1"/>
-                      </a:solidFill>
-                      <a:prstDash val="solid"/>
-                      <a:round/>
-                      <a:headEnd type="none" w="med" len="med"/>
-                      <a:tailEnd type="none" w="med" len="med"/>
-                    </a:lnR>
-                    <a:lnT w="28575" cap="flat" cmpd="sng" algn="ctr">
-                      <a:solidFill>
-                        <a:schemeClr val="bg1"/>
-                      </a:solidFill>
-                      <a:prstDash val="solid"/>
-                      <a:round/>
-                      <a:headEnd type="none" w="med" len="med"/>
-                      <a:tailEnd type="none" w="med" len="med"/>
-                    </a:lnT>
-                    <a:lnB w="28575" cap="flat" cmpd="sng" algn="ctr">
-                      <a:solidFill>
-                        <a:schemeClr val="bg1"/>
-                      </a:solidFill>
-                      <a:prstDash val="solid"/>
-                      <a:round/>
-                      <a:headEnd type="none" w="med" len="med"/>
-                      <a:tailEnd type="none" w="med" len="med"/>
-                    </a:lnB>
-                    <a:solidFill>
-                      <a:schemeClr val="tx1"/>
-                    </a:solidFill>
-                  </a:tcPr>
+                  <a:tcPr/>
                 </a:tc>
                 <a:tc>
                   <a:txBody>
                     <a:bodyPr/>
                     <a:lstStyle/>
                     <a:p>
+                      <a:r>
+                        <a:rPr lang="en-US" sz="3200" dirty="0"/>
+                        <a:t>0</a:t>
+                      </a:r>
                       <a:endParaRPr lang="en-US" sz="3200" dirty="0">
                         <a:solidFill>
-                          <a:schemeClr val="bg1"/>
+                          <a:schemeClr val="tx1"/>
                         </a:solidFill>
                       </a:endParaRPr>
                     </a:p>
                   </a:txBody>
-                  <a:tcPr>
-                    <a:lnL w="28575" cap="flat" cmpd="sng" algn="ctr">
-                      <a:solidFill>
-                        <a:schemeClr val="bg1"/>
-                      </a:solidFill>
-                      <a:prstDash val="solid"/>
-                      <a:round/>
-                      <a:headEnd type="none" w="med" len="med"/>
-                      <a:tailEnd type="none" w="med" len="med"/>
-                    </a:lnL>
-                    <a:lnR w="28575" cap="flat" cmpd="sng" algn="ctr">
-                      <a:solidFill>
-                        <a:schemeClr val="bg1"/>
-                      </a:solidFill>
-                      <a:prstDash val="solid"/>
-                      <a:round/>
-                      <a:headEnd type="none" w="med" len="med"/>
-                      <a:tailEnd type="none" w="med" len="med"/>
-                    </a:lnR>
-                    <a:lnT w="28575" cap="flat" cmpd="sng" algn="ctr">
-                      <a:solidFill>
-                        <a:schemeClr val="bg1"/>
-                      </a:solidFill>
-                      <a:prstDash val="solid"/>
-                      <a:round/>
-                      <a:headEnd type="none" w="med" len="med"/>
-                      <a:tailEnd type="none" w="med" len="med"/>
-                    </a:lnT>
-                    <a:lnB w="28575" cap="flat" cmpd="sng" algn="ctr">
-                      <a:solidFill>
-                        <a:schemeClr val="bg1"/>
-                      </a:solidFill>
-                      <a:prstDash val="solid"/>
-                      <a:round/>
-                      <a:headEnd type="none" w="med" len="med"/>
-                      <a:tailEnd type="none" w="med" len="med"/>
-                    </a:lnB>
-                    <a:solidFill>
-                      <a:schemeClr val="tx1"/>
-                    </a:solidFill>
-                  </a:tcPr>
+                  <a:tcPr/>
                 </a:tc>
                 <a:tc>
                   <a:txBody>
                     <a:bodyPr/>
                     <a:lstStyle/>
                     <a:p>
+                      <a:r>
+                        <a:rPr lang="en-US" sz="3200" dirty="0"/>
+                        <a:t>0.316</a:t>
+                      </a:r>
                       <a:endParaRPr lang="en-US" sz="3200" dirty="0">
                         <a:solidFill>
-                          <a:schemeClr val="bg1"/>
+                          <a:schemeClr val="tx1"/>
                         </a:solidFill>
                       </a:endParaRPr>
                     </a:p>
                   </a:txBody>
-                  <a:tcPr>
-                    <a:lnL w="28575" cap="flat" cmpd="sng" algn="ctr">
-                      <a:solidFill>
-                        <a:schemeClr val="bg1"/>
-                      </a:solidFill>
-                      <a:prstDash val="solid"/>
-                      <a:round/>
-                      <a:headEnd type="none" w="med" len="med"/>
-                      <a:tailEnd type="none" w="med" len="med"/>
-                    </a:lnL>
-                    <a:lnR w="12700" cap="flat" cmpd="sng" algn="ctr">
-                      <a:noFill/>
-                      <a:prstDash val="solid"/>
-                      <a:round/>
-                      <a:headEnd type="none" w="med" len="med"/>
-                      <a:tailEnd type="none" w="med" len="med"/>
-                    </a:lnR>
-                    <a:lnT w="28575" cap="flat" cmpd="sng" algn="ctr">
-                      <a:solidFill>
-                        <a:schemeClr val="bg1"/>
-                      </a:solidFill>
-                      <a:prstDash val="solid"/>
-                      <a:round/>
-                      <a:headEnd type="none" w="med" len="med"/>
-                      <a:tailEnd type="none" w="med" len="med"/>
-                    </a:lnT>
-                    <a:lnB w="28575" cap="flat" cmpd="sng" algn="ctr">
-                      <a:solidFill>
-                        <a:schemeClr val="bg1"/>
-                      </a:solidFill>
-                      <a:prstDash val="solid"/>
-                      <a:round/>
-                      <a:headEnd type="none" w="med" len="med"/>
-                      <a:tailEnd type="none" w="med" len="med"/>
-                    </a:lnB>
-                    <a:solidFill>
-                      <a:schemeClr val="tx1"/>
-                    </a:solidFill>
-                  </a:tcPr>
+                  <a:tcPr/>
                 </a:tc>
                 <a:extLst>
                   <a:ext uri="{0D108BD9-81ED-4DB2-BD59-A6C34878D82A}">
@@ -7042,213 +6317,78 @@
                   </a:ext>
                 </a:extLst>
               </a:tr>
-              <a:tr h="936792">
+              <a:tr h="895863">
                 <a:tc>
                   <a:txBody>
                     <a:bodyPr/>
                     <a:lstStyle/>
                     <a:p>
                       <a:r>
-                        <a:rPr lang="en-US" sz="3200" dirty="0">
-                          <a:solidFill>
-                            <a:schemeClr val="bg1"/>
-                          </a:solidFill>
-                        </a:rPr>
+                        <a:rPr lang="en-US" sz="3200" dirty="0"/>
                         <a:t>3</a:t>
                       </a:r>
+                      <a:endParaRPr lang="en-US" sz="3200" dirty="0">
+                        <a:solidFill>
+                          <a:schemeClr val="tx1"/>
+                        </a:solidFill>
+                      </a:endParaRPr>
                     </a:p>
                   </a:txBody>
-                  <a:tcPr>
-                    <a:lnL w="12700" cap="flat" cmpd="sng" algn="ctr">
-                      <a:noFill/>
-                      <a:prstDash val="solid"/>
-                      <a:round/>
-                      <a:headEnd type="none" w="med" len="med"/>
-                      <a:tailEnd type="none" w="med" len="med"/>
-                    </a:lnL>
-                    <a:lnR w="28575" cap="flat" cmpd="sng" algn="ctr">
-                      <a:solidFill>
-                        <a:schemeClr val="bg1"/>
-                      </a:solidFill>
-                      <a:prstDash val="solid"/>
-                      <a:round/>
-                      <a:headEnd type="none" w="med" len="med"/>
-                      <a:tailEnd type="none" w="med" len="med"/>
-                    </a:lnR>
-                    <a:lnT w="28575" cap="flat" cmpd="sng" algn="ctr">
-                      <a:solidFill>
-                        <a:schemeClr val="bg1"/>
-                      </a:solidFill>
-                      <a:prstDash val="solid"/>
-                      <a:round/>
-                      <a:headEnd type="none" w="med" len="med"/>
-                      <a:tailEnd type="none" w="med" len="med"/>
-                    </a:lnT>
-                    <a:lnB w="12700" cap="flat" cmpd="sng" algn="ctr">
-                      <a:noFill/>
-                      <a:prstDash val="solid"/>
-                      <a:round/>
-                      <a:headEnd type="none" w="med" len="med"/>
-                      <a:tailEnd type="none" w="med" len="med"/>
-                    </a:lnB>
-                    <a:solidFill>
-                      <a:schemeClr val="tx1"/>
-                    </a:solidFill>
-                  </a:tcPr>
+                  <a:tcPr/>
                 </a:tc>
                 <a:tc>
                   <a:txBody>
                     <a:bodyPr/>
                     <a:lstStyle/>
                     <a:p>
+                      <a:r>
+                        <a:rPr lang="en-US" sz="3200" dirty="0"/>
+                        <a:t>0.359</a:t>
+                      </a:r>
                       <a:endParaRPr lang="en-US" sz="3200" dirty="0">
                         <a:solidFill>
-                          <a:schemeClr val="bg1"/>
+                          <a:schemeClr val="tx1"/>
                         </a:solidFill>
                       </a:endParaRPr>
                     </a:p>
                   </a:txBody>
-                  <a:tcPr>
-                    <a:lnL w="28575" cap="flat" cmpd="sng" algn="ctr">
-                      <a:solidFill>
-                        <a:schemeClr val="bg1"/>
-                      </a:solidFill>
-                      <a:prstDash val="solid"/>
-                      <a:round/>
-                      <a:headEnd type="none" w="med" len="med"/>
-                      <a:tailEnd type="none" w="med" len="med"/>
-                    </a:lnL>
-                    <a:lnR w="28575" cap="flat" cmpd="sng" algn="ctr">
-                      <a:solidFill>
-                        <a:schemeClr val="bg1"/>
-                      </a:solidFill>
-                      <a:prstDash val="solid"/>
-                      <a:round/>
-                      <a:headEnd type="none" w="med" len="med"/>
-                      <a:tailEnd type="none" w="med" len="med"/>
-                    </a:lnR>
-                    <a:lnT w="28575" cap="flat" cmpd="sng" algn="ctr">
-                      <a:solidFill>
-                        <a:schemeClr val="bg1"/>
-                      </a:solidFill>
-                      <a:prstDash val="solid"/>
-                      <a:round/>
-                      <a:headEnd type="none" w="med" len="med"/>
-                      <a:tailEnd type="none" w="med" len="med"/>
-                    </a:lnT>
-                    <a:lnB w="12700" cap="flat" cmpd="sng" algn="ctr">
-                      <a:noFill/>
-                      <a:prstDash val="solid"/>
-                      <a:round/>
-                      <a:headEnd type="none" w="med" len="med"/>
-                      <a:tailEnd type="none" w="med" len="med"/>
-                    </a:lnB>
-                    <a:solidFill>
-                      <a:schemeClr val="tx1"/>
-                    </a:solidFill>
-                  </a:tcPr>
+                  <a:tcPr/>
                 </a:tc>
                 <a:tc>
                   <a:txBody>
                     <a:bodyPr/>
                     <a:lstStyle/>
                     <a:p>
+                      <a:r>
+                        <a:rPr lang="en-US" sz="3200" dirty="0"/>
+                        <a:t>0.167</a:t>
+                      </a:r>
                       <a:endParaRPr lang="en-US" sz="3200" dirty="0">
                         <a:solidFill>
-                          <a:schemeClr val="bg1"/>
+                          <a:schemeClr val="tx1"/>
                         </a:solidFill>
                       </a:endParaRPr>
                     </a:p>
                   </a:txBody>
-                  <a:tcPr>
-                    <a:lnL w="28575" cap="flat" cmpd="sng" algn="ctr">
-                      <a:solidFill>
-                        <a:schemeClr val="bg1"/>
-                      </a:solidFill>
-                      <a:prstDash val="solid"/>
-                      <a:round/>
-                      <a:headEnd type="none" w="med" len="med"/>
-                      <a:tailEnd type="none" w="med" len="med"/>
-                    </a:lnL>
-                    <a:lnR w="28575" cap="flat" cmpd="sng" algn="ctr">
-                      <a:solidFill>
-                        <a:schemeClr val="bg1"/>
-                      </a:solidFill>
-                      <a:prstDash val="solid"/>
-                      <a:round/>
-                      <a:headEnd type="none" w="med" len="med"/>
-                      <a:tailEnd type="none" w="med" len="med"/>
-                    </a:lnR>
-                    <a:lnT w="28575" cap="flat" cmpd="sng" algn="ctr">
-                      <a:solidFill>
-                        <a:schemeClr val="bg1"/>
-                      </a:solidFill>
-                      <a:prstDash val="solid"/>
-                      <a:round/>
-                      <a:headEnd type="none" w="med" len="med"/>
-                      <a:tailEnd type="none" w="med" len="med"/>
-                    </a:lnT>
-                    <a:lnB w="12700" cap="flat" cmpd="sng" algn="ctr">
-                      <a:noFill/>
-                      <a:prstDash val="solid"/>
-                      <a:round/>
-                      <a:headEnd type="none" w="med" len="med"/>
-                      <a:tailEnd type="none" w="med" len="med"/>
-                    </a:lnB>
-                    <a:solidFill>
-                      <a:schemeClr val="tx1"/>
-                    </a:solidFill>
-                  </a:tcPr>
+                  <a:tcPr/>
                 </a:tc>
                 <a:tc>
                   <a:txBody>
                     <a:bodyPr/>
                     <a:lstStyle/>
                     <a:p>
+                      <a:r>
+                        <a:rPr lang="en-US" sz="3200" dirty="0"/>
+                        <a:t>0.474</a:t>
+                      </a:r>
                       <a:endParaRPr lang="en-US" sz="3200" dirty="0">
                         <a:solidFill>
-                          <a:schemeClr val="bg1"/>
+                          <a:schemeClr val="tx1"/>
                         </a:solidFill>
                       </a:endParaRPr>
                     </a:p>
                   </a:txBody>
-                  <a:tcPr>
-                    <a:lnL w="28575" cap="flat" cmpd="sng" algn="ctr">
-                      <a:solidFill>
-                        <a:schemeClr val="bg1"/>
-                      </a:solidFill>
-                      <a:prstDash val="solid"/>
-                      <a:round/>
-                      <a:headEnd type="none" w="med" len="med"/>
-                      <a:tailEnd type="none" w="med" len="med"/>
-                    </a:lnL>
-                    <a:lnR w="12700" cap="flat" cmpd="sng" algn="ctr">
-                      <a:noFill/>
-                      <a:prstDash val="solid"/>
-                      <a:round/>
-                      <a:headEnd type="none" w="med" len="med"/>
-                      <a:tailEnd type="none" w="med" len="med"/>
-                    </a:lnR>
-                    <a:lnT w="28575" cap="flat" cmpd="sng" algn="ctr">
-                      <a:solidFill>
-                        <a:schemeClr val="bg1"/>
-                      </a:solidFill>
-                      <a:prstDash val="solid"/>
-                      <a:round/>
-                      <a:headEnd type="none" w="med" len="med"/>
-                      <a:tailEnd type="none" w="med" len="med"/>
-                    </a:lnT>
-                    <a:lnB w="12700" cap="flat" cmpd="sng" algn="ctr">
-                      <a:noFill/>
-                      <a:prstDash val="solid"/>
-                      <a:round/>
-                      <a:headEnd type="none" w="med" len="med"/>
-                      <a:tailEnd type="none" w="med" len="med"/>
-                    </a:lnB>
-                    <a:solidFill>
-                      <a:schemeClr val="tx1"/>
-                    </a:solidFill>
-                  </a:tcPr>
+                  <a:tcPr/>
                 </a:tc>
                 <a:extLst>
                   <a:ext uri="{0D108BD9-81ED-4DB2-BD59-A6C34878D82A}">
@@ -7337,6 +6477,429 @@
           </a:graphicData>
         </a:graphic>
       </p:graphicFrame>
+      <p:pic>
+        <p:nvPicPr>
+          <p:cNvPr id="34" name="Picture 33">
+            <a:extLst>
+              <a:ext uri="{FF2B5EF4-FFF2-40B4-BE49-F238E27FC236}">
+                <a16:creationId xmlns:a16="http://schemas.microsoft.com/office/drawing/2014/main" id="{09E12954-2CFD-4E04-B6E4-394F637A0D4E}"/>
+              </a:ext>
+            </a:extLst>
+          </p:cNvPr>
+          <p:cNvPicPr>
+            <a:picLocks noChangeAspect="1"/>
+          </p:cNvPicPr>
+          <p:nvPr/>
+        </p:nvPicPr>
+        <p:blipFill>
+          <a:blip r:embed="rId13"/>
+          <a:stretch>
+            <a:fillRect/>
+          </a:stretch>
+        </p:blipFill>
+        <p:spPr>
+          <a:xfrm>
+            <a:off x="11623588" y="19368460"/>
+            <a:ext cx="10294906" cy="5915775"/>
+          </a:xfrm>
+          <a:prstGeom prst="rect">
+            <a:avLst/>
+          </a:prstGeom>
+        </p:spPr>
+      </p:pic>
+      <p:sp>
+        <p:nvSpPr>
+          <p:cNvPr id="41" name="TextBox 40">
+            <a:extLst>
+              <a:ext uri="{FF2B5EF4-FFF2-40B4-BE49-F238E27FC236}">
+                <a16:creationId xmlns:a16="http://schemas.microsoft.com/office/drawing/2014/main" id="{D1E4D980-BD60-4C83-8D80-5AB57B675580}"/>
+              </a:ext>
+            </a:extLst>
+          </p:cNvPr>
+          <p:cNvSpPr txBox="1"/>
+          <p:nvPr/>
+        </p:nvSpPr>
+        <p:spPr>
+          <a:xfrm>
+            <a:off x="11701388" y="25218132"/>
+            <a:ext cx="10386853" cy="471937"/>
+          </a:xfrm>
+          <a:prstGeom prst="rect">
+            <a:avLst/>
+          </a:prstGeom>
+          <a:noFill/>
+        </p:spPr>
+        <p:txBody>
+          <a:bodyPr wrap="square" rtlCol="0">
+            <a:spAutoFit/>
+          </a:bodyPr>
+          <a:lstStyle/>
+          <a:p>
+            <a:pPr algn="ctr"/>
+            <a:r>
+              <a:rPr lang="en-US" sz="2400" dirty="0"/>
+              <a:t>Figure 4: Schematic of methodology</a:t>
+            </a:r>
+          </a:p>
+        </p:txBody>
+      </p:sp>
+      <p:sp>
+        <p:nvSpPr>
+          <p:cNvPr id="44" name="TextBox 43">
+            <a:extLst>
+              <a:ext uri="{FF2B5EF4-FFF2-40B4-BE49-F238E27FC236}">
+                <a16:creationId xmlns:a16="http://schemas.microsoft.com/office/drawing/2014/main" id="{A4B10956-9A31-46E8-BC0F-50C9FC6A65CD}"/>
+              </a:ext>
+            </a:extLst>
+          </p:cNvPr>
+          <p:cNvSpPr txBox="1"/>
+          <p:nvPr/>
+        </p:nvSpPr>
+        <p:spPr>
+          <a:xfrm>
+            <a:off x="734107" y="707340"/>
+            <a:ext cx="4161904" cy="1938992"/>
+          </a:xfrm>
+          <a:prstGeom prst="rect">
+            <a:avLst/>
+          </a:prstGeom>
+          <a:noFill/>
+        </p:spPr>
+        <p:txBody>
+          <a:bodyPr wrap="square" rtlCol="0">
+            <a:spAutoFit/>
+          </a:bodyPr>
+          <a:lstStyle/>
+          <a:p>
+            <a:r>
+              <a:rPr lang="en-US" sz="6000" dirty="0"/>
+              <a:t>Abstract ID: 620477</a:t>
+            </a:r>
+          </a:p>
+        </p:txBody>
+      </p:sp>
+      <p:pic>
+        <p:nvPicPr>
+          <p:cNvPr id="46" name="Picture 45" descr="A picture containing drawing, food&#10;&#10;Description automatically generated">
+            <a:extLst>
+              <a:ext uri="{FF2B5EF4-FFF2-40B4-BE49-F238E27FC236}">
+                <a16:creationId xmlns:a16="http://schemas.microsoft.com/office/drawing/2014/main" id="{BBE20D5C-E936-4867-A76C-BF7777F43FBB}"/>
+              </a:ext>
+            </a:extLst>
+          </p:cNvPr>
+          <p:cNvPicPr>
+            <a:picLocks noChangeAspect="1"/>
+          </p:cNvPicPr>
+          <p:nvPr/>
+        </p:nvPicPr>
+        <p:blipFill>
+          <a:blip r:embed="rId14">
+            <a:extLst>
+              <a:ext uri="{28A0092B-C50C-407E-A947-70E740481C1C}">
+                <a14:useLocalDpi xmlns:a14="http://schemas.microsoft.com/office/drawing/2010/main" val="0"/>
+              </a:ext>
+            </a:extLst>
+          </a:blip>
+          <a:stretch>
+            <a:fillRect/>
+          </a:stretch>
+        </p:blipFill>
+        <p:spPr>
+          <a:xfrm>
+            <a:off x="783963" y="2743614"/>
+            <a:ext cx="7854384" cy="1306187"/>
+          </a:xfrm>
+          <a:prstGeom prst="rect">
+            <a:avLst/>
+          </a:prstGeom>
+        </p:spPr>
+      </p:pic>
+      <p:sp>
+        <p:nvSpPr>
+          <p:cNvPr id="60" name="TextBox 59">
+            <a:extLst>
+              <a:ext uri="{FF2B5EF4-FFF2-40B4-BE49-F238E27FC236}">
+                <a16:creationId xmlns:a16="http://schemas.microsoft.com/office/drawing/2014/main" id="{059FCBBD-1FA3-432B-AEB4-7286DB8410AC}"/>
+              </a:ext>
+            </a:extLst>
+          </p:cNvPr>
+          <p:cNvSpPr txBox="1"/>
+          <p:nvPr/>
+        </p:nvSpPr>
+        <p:spPr>
+          <a:xfrm>
+            <a:off x="639824" y="30865688"/>
+            <a:ext cx="21544430" cy="1569660"/>
+          </a:xfrm>
+          <a:prstGeom prst="rect">
+            <a:avLst/>
+          </a:prstGeom>
+          <a:solidFill>
+            <a:schemeClr val="accent5">
+              <a:lumMod val="60000"/>
+              <a:lumOff val="40000"/>
+            </a:schemeClr>
+          </a:solidFill>
+        </p:spPr>
+        <p:txBody>
+          <a:bodyPr wrap="square" rtlCol="0">
+            <a:spAutoFit/>
+          </a:bodyPr>
+          <a:lstStyle/>
+          <a:p>
+            <a:r>
+              <a:rPr lang="en-US" sz="4800" dirty="0"/>
+              <a:t>Funding/Acknowledgements</a:t>
+            </a:r>
+          </a:p>
+          <a:p>
+            <a:r>
+              <a:rPr lang="en-US" sz="2400" dirty="0"/>
+              <a:t>The authors would like to thank the researchers at the Columbia Water Center for their suggestions and comments during this work. </a:t>
+            </a:r>
+          </a:p>
+          <a:p>
+            <a:pPr marL="342900" indent="-342900">
+              <a:buFont typeface="Arial" panose="020B0604020202020204" pitchFamily="34" charset="0"/>
+              <a:buChar char="•"/>
+            </a:pPr>
+            <a:endParaRPr lang="en-US" sz="2400" dirty="0"/>
+          </a:p>
+        </p:txBody>
+      </p:sp>
+      <p:sp>
+        <p:nvSpPr>
+          <p:cNvPr id="47" name="TextBox 46">
+            <a:extLst>
+              <a:ext uri="{FF2B5EF4-FFF2-40B4-BE49-F238E27FC236}">
+                <a16:creationId xmlns:a16="http://schemas.microsoft.com/office/drawing/2014/main" id="{A365F5DF-7DE1-44E0-9ED5-A21267E5C263}"/>
+              </a:ext>
+            </a:extLst>
+          </p:cNvPr>
+          <p:cNvSpPr txBox="1"/>
+          <p:nvPr/>
+        </p:nvSpPr>
+        <p:spPr>
+          <a:xfrm>
+            <a:off x="23050714" y="19841031"/>
+            <a:ext cx="6318070" cy="830997"/>
+          </a:xfrm>
+          <a:prstGeom prst="rect">
+            <a:avLst/>
+          </a:prstGeom>
+          <a:noFill/>
+        </p:spPr>
+        <p:txBody>
+          <a:bodyPr wrap="square" rtlCol="0">
+            <a:spAutoFit/>
+          </a:bodyPr>
+          <a:lstStyle/>
+          <a:p>
+            <a:pPr algn="ctr"/>
+            <a:r>
+              <a:rPr lang="en-US" sz="2400" dirty="0"/>
+              <a:t>Figure 6: Wavelet Coherence between PC-1 and North Atlantic Oscillation</a:t>
+            </a:r>
+          </a:p>
+        </p:txBody>
+      </p:sp>
+      <p:sp>
+        <p:nvSpPr>
+          <p:cNvPr id="61" name="TextBox 60">
+            <a:extLst>
+              <a:ext uri="{FF2B5EF4-FFF2-40B4-BE49-F238E27FC236}">
+                <a16:creationId xmlns:a16="http://schemas.microsoft.com/office/drawing/2014/main" id="{B52C9870-6227-4E2D-AAA1-4C19BFAB6413}"/>
+              </a:ext>
+            </a:extLst>
+          </p:cNvPr>
+          <p:cNvSpPr txBox="1"/>
+          <p:nvPr/>
+        </p:nvSpPr>
+        <p:spPr>
+          <a:xfrm>
+            <a:off x="38393700" y="19721666"/>
+            <a:ext cx="4346903" cy="830997"/>
+          </a:xfrm>
+          <a:prstGeom prst="rect">
+            <a:avLst/>
+          </a:prstGeom>
+          <a:noFill/>
+        </p:spPr>
+        <p:txBody>
+          <a:bodyPr wrap="square" rtlCol="0">
+            <a:spAutoFit/>
+          </a:bodyPr>
+          <a:lstStyle/>
+          <a:p>
+            <a:pPr algn="ctr"/>
+            <a:r>
+              <a:rPr lang="en-US" sz="2400" dirty="0"/>
+              <a:t>Figure 7: Correlation between PC-1 and climate indices. </a:t>
+            </a:r>
+          </a:p>
+        </p:txBody>
+      </p:sp>
+      <p:sp>
+        <p:nvSpPr>
+          <p:cNvPr id="52" name="TextBox 51">
+            <a:extLst>
+              <a:ext uri="{FF2B5EF4-FFF2-40B4-BE49-F238E27FC236}">
+                <a16:creationId xmlns:a16="http://schemas.microsoft.com/office/drawing/2014/main" id="{C0999BB9-2FAC-4233-875F-C2DFFC4B9ABB}"/>
+              </a:ext>
+            </a:extLst>
+          </p:cNvPr>
+          <p:cNvSpPr txBox="1"/>
+          <p:nvPr/>
+        </p:nvSpPr>
+        <p:spPr>
+          <a:xfrm>
+            <a:off x="23043118" y="28623350"/>
+            <a:ext cx="9418082" cy="830997"/>
+          </a:xfrm>
+          <a:prstGeom prst="rect">
+            <a:avLst/>
+          </a:prstGeom>
+          <a:noFill/>
+        </p:spPr>
+        <p:txBody>
+          <a:bodyPr wrap="square" rtlCol="0">
+            <a:spAutoFit/>
+          </a:bodyPr>
+          <a:lstStyle/>
+          <a:p>
+            <a:pPr algn="ctr"/>
+            <a:r>
+              <a:rPr lang="en-US" sz="2400" dirty="0"/>
+              <a:t>Fig 8:- Count Threshold Exceedances across ORB along with labelled hidden states. </a:t>
+            </a:r>
+          </a:p>
+        </p:txBody>
+      </p:sp>
+      <p:sp>
+        <p:nvSpPr>
+          <p:cNvPr id="62" name="TextBox 61">
+            <a:extLst>
+              <a:ext uri="{FF2B5EF4-FFF2-40B4-BE49-F238E27FC236}">
+                <a16:creationId xmlns:a16="http://schemas.microsoft.com/office/drawing/2014/main" id="{D50AFFFE-E5F6-4B44-BBCF-3C2CE0422C3F}"/>
+              </a:ext>
+            </a:extLst>
+          </p:cNvPr>
+          <p:cNvSpPr txBox="1"/>
+          <p:nvPr/>
+        </p:nvSpPr>
+        <p:spPr>
+          <a:xfrm>
+            <a:off x="33330118" y="28786000"/>
+            <a:ext cx="9418082" cy="1200329"/>
+          </a:xfrm>
+          <a:prstGeom prst="rect">
+            <a:avLst/>
+          </a:prstGeom>
+          <a:noFill/>
+        </p:spPr>
+        <p:txBody>
+          <a:bodyPr wrap="square" rtlCol="0">
+            <a:spAutoFit/>
+          </a:bodyPr>
+          <a:lstStyle/>
+          <a:p>
+            <a:pPr algn="ctr"/>
+            <a:r>
+              <a:rPr lang="en-US" sz="2400" dirty="0"/>
+              <a:t>Fig 9:- Simulation Skill for the 3 State HMM Model. (a)- Mean, Standard Deviation and Maximum replication skill. (b) PDF (c) CDF (d)  Transition Matrix</a:t>
+            </a:r>
+          </a:p>
+        </p:txBody>
+      </p:sp>
+      <p:sp>
+        <p:nvSpPr>
+          <p:cNvPr id="53" name="TextBox 52">
+            <a:extLst>
+              <a:ext uri="{FF2B5EF4-FFF2-40B4-BE49-F238E27FC236}">
+                <a16:creationId xmlns:a16="http://schemas.microsoft.com/office/drawing/2014/main" id="{859E9D2E-0FF8-4432-BF4C-82DE4396F249}"/>
+              </a:ext>
+            </a:extLst>
+          </p:cNvPr>
+          <p:cNvSpPr txBox="1"/>
+          <p:nvPr/>
+        </p:nvSpPr>
+        <p:spPr>
+          <a:xfrm>
+            <a:off x="29998737" y="14348817"/>
+            <a:ext cx="7848306" cy="4524315"/>
+          </a:xfrm>
+          <a:prstGeom prst="rect">
+            <a:avLst/>
+          </a:prstGeom>
+          <a:noFill/>
+        </p:spPr>
+        <p:txBody>
+          <a:bodyPr wrap="square" rtlCol="0">
+            <a:spAutoFit/>
+          </a:bodyPr>
+          <a:lstStyle/>
+          <a:p>
+            <a:pPr marL="342900" indent="-342900">
+              <a:buFont typeface="Arial" panose="020B0604020202020204" pitchFamily="34" charset="0"/>
+              <a:buChar char="•"/>
+            </a:pPr>
+            <a:r>
+              <a:rPr lang="en-US" sz="2400" dirty="0"/>
+              <a:t>The PC-Wavelet approach shown above looks at spatial features followed by its temporal signature. Inverting the order of investigation leads to similar results. (Plots not shown), pointing to a robust methodology. </a:t>
+            </a:r>
+          </a:p>
+          <a:p>
+            <a:pPr marL="342900" indent="-342900">
+              <a:buFont typeface="Arial" panose="020B0604020202020204" pitchFamily="34" charset="0"/>
+              <a:buChar char="•"/>
+            </a:pPr>
+            <a:endParaRPr lang="en-US" sz="2400" dirty="0"/>
+          </a:p>
+          <a:p>
+            <a:pPr marL="342900" indent="-342900">
+              <a:buFont typeface="Arial" panose="020B0604020202020204" pitchFamily="34" charset="0"/>
+              <a:buChar char="•"/>
+            </a:pPr>
+            <a:r>
+              <a:rPr lang="en-US" sz="2400" dirty="0"/>
+              <a:t>The dominant mode of variability is based in the western region of ORB, accounting for ~40% of total variance and has a characteristic 7-yr low frequency cycle.</a:t>
+            </a:r>
+          </a:p>
+          <a:p>
+            <a:pPr marL="342900" indent="-342900">
+              <a:buFont typeface="Arial" panose="020B0604020202020204" pitchFamily="34" charset="0"/>
+              <a:buChar char="•"/>
+            </a:pPr>
+            <a:endParaRPr lang="en-US" sz="2400" dirty="0"/>
+          </a:p>
+          <a:p>
+            <a:pPr marL="342900" indent="-342900">
+              <a:buFont typeface="Arial" panose="020B0604020202020204" pitchFamily="34" charset="0"/>
+              <a:buChar char="•"/>
+            </a:pPr>
+            <a:r>
+              <a:rPr lang="en-US" sz="2400" dirty="0"/>
+              <a:t>Unlike the 1</a:t>
+            </a:r>
+            <a:r>
+              <a:rPr lang="en-US" sz="2400" baseline="30000" dirty="0"/>
+              <a:t>st</a:t>
+            </a:r>
+            <a:r>
+              <a:rPr lang="en-US" sz="2400" dirty="0"/>
+              <a:t> PC, the 2</a:t>
+            </a:r>
+            <a:r>
+              <a:rPr lang="en-US" sz="2400" baseline="30000" dirty="0"/>
+              <a:t>nd</a:t>
+            </a:r>
+            <a:r>
+              <a:rPr lang="en-US" sz="2400" dirty="0"/>
+              <a:t> PC is based in the eastern part of ORB and explains about 17% of the variance and has a secular trend.  </a:t>
+            </a:r>
+          </a:p>
+        </p:txBody>
+      </p:sp>
     </p:spTree>
     <p:extLst>
       <p:ext uri="{BB962C8B-B14F-4D97-AF65-F5344CB8AC3E}">

--- a/Poster and Presentations/AGU_2019.pptx
+++ b/Poster and Presentations/AGU_2019.pptx
@@ -3848,7 +3848,7 @@
         <p:spPr>
           <a:xfrm>
             <a:off x="639824" y="4975423"/>
-            <a:ext cx="10111034" cy="14865608"/>
+            <a:ext cx="10111034" cy="14742497"/>
           </a:xfrm>
           <a:prstGeom prst="rect">
             <a:avLst/>
@@ -3912,7 +3912,15 @@
             </a:r>
             <a:r>
               <a:rPr lang="en-US" sz="2400" dirty="0"/>
-              <a:t>): “…the centers of greatest storminess over the United States and Canada shift in both latitude and longitude. After moving east for a number of years the location of these centers returns abruptly to a position much farther west. It may be that after ninety years the storm centers return to very nearly the same place which they had at the beginning.”</a:t>
+              <a:t>)</a:t>
+            </a:r>
+            <a:r>
+              <a:rPr lang="en-US" sz="2400" baseline="30000" dirty="0"/>
+              <a:t>2</a:t>
+            </a:r>
+            <a:r>
+              <a:rPr lang="en-US" sz="2400" dirty="0"/>
+              <a:t>: “…the centers of greatest storminess over the United States and Canada shift in both latitude and longitude. After moving east for a number of years the location of these centers returns abruptly to a position much farther west. It may be that after ninety years the storm centers return to very nearly the same place which they had at the beginning.”</a:t>
             </a:r>
           </a:p>
           <a:p>
@@ -3937,7 +3945,15 @@
             </a:r>
             <a:r>
               <a:rPr lang="en-US" sz="2400" dirty="0"/>
-              <a:t>)“The conditions causing the excessive rainfall of up from 13 inches in southwestern Indiana to 12.7 in north- central Ohio in March, 1913, were almost identical with those of January, 1937”</a:t>
+              <a:t>)</a:t>
+            </a:r>
+            <a:r>
+              <a:rPr lang="en-US" sz="2400" baseline="30000" dirty="0"/>
+              <a:t>3</a:t>
+            </a:r>
+            <a:r>
+              <a:rPr lang="en-US" sz="2400" dirty="0"/>
+              <a:t>“The conditions causing the excessive rainfall of up from 13 inches in southwestern Indiana to 12.7 in north- central Ohio in March, 1913, were almost identical with those of January, 1937”</a:t>
             </a:r>
             <a:endParaRPr lang="en-US" sz="2400" u="sng" dirty="0"/>
           </a:p>
@@ -4019,30 +4035,15 @@
             <a:endParaRPr lang="en-US" sz="1600" dirty="0"/>
           </a:p>
           <a:p>
-            <a:endParaRPr lang="en-US" sz="1600" dirty="0"/>
-          </a:p>
-          <a:p>
-            <a:endParaRPr lang="en-US" sz="1600" dirty="0"/>
-          </a:p>
-          <a:p>
-            <a:endParaRPr lang="en-US" sz="1600" dirty="0"/>
-          </a:p>
-          <a:p>
-            <a:endParaRPr lang="en-US" sz="1600" dirty="0"/>
-          </a:p>
-          <a:p>
-            <a:endParaRPr lang="en-US" sz="1600" dirty="0"/>
-          </a:p>
-          <a:p>
-            <a:endParaRPr lang="en-US" sz="1600" dirty="0"/>
-          </a:p>
-          <a:p>
-            <a:endParaRPr lang="en-US" sz="1600" dirty="0"/>
-          </a:p>
-          <a:p>
             <a:r>
               <a:rPr lang="en-US" sz="2800" u="sng" dirty="0"/>
-              <a:t>Research Question:- What can we infer as to space-time clustering of floods from historical streamflow data from the Ohio River Basin?</a:t>
+              <a:t>Research Question:- 1. What can we infer as to space-time clustering of floods from historical streamflow data from the Ohio River Basin?</a:t>
+            </a:r>
+          </a:p>
+          <a:p>
+            <a:r>
+              <a:rPr lang="en-US" sz="2800" u="sng" dirty="0"/>
+              <a:t>2. Are there statistical models which can capture low frequency variations ?</a:t>
             </a:r>
           </a:p>
           <a:p>
@@ -4063,7 +4064,33 @@
             </a:r>
             <a:r>
               <a:rPr lang="en-US" sz="1600" i="1" dirty="0"/>
-              <a:t>5</a:t>
+              <a:t>5. 2- </a:t>
+            </a:r>
+            <a:r>
+              <a:rPr lang="en-US" sz="1600" dirty="0"/>
+              <a:t>Moseley, E. L. (1939). Long time forecasts of Ohio River floods. 3- Long time forecasts of Ohio River floods. 3- Brooks, C. F., &amp; Thiessen, A. H. (1937). The meteorology of great floods in the eastern United States. </a:t>
+            </a:r>
+            <a:r>
+              <a:rPr lang="en-US" sz="1600" i="1" dirty="0"/>
+              <a:t>Geographical Review</a:t>
+            </a:r>
+            <a:r>
+              <a:rPr lang="en-US" sz="1600" dirty="0"/>
+              <a:t>, </a:t>
+            </a:r>
+            <a:r>
+              <a:rPr lang="en-US" sz="1600" i="1" dirty="0"/>
+              <a:t>27</a:t>
+            </a:r>
+            <a:r>
+              <a:rPr lang="en-US" sz="1600" dirty="0"/>
+              <a:t>(2), 269-290. 4- </a:t>
+            </a:r>
+            <a:r>
+              <a:rPr lang="en-US" sz="1600" dirty="0">
+                <a:hlinkClick r:id="rId3"/>
+              </a:rPr>
+              <a:t>https://www.ncdc.noaa.gov/cag/national/time-series</a:t>
             </a:r>
             <a:endParaRPr lang="en-US" sz="1600" dirty="0"/>
           </a:p>
@@ -4083,8 +4110,8 @@
         </p:nvSpPr>
         <p:spPr>
           <a:xfrm>
-            <a:off x="639824" y="20202064"/>
-            <a:ext cx="10111034" cy="5663089"/>
+            <a:off x="639824" y="20068734"/>
+            <a:ext cx="10111034" cy="6032421"/>
           </a:xfrm>
           <a:prstGeom prst="rect">
             <a:avLst/>
@@ -4171,14 +4198,20 @@
             <a:endParaRPr lang="en-US" sz="2400" dirty="0"/>
           </a:p>
           <a:p>
-            <a:endParaRPr lang="en-US" sz="2800" dirty="0"/>
+            <a:endParaRPr lang="en-US" sz="1400" dirty="0"/>
+          </a:p>
+          <a:p>
+            <a:endParaRPr lang="en-US" sz="1400" dirty="0"/>
+          </a:p>
+          <a:p>
+            <a:endParaRPr lang="en-US" sz="1400" dirty="0"/>
           </a:p>
           <a:p>
             <a:pPr marL="342900" indent="-342900">
               <a:buAutoNum type="arabicPeriod"/>
             </a:pPr>
             <a:r>
-              <a:rPr kumimoji="0" lang="en-US" altLang="en-US" sz="1400" b="0" i="0" u="none" strike="noStrike" cap="none" normalizeH="0" baseline="0" dirty="0">
+              <a:rPr kumimoji="0" lang="en-US" altLang="en-US" sz="1600" b="0" i="0" u="none" strike="noStrike" cap="none" normalizeH="0" baseline="0" dirty="0">
                 <a:ln>
                   <a:noFill/>
                 </a:ln>
@@ -4191,7 +4224,7 @@
               <a:t>Hirsch, R.M., and De Cicco, L.A., 2015, User guide to Exploration and Graphics for RivEr Trends (EGRET) and dataRetrieval: R packages for hydrologic data (version 2.0, February 2015): U.S. Geological Survey Techniques and Methods book 4, chap. A10, 93 p., </a:t>
             </a:r>
             <a:r>
-              <a:rPr lang="en-US" altLang="en-US" sz="1400" dirty="0">
+              <a:rPr lang="en-US" altLang="en-US" sz="1600" dirty="0">
                 <a:solidFill>
                   <a:srgbClr val="000000"/>
                 </a:solidFill>
@@ -4199,7 +4232,7 @@
               </a:rPr>
               <a:t>http://dx.doi.org/10.3133/tm4A10</a:t>
             </a:r>
-            <a:endParaRPr lang="en-US" altLang="en-US" sz="1400" dirty="0">
+            <a:endParaRPr lang="en-US" altLang="en-US" sz="1600" dirty="0">
               <a:latin typeface="Arial" panose="020B0604020202020204" pitchFamily="34" charset="0"/>
             </a:endParaRPr>
           </a:p>
@@ -4209,7 +4242,7 @@
               <a:buAutoNum type="arabicPeriod"/>
             </a:pPr>
             <a:r>
-              <a:rPr lang="en-US" altLang="en-US" sz="1400" dirty="0">
+              <a:rPr lang="en-US" altLang="en-US" sz="1600" dirty="0">
                 <a:solidFill>
                   <a:srgbClr val="000000"/>
                 </a:solidFill>
@@ -4218,10 +4251,9 @@
               <a:t>KNMI Climate Explorer - </a:t>
             </a:r>
             <a:r>
-              <a:rPr lang="en-US" sz="1400" u="sng" dirty="0"/>
+              <a:rPr lang="en-US" sz="1600" u="sng" dirty="0"/>
               <a:t>https://climexp.knmi.nl/</a:t>
             </a:r>
-            <a:endParaRPr lang="en-US" sz="1800" u="sng" dirty="0"/>
           </a:p>
         </p:txBody>
       </p:sp>
@@ -4350,8 +4382,8 @@
         </p:nvSpPr>
         <p:spPr>
           <a:xfrm>
-            <a:off x="11419297" y="4975423"/>
-            <a:ext cx="10732011" cy="9203353"/>
+            <a:off x="11232183" y="4975423"/>
+            <a:ext cx="10919125" cy="9203353"/>
           </a:xfrm>
           <a:prstGeom prst="rect">
             <a:avLst/>
@@ -4371,7 +4403,7 @@
           <a:p>
             <a:r>
               <a:rPr lang="en-US" sz="4800" dirty="0"/>
-              <a:t>Ohio River Basin</a:t>
+              <a:t>Ohio River Basin(ORB)</a:t>
             </a:r>
           </a:p>
           <a:p>
@@ -4719,8 +4751,8 @@
         </p:nvSpPr>
         <p:spPr>
           <a:xfrm>
-            <a:off x="11419298" y="14570360"/>
-            <a:ext cx="10772502" cy="11295400"/>
+            <a:off x="11232183" y="14570360"/>
+            <a:ext cx="10959617" cy="11541621"/>
           </a:xfrm>
           <a:prstGeom prst="rect">
             <a:avLst/>
@@ -4744,7 +4776,7 @@
             </a:r>
           </a:p>
           <a:p>
-            <a:endParaRPr lang="en-US" sz="2800" dirty="0"/>
+            <a:endParaRPr lang="en-US" sz="1600" dirty="0"/>
           </a:p>
           <a:p>
             <a:r>
@@ -4759,7 +4791,7 @@
             </a:pPr>
             <a:r>
               <a:rPr lang="en-US" sz="2400" dirty="0"/>
-              <a:t>Daily Data from 28 stations for the period 1937-2017 were used. </a:t>
+              <a:t>Daily Data from 28 stations for the period 1937-2017 were used and converted to annual data using site-specific annual maximum as the extremity metric. </a:t>
             </a:r>
           </a:p>
           <a:p>
@@ -4847,13 +4879,23 @@
             <a:endParaRPr lang="en-US" sz="2400" dirty="0"/>
           </a:p>
           <a:p>
-            <a:endParaRPr lang="en-US" sz="2400" dirty="0"/>
-          </a:p>
-          <a:p>
-            <a:endParaRPr lang="en-US" sz="2400" dirty="0"/>
-          </a:p>
-          <a:p>
-            <a:endParaRPr lang="en-US" sz="2400" dirty="0"/>
+            <a:r>
+              <a:rPr lang="en-US" sz="1400" dirty="0"/>
+              <a:t> </a:t>
+            </a:r>
+            <a:endParaRPr lang="en-US" sz="1200" dirty="0"/>
+          </a:p>
+          <a:p>
+            <a:endParaRPr lang="en-US" sz="1200" dirty="0"/>
+          </a:p>
+          <a:p>
+            <a:endParaRPr lang="en-US" sz="1200" dirty="0"/>
+          </a:p>
+          <a:p>
+            <a:endParaRPr lang="en-US" sz="1200" dirty="0"/>
+          </a:p>
+          <a:p>
+            <a:endParaRPr lang="en-US" sz="1400" dirty="0"/>
           </a:p>
         </p:txBody>
       </p:sp>
@@ -4872,7 +4914,7 @@
           <p:nvPr/>
         </p:nvPicPr>
         <p:blipFill>
-          <a:blip r:embed="rId3">
+          <a:blip r:embed="rId4">
             <a:extLst>
               <a:ext uri="{28A0092B-C50C-407E-A947-70E740481C1C}">
                 <a14:useLocalDpi xmlns:a14="http://schemas.microsoft.com/office/drawing/2010/main" val="0"/>
@@ -4886,7 +4928,7 @@
         </p:blipFill>
         <p:spPr bwMode="auto">
           <a:xfrm>
-            <a:off x="16453225" y="6038383"/>
+            <a:off x="16491275" y="5931678"/>
             <a:ext cx="5382255" cy="3834661"/>
           </a:xfrm>
           <a:prstGeom prst="rect">
@@ -4923,8 +4965,8 @@
         </p:nvSpPr>
         <p:spPr>
           <a:xfrm>
-            <a:off x="11514635" y="6076533"/>
-            <a:ext cx="4753972" cy="4524315"/>
+            <a:off x="11310929" y="6076533"/>
+            <a:ext cx="4957678" cy="4524315"/>
           </a:xfrm>
           <a:prstGeom prst="rect">
             <a:avLst/>
@@ -4986,8 +5028,8 @@
         </p:nvSpPr>
         <p:spPr>
           <a:xfrm>
-            <a:off x="11510951" y="10057089"/>
-            <a:ext cx="10629845" cy="3970318"/>
+            <a:off x="11293285" y="10157923"/>
+            <a:ext cx="10829867" cy="3970318"/>
           </a:xfrm>
           <a:prstGeom prst="rect">
             <a:avLst/>
@@ -5163,23 +5205,23 @@
             </a:r>
           </a:p>
           <a:p>
+            <a:endParaRPr lang="en-US" sz="2400" dirty="0"/>
+          </a:p>
+          <a:p>
             <a:pPr marL="342900" indent="-342900">
               <a:buFont typeface="Arial" panose="020B0604020202020204" pitchFamily="34" charset="0"/>
               <a:buChar char="•"/>
             </a:pPr>
-            <a:endParaRPr lang="en-US" sz="2400" dirty="0"/>
+            <a:r>
+              <a:rPr lang="en-US" sz="2400" dirty="0"/>
+              <a:t>The ORB shows significant clustering in the regional streamflow regime with ramifications in the understanding of the local climatology and for the design of critical infrastructure in the region.</a:t>
+            </a:r>
           </a:p>
           <a:p>
             <a:pPr marL="342900" indent="-342900">
               <a:buFont typeface="Arial" panose="020B0604020202020204" pitchFamily="34" charset="0"/>
               <a:buChar char="•"/>
             </a:pPr>
-            <a:r>
-              <a:rPr lang="en-US" sz="2400" dirty="0"/>
-              <a:t>The ORB shows significant clustering in the regional stream-flow with further ramifications in the understanding of the local climatology and for the design of critical infrastructure in the region. </a:t>
-            </a:r>
-          </a:p>
-          <a:p>
             <a:endParaRPr lang="en-US" sz="2400" dirty="0"/>
           </a:p>
           <a:p>
@@ -5189,24 +5231,20 @@
             </a:pPr>
             <a:r>
               <a:rPr lang="en-US" sz="2400" dirty="0"/>
-              <a:t>Large scale climate drivers induce space and time clustering in the occurrence of flooding in this region, even without an anthropogenic climate change, with significant regional impact on losses and supply chains.</a:t>
-            </a:r>
+              <a:t>There is presence of fat tail in the aggregated spatial domain across the ORB, which is captured and well simulated by a Poisson emission based Hidden Markov Model(HMM).</a:t>
+            </a:r>
+          </a:p>
+          <a:p>
+            <a:endParaRPr lang="en-US" sz="2400" dirty="0"/>
           </a:p>
           <a:p>
             <a:pPr marL="342900" indent="-342900">
               <a:buFont typeface="Arial" panose="020B0604020202020204" pitchFamily="34" charset="0"/>
               <a:buChar char="•"/>
             </a:pPr>
-            <a:endParaRPr lang="en-US" sz="2400" dirty="0"/>
-          </a:p>
-          <a:p>
-            <a:pPr marL="342900" indent="-342900">
-              <a:buFont typeface="Arial" panose="020B0604020202020204" pitchFamily="34" charset="0"/>
-              <a:buChar char="•"/>
-            </a:pPr>
             <a:r>
               <a:rPr lang="en-US" sz="2400" dirty="0"/>
-              <a:t>There is presence of fat tail in the aggregated spatial domain across the ORB, which is captured and simulated well by a Poisson emission based Hidden Markov Model(HMM), which shows predictability of </a:t>
+              <a:t>Large scale climate drivers potentially induce space and time clustering in the occurrence of flooding in this region, even without an anthropogenic climate change, with significant regional impact on losses and supply chains.</a:t>
             </a:r>
           </a:p>
         </p:txBody>
@@ -5220,7 +5258,7 @@
           <p:nvPr/>
         </p:nvPicPr>
         <p:blipFill>
-          <a:blip r:embed="rId4">
+          <a:blip r:embed="rId5">
             <a:extLst>
               <a:ext uri="{28A0092B-C50C-407E-A947-70E740481C1C}">
                 <a14:useLocalDpi xmlns:a14="http://schemas.microsoft.com/office/drawing/2010/main" val="0"/>
@@ -5234,7 +5272,7 @@
         </p:blipFill>
         <p:spPr bwMode="auto">
           <a:xfrm>
-            <a:off x="4746670" y="10770623"/>
+            <a:off x="4795800" y="10657474"/>
             <a:ext cx="5754579" cy="5072321"/>
           </a:xfrm>
           <a:prstGeom prst="rect">
@@ -5271,8 +5309,8 @@
         </p:nvSpPr>
         <p:spPr>
           <a:xfrm>
-            <a:off x="800158" y="10770623"/>
-            <a:ext cx="3696904" cy="7109639"/>
+            <a:off x="767334" y="10984256"/>
+            <a:ext cx="3696904" cy="4893647"/>
           </a:xfrm>
           <a:prstGeom prst="rect">
             <a:avLst/>
@@ -5291,19 +5329,11 @@
             </a:pPr>
             <a:r>
               <a:rPr lang="en-US" sz="2400" dirty="0"/>
-              <a:t>This forecast has turned out true with record breaking floods across the Mid-west, surpassing the last great floods of 1993</a:t>
+              <a:t>This forecast has turned out true with record breaking floods across the Mid-west, surpassing the last great floods of 1993. This has been the wettest 12 months in the history of United States since 1895</a:t>
             </a:r>
             <a:r>
               <a:rPr lang="en-US" sz="2400" baseline="30000" dirty="0"/>
-              <a:t>1,2</a:t>
-            </a:r>
-            <a:r>
-              <a:rPr lang="en-US" sz="2400" dirty="0"/>
-              <a:t>. This has been the wettest 12 months in the history of United States since 1895</a:t>
-            </a:r>
-            <a:r>
-              <a:rPr lang="en-US" sz="2400" baseline="30000" dirty="0"/>
-              <a:t>3</a:t>
+              <a:t>4</a:t>
             </a:r>
             <a:r>
               <a:rPr lang="en-US" sz="2400" dirty="0"/>
@@ -5315,18 +5345,7 @@
               <a:buFont typeface="Arial" panose="020B0604020202020204" pitchFamily="34" charset="0"/>
               <a:buChar char="•"/>
             </a:pPr>
-            <a:r>
-              <a:rPr lang="en-US" sz="2400" dirty="0"/>
-              <a:t>Across the media, climate change is invoked</a:t>
-            </a:r>
-            <a:r>
-              <a:rPr lang="en-US" sz="2400" baseline="30000" dirty="0"/>
-              <a:t>2,4</a:t>
-            </a:r>
-            <a:r>
-              <a:rPr lang="en-US" sz="2400" dirty="0"/>
-              <a:t>.  However, the region has a 200 year history of great floods that are synchronous across the region</a:t>
-            </a:r>
+            <a:endParaRPr lang="en-US" sz="2400" dirty="0"/>
           </a:p>
         </p:txBody>
       </p:sp>
@@ -5344,8 +5363,8 @@
         </p:nvSpPr>
         <p:spPr>
           <a:xfrm>
-            <a:off x="16363945" y="9917174"/>
-            <a:ext cx="5382255" cy="369332"/>
+            <a:off x="16347353" y="9784222"/>
+            <a:ext cx="5382255" cy="646331"/>
           </a:xfrm>
           <a:prstGeom prst="rect">
             <a:avLst/>
@@ -5358,9 +5377,10 @@
           </a:bodyPr>
           <a:lstStyle/>
           <a:p>
+            <a:pPr algn="ctr"/>
             <a:r>
               <a:rPr lang="en-US" sz="1800" dirty="0"/>
-              <a:t>Figure 3: Ohio River Basin. Credit - Orsanco</a:t>
+              <a:t>Figure 3: Ohio River Basin. Credit – Ohio Valley Water Sanitation Commission</a:t>
             </a:r>
           </a:p>
         </p:txBody>
@@ -5379,8 +5399,8 @@
         </p:nvSpPr>
         <p:spPr>
           <a:xfrm>
-            <a:off x="4657396" y="15960880"/>
-            <a:ext cx="5730975" cy="369332"/>
+            <a:off x="4652347" y="15725311"/>
+            <a:ext cx="5938685" cy="369332"/>
           </a:xfrm>
           <a:prstGeom prst="rect">
             <a:avLst/>
@@ -5396,7 +5416,7 @@
             <a:pPr algn="ctr"/>
             <a:r>
               <a:rPr lang="en-US" sz="1800" dirty="0"/>
-              <a:t>Figure 1:- NOAA 2019 Spring Flood Outlook</a:t>
+              <a:t>Figure 1:- NOAA 2019 Spring Flood Outlook(Source: noaa.gov)</a:t>
             </a:r>
             <a:endParaRPr lang="en-US" sz="1800" baseline="30000" dirty="0"/>
           </a:p>
@@ -5417,7 +5437,7 @@
         <p:spPr>
           <a:xfrm>
             <a:off x="23050714" y="12914677"/>
-            <a:ext cx="19697485" cy="1200329"/>
+            <a:ext cx="19697485" cy="830997"/>
           </a:xfrm>
           <a:prstGeom prst="rect">
             <a:avLst/>
@@ -5432,23 +5452,7 @@
           <a:p>
             <a:r>
               <a:rPr lang="en-US" sz="2400" dirty="0"/>
-              <a:t>Figure 5 :- Wavelet Analysis on the 1</a:t>
-            </a:r>
-            <a:r>
-              <a:rPr lang="en-US" sz="2400" baseline="30000" dirty="0"/>
-              <a:t>st</a:t>
-            </a:r>
-            <a:r>
-              <a:rPr lang="en-US" sz="2400" dirty="0"/>
-              <a:t> Principal Component of the spatial cluster. TOP-LEFT – 1</a:t>
-            </a:r>
-            <a:r>
-              <a:rPr lang="en-US" sz="2400" baseline="30000" dirty="0"/>
-              <a:t>st</a:t>
-            </a:r>
-            <a:r>
-              <a:rPr lang="en-US" sz="2400" dirty="0"/>
-              <a:t> PC of cluster with a loess line. TOP-RIGHT – Global Wavelet Spectrum of the PC. BOTTOM-LEFT – Power Spectrum of the Wavelet.  BOTTOM-RIGHT – Spatial Distribution of the Loadings(Size indicates their drainage area. </a:t>
+              <a:t>Figure 5 :- Wavelet Analysis on the Principal Component of the spatial cluster. TOP-LEFT –PC with a loess line. TOP-RIGHT – Global Wavelet Spectrum of the PC. BOTTOM-LEFT – Power Spectrum of the Wavelet.  BOTTOM-RIGHT – Absolute values of the loadings(eigenvectors) color code Red to Blue.</a:t>
             </a:r>
           </a:p>
         </p:txBody>
@@ -5484,7 +5488,7 @@
             <a:pPr algn="ctr"/>
             <a:r>
               <a:rPr lang="en-US" sz="2400" dirty="0"/>
-              <a:t>Figure 2:- Stream Gauges.</a:t>
+              <a:t>Figure 2:- Stream Gauges utilized. </a:t>
             </a:r>
           </a:p>
         </p:txBody>
@@ -5504,7 +5508,7 @@
           <p:nvPr/>
         </p:nvPicPr>
         <p:blipFill>
-          <a:blip r:embed="rId5"/>
+          <a:blip r:embed="rId6"/>
           <a:stretch>
             <a:fillRect/>
           </a:stretch>
@@ -5519,106 +5523,6 @@
           </a:prstGeom>
         </p:spPr>
       </p:pic>
-      <p:pic>
-        <p:nvPicPr>
-          <p:cNvPr id="12" name="Picture 11">
-            <a:extLst>
-              <a:ext uri="{FF2B5EF4-FFF2-40B4-BE49-F238E27FC236}">
-                <a16:creationId xmlns:a16="http://schemas.microsoft.com/office/drawing/2014/main" id="{83441802-2AB8-4572-A431-D4CB0CB9CE76}"/>
-              </a:ext>
-            </a:extLst>
-          </p:cNvPr>
-          <p:cNvPicPr>
-            <a:picLocks noChangeAspect="1"/>
-          </p:cNvPicPr>
-          <p:nvPr/>
-        </p:nvPicPr>
-        <p:blipFill>
-          <a:blip r:embed="rId6"/>
-          <a:stretch>
-            <a:fillRect/>
-          </a:stretch>
-        </p:blipFill>
-        <p:spPr>
-          <a:xfrm>
-            <a:off x="23050715" y="6076532"/>
-            <a:ext cx="9410485" cy="6604333"/>
-          </a:xfrm>
-          <a:prstGeom prst="rect">
-            <a:avLst/>
-          </a:prstGeom>
-          <a:ln w="19050">
-            <a:solidFill>
-              <a:schemeClr val="tx1"/>
-            </a:solidFill>
-          </a:ln>
-        </p:spPr>
-      </p:pic>
-      <p:pic>
-        <p:nvPicPr>
-          <p:cNvPr id="14" name="Picture 13">
-            <a:extLst>
-              <a:ext uri="{FF2B5EF4-FFF2-40B4-BE49-F238E27FC236}">
-                <a16:creationId xmlns:a16="http://schemas.microsoft.com/office/drawing/2014/main" id="{BF11416B-81B6-42C8-807E-1E57BBBE7E5F}"/>
-              </a:ext>
-            </a:extLst>
-          </p:cNvPr>
-          <p:cNvPicPr>
-            <a:picLocks noChangeAspect="1"/>
-          </p:cNvPicPr>
-          <p:nvPr/>
-        </p:nvPicPr>
-        <p:blipFill>
-          <a:blip r:embed="rId7"/>
-          <a:stretch>
-            <a:fillRect/>
-          </a:stretch>
-        </p:blipFill>
-        <p:spPr>
-          <a:xfrm>
-            <a:off x="33330118" y="6076532"/>
-            <a:ext cx="9410485" cy="6568427"/>
-          </a:xfrm>
-          <a:prstGeom prst="rect">
-            <a:avLst/>
-          </a:prstGeom>
-          <a:ln>
-            <a:solidFill>
-              <a:schemeClr val="tx1"/>
-            </a:solidFill>
-          </a:ln>
-        </p:spPr>
-      </p:pic>
-      <p:pic>
-        <p:nvPicPr>
-          <p:cNvPr id="16" name="Picture 15">
-            <a:extLst>
-              <a:ext uri="{FF2B5EF4-FFF2-40B4-BE49-F238E27FC236}">
-                <a16:creationId xmlns:a16="http://schemas.microsoft.com/office/drawing/2014/main" id="{C748BBAC-61FE-4F49-97E1-9B9D3E16DCF3}"/>
-              </a:ext>
-            </a:extLst>
-          </p:cNvPr>
-          <p:cNvPicPr>
-            <a:picLocks noChangeAspect="1"/>
-          </p:cNvPicPr>
-          <p:nvPr/>
-        </p:nvPicPr>
-        <p:blipFill>
-          <a:blip r:embed="rId8"/>
-          <a:stretch>
-            <a:fillRect/>
-          </a:stretch>
-        </p:blipFill>
-        <p:spPr>
-          <a:xfrm>
-            <a:off x="23050714" y="14348818"/>
-            <a:ext cx="6318070" cy="5372847"/>
-          </a:xfrm>
-          <a:prstGeom prst="rect">
-            <a:avLst/>
-          </a:prstGeom>
-        </p:spPr>
-      </p:pic>
       <p:graphicFrame>
         <p:nvGraphicFramePr>
           <p:cNvPr id="43" name="Table 4">
@@ -5634,7 +5538,7 @@
           <p:nvPr>
             <p:extLst>
               <p:ext uri="{D42A27DB-BD31-4B8C-83A1-F6EECF244321}">
-                <p14:modId xmlns:p14="http://schemas.microsoft.com/office/powerpoint/2010/main" val="978156025"/>
+                <p14:modId xmlns:p14="http://schemas.microsoft.com/office/powerpoint/2010/main" val="396679129"/>
               </p:ext>
             </p:extLst>
           </p:nvPr>
@@ -5686,7 +5590,7 @@
                     <a:p>
                       <a:r>
                         <a:rPr lang="en-US" sz="2400" dirty="0"/>
-                        <a:t>Correlation </a:t>
+                        <a:t>Correlation  with PC-1</a:t>
                       </a:r>
                     </a:p>
                   </a:txBody>
@@ -5900,126 +5804,6 @@
           </a:graphicData>
         </a:graphic>
       </p:graphicFrame>
-      <p:pic>
-        <p:nvPicPr>
-          <p:cNvPr id="17" name="Picture 16">
-            <a:extLst>
-              <a:ext uri="{FF2B5EF4-FFF2-40B4-BE49-F238E27FC236}">
-                <a16:creationId xmlns:a16="http://schemas.microsoft.com/office/drawing/2014/main" id="{3637A2FC-9637-4278-9612-9EF8A4B031CA}"/>
-              </a:ext>
-            </a:extLst>
-          </p:cNvPr>
-          <p:cNvPicPr>
-            <a:picLocks noChangeAspect="1"/>
-          </p:cNvPicPr>
-          <p:nvPr/>
-        </p:nvPicPr>
-        <p:blipFill>
-          <a:blip r:embed="rId9"/>
-          <a:stretch>
-            <a:fillRect/>
-          </a:stretch>
-        </p:blipFill>
-        <p:spPr>
-          <a:xfrm>
-            <a:off x="23050714" y="20882297"/>
-            <a:ext cx="9410486" cy="7741053"/>
-          </a:xfrm>
-          <a:prstGeom prst="rect">
-            <a:avLst/>
-          </a:prstGeom>
-        </p:spPr>
-      </p:pic>
-      <p:pic>
-        <p:nvPicPr>
-          <p:cNvPr id="18" name="Picture 17">
-            <a:extLst>
-              <a:ext uri="{FF2B5EF4-FFF2-40B4-BE49-F238E27FC236}">
-                <a16:creationId xmlns:a16="http://schemas.microsoft.com/office/drawing/2014/main" id="{54D18DF5-81B6-4A99-A298-9A6844707F78}"/>
-              </a:ext>
-            </a:extLst>
-          </p:cNvPr>
-          <p:cNvPicPr>
-            <a:picLocks noChangeAspect="1"/>
-          </p:cNvPicPr>
-          <p:nvPr/>
-        </p:nvPicPr>
-        <p:blipFill>
-          <a:blip r:embed="rId10"/>
-          <a:stretch>
-            <a:fillRect/>
-          </a:stretch>
-        </p:blipFill>
-        <p:spPr>
-          <a:xfrm>
-            <a:off x="33320115" y="20882297"/>
-            <a:ext cx="4526927" cy="3747169"/>
-          </a:xfrm>
-          <a:prstGeom prst="rect">
-            <a:avLst/>
-          </a:prstGeom>
-        </p:spPr>
-      </p:pic>
-      <p:pic>
-        <p:nvPicPr>
-          <p:cNvPr id="19" name="Picture 18">
-            <a:extLst>
-              <a:ext uri="{FF2B5EF4-FFF2-40B4-BE49-F238E27FC236}">
-                <a16:creationId xmlns:a16="http://schemas.microsoft.com/office/drawing/2014/main" id="{B270628E-14ED-431A-B7E7-605099A1BAE9}"/>
-              </a:ext>
-            </a:extLst>
-          </p:cNvPr>
-          <p:cNvPicPr>
-            <a:picLocks noChangeAspect="1"/>
-          </p:cNvPicPr>
-          <p:nvPr/>
-        </p:nvPicPr>
-        <p:blipFill>
-          <a:blip r:embed="rId11"/>
-          <a:stretch>
-            <a:fillRect/>
-          </a:stretch>
-        </p:blipFill>
-        <p:spPr>
-          <a:xfrm>
-            <a:off x="38213676" y="20882298"/>
-            <a:ext cx="4526927" cy="3747169"/>
-          </a:xfrm>
-          <a:prstGeom prst="rect">
-            <a:avLst/>
-          </a:prstGeom>
-        </p:spPr>
-      </p:pic>
-      <p:pic>
-        <p:nvPicPr>
-          <p:cNvPr id="21" name="Picture 20">
-            <a:extLst>
-              <a:ext uri="{FF2B5EF4-FFF2-40B4-BE49-F238E27FC236}">
-                <a16:creationId xmlns:a16="http://schemas.microsoft.com/office/drawing/2014/main" id="{39E034EE-DDBF-4E6A-9D13-34C4451D6959}"/>
-              </a:ext>
-            </a:extLst>
-          </p:cNvPr>
-          <p:cNvPicPr>
-            <a:picLocks noChangeAspect="1"/>
-          </p:cNvPicPr>
-          <p:nvPr/>
-        </p:nvPicPr>
-        <p:blipFill>
-          <a:blip r:embed="rId12"/>
-          <a:stretch>
-            <a:fillRect/>
-          </a:stretch>
-        </p:blipFill>
-        <p:spPr>
-          <a:xfrm>
-            <a:off x="33320115" y="24876181"/>
-            <a:ext cx="4526927" cy="3747169"/>
-          </a:xfrm>
-          <a:prstGeom prst="rect">
-            <a:avLst/>
-          </a:prstGeom>
-        </p:spPr>
-      </p:pic>
       <p:graphicFrame>
         <p:nvGraphicFramePr>
           <p:cNvPr id="25" name="Table 27">
@@ -6035,7 +5819,7 @@
           <p:nvPr>
             <p:extLst>
               <p:ext uri="{D42A27DB-BD31-4B8C-83A1-F6EECF244321}">
-                <p14:modId xmlns:p14="http://schemas.microsoft.com/office/powerpoint/2010/main" val="1017665739"/>
+                <p14:modId xmlns:p14="http://schemas.microsoft.com/office/powerpoint/2010/main" val="2631631415"/>
               </p:ext>
             </p:extLst>
           </p:nvPr>
@@ -6087,13 +5871,16 @@
                     <a:lstStyle/>
                     <a:p>
                       <a:r>
-                        <a:rPr lang="en-US" sz="3200" dirty="0"/>
+                        <a:rPr lang="en-US" sz="3200" dirty="0">
+                          <a:latin typeface="Agency FB" panose="020B0503020202020204" pitchFamily="34" charset="0"/>
+                        </a:rPr>
                         <a:t>to/ from</a:t>
                       </a:r>
                       <a:endParaRPr lang="en-US" sz="3200" dirty="0">
                         <a:solidFill>
                           <a:schemeClr val="tx1"/>
                         </a:solidFill>
+                        <a:latin typeface="Agency FB" panose="020B0503020202020204" pitchFamily="34" charset="0"/>
                       </a:endParaRPr>
                     </a:p>
                   </a:txBody>
@@ -6105,13 +5892,16 @@
                     <a:lstStyle/>
                     <a:p>
                       <a:r>
-                        <a:rPr lang="en-US" sz="3200" dirty="0"/>
-                        <a:t>1</a:t>
+                        <a:rPr lang="en-US" sz="3200" dirty="0">
+                          <a:latin typeface="Agency FB" panose="020B0503020202020204" pitchFamily="34" charset="0"/>
+                        </a:rPr>
+                        <a:t>S1</a:t>
                       </a:r>
                       <a:endParaRPr lang="en-US" sz="3200" dirty="0">
                         <a:solidFill>
                           <a:schemeClr val="tx1"/>
                         </a:solidFill>
+                        <a:latin typeface="Agency FB" panose="020B0503020202020204" pitchFamily="34" charset="0"/>
                       </a:endParaRPr>
                     </a:p>
                   </a:txBody>
@@ -6123,13 +5913,16 @@
                     <a:lstStyle/>
                     <a:p>
                       <a:r>
-                        <a:rPr lang="en-US" sz="3200" dirty="0"/>
-                        <a:t>2</a:t>
+                        <a:rPr lang="en-US" sz="3200" dirty="0">
+                          <a:latin typeface="Agency FB" panose="020B0503020202020204" pitchFamily="34" charset="0"/>
+                        </a:rPr>
+                        <a:t>S2</a:t>
                       </a:r>
                       <a:endParaRPr lang="en-US" sz="3200" dirty="0">
                         <a:solidFill>
                           <a:schemeClr val="tx1"/>
                         </a:solidFill>
+                        <a:latin typeface="Agency FB" panose="020B0503020202020204" pitchFamily="34" charset="0"/>
                       </a:endParaRPr>
                     </a:p>
                   </a:txBody>
@@ -6141,13 +5934,16 @@
                     <a:lstStyle/>
                     <a:p>
                       <a:r>
-                        <a:rPr lang="en-US" sz="3200" dirty="0"/>
-                        <a:t>3</a:t>
+                        <a:rPr lang="en-US" sz="3200" dirty="0">
+                          <a:latin typeface="Agency FB" panose="020B0503020202020204" pitchFamily="34" charset="0"/>
+                        </a:rPr>
+                        <a:t>S3</a:t>
                       </a:r>
                       <a:endParaRPr lang="en-US" sz="3200" dirty="0">
                         <a:solidFill>
                           <a:schemeClr val="tx1"/>
                         </a:solidFill>
+                        <a:latin typeface="Agency FB" panose="020B0503020202020204" pitchFamily="34" charset="0"/>
                       </a:endParaRPr>
                     </a:p>
                   </a:txBody>
@@ -6166,13 +5962,16 @@
                     <a:lstStyle/>
                     <a:p>
                       <a:r>
-                        <a:rPr lang="en-US" sz="3200" dirty="0"/>
-                        <a:t>1</a:t>
+                        <a:rPr lang="en-US" sz="3200" b="1" dirty="0">
+                          <a:latin typeface="Agency FB" panose="020B0503020202020204" pitchFamily="34" charset="0"/>
+                        </a:rPr>
+                        <a:t>S1</a:t>
                       </a:r>
-                      <a:endParaRPr lang="en-US" sz="3200" dirty="0">
+                      <a:endParaRPr lang="en-US" sz="3200" b="1" dirty="0">
                         <a:solidFill>
                           <a:schemeClr val="tx1"/>
                         </a:solidFill>
+                        <a:latin typeface="Agency FB" panose="020B0503020202020204" pitchFamily="34" charset="0"/>
                       </a:endParaRPr>
                     </a:p>
                   </a:txBody>
@@ -6184,13 +5983,16 @@
                     <a:lstStyle/>
                     <a:p>
                       <a:r>
-                        <a:rPr lang="en-US" sz="3200" dirty="0"/>
-                        <a:t>0.543</a:t>
+                        <a:rPr lang="en-US" sz="3200" b="0" dirty="0">
+                          <a:latin typeface="Agency FB" panose="020B0503020202020204" pitchFamily="34" charset="0"/>
+                        </a:rPr>
+                        <a:t>0.359</a:t>
                       </a:r>
-                      <a:endParaRPr lang="en-US" sz="3200" dirty="0">
+                      <a:endParaRPr lang="en-US" sz="3200" b="0" dirty="0">
                         <a:solidFill>
                           <a:schemeClr val="tx1"/>
                         </a:solidFill>
+                        <a:latin typeface="Agency FB" panose="020B0503020202020204" pitchFamily="34" charset="0"/>
                       </a:endParaRPr>
                     </a:p>
                   </a:txBody>
@@ -6202,14 +6004,14 @@
                     <a:lstStyle/>
                     <a:p>
                       <a:r>
-                        <a:rPr lang="en-US" sz="3200" dirty="0"/>
-                        <a:t>0</a:t>
+                        <a:rPr lang="en-US" sz="3200" b="0" dirty="0">
+                          <a:solidFill>
+                            <a:schemeClr val="tx1"/>
+                          </a:solidFill>
+                          <a:latin typeface="Agency FB" panose="020B0503020202020204" pitchFamily="34" charset="0"/>
+                        </a:rPr>
+                        <a:t>0.474</a:t>
                       </a:r>
-                      <a:endParaRPr lang="en-US" sz="3200" dirty="0">
-                        <a:solidFill>
-                          <a:schemeClr val="tx1"/>
-                        </a:solidFill>
-                      </a:endParaRPr>
                     </a:p>
                   </a:txBody>
                   <a:tcPr/>
@@ -6220,13 +6022,16 @@
                     <a:lstStyle/>
                     <a:p>
                       <a:r>
-                        <a:rPr lang="en-US" sz="3200" dirty="0"/>
-                        <a:t>0.474</a:t>
+                        <a:rPr lang="en-US" sz="3200" b="0" dirty="0">
+                          <a:latin typeface="Agency FB" panose="020B0503020202020204" pitchFamily="34" charset="0"/>
+                        </a:rPr>
+                        <a:t>0.167</a:t>
                       </a:r>
-                      <a:endParaRPr lang="en-US" sz="3200" dirty="0">
+                      <a:endParaRPr lang="en-US" sz="3200" b="0" dirty="0">
                         <a:solidFill>
                           <a:schemeClr val="tx1"/>
                         </a:solidFill>
+                        <a:latin typeface="Agency FB" panose="020B0503020202020204" pitchFamily="34" charset="0"/>
                       </a:endParaRPr>
                     </a:p>
                   </a:txBody>
@@ -6245,13 +6050,16 @@
                     <a:lstStyle/>
                     <a:p>
                       <a:r>
-                        <a:rPr lang="en-US" sz="3200" dirty="0"/>
-                        <a:t>2</a:t>
+                        <a:rPr lang="en-US" sz="3200" b="1" dirty="0">
+                          <a:latin typeface="Agency FB" panose="020B0503020202020204" pitchFamily="34" charset="0"/>
+                        </a:rPr>
+                        <a:t>S2</a:t>
                       </a:r>
-                      <a:endParaRPr lang="en-US" sz="3200" dirty="0">
+                      <a:endParaRPr lang="en-US" sz="3200" b="1" dirty="0">
                         <a:solidFill>
                           <a:schemeClr val="tx1"/>
                         </a:solidFill>
+                        <a:latin typeface="Agency FB" panose="020B0503020202020204" pitchFamily="34" charset="0"/>
                       </a:endParaRPr>
                     </a:p>
                   </a:txBody>
@@ -6263,13 +6071,16 @@
                     <a:lstStyle/>
                     <a:p>
                       <a:r>
-                        <a:rPr lang="en-US" sz="3200" dirty="0"/>
-                        <a:t>0.684</a:t>
+                        <a:rPr lang="en-US" sz="3200" b="0" dirty="0">
+                          <a:latin typeface="Agency FB" panose="020B0503020202020204" pitchFamily="34" charset="0"/>
+                        </a:rPr>
+                        <a:t>0.456</a:t>
                       </a:r>
-                      <a:endParaRPr lang="en-US" sz="3200" dirty="0">
+                      <a:endParaRPr lang="en-US" sz="3200" b="0" dirty="0">
                         <a:solidFill>
                           <a:schemeClr val="tx1"/>
                         </a:solidFill>
+                        <a:latin typeface="Agency FB" panose="020B0503020202020204" pitchFamily="34" charset="0"/>
                       </a:endParaRPr>
                     </a:p>
                   </a:txBody>
@@ -6281,13 +6092,16 @@
                     <a:lstStyle/>
                     <a:p>
                       <a:r>
-                        <a:rPr lang="en-US" sz="3200" dirty="0"/>
-                        <a:t>0</a:t>
+                        <a:rPr lang="en-US" sz="3200" b="0" dirty="0">
+                          <a:latin typeface="Agency FB" panose="020B0503020202020204" pitchFamily="34" charset="0"/>
+                        </a:rPr>
+                        <a:t>0.544</a:t>
                       </a:r>
-                      <a:endParaRPr lang="en-US" sz="3200" dirty="0">
+                      <a:endParaRPr lang="en-US" sz="3200" b="0" dirty="0">
                         <a:solidFill>
                           <a:schemeClr val="tx1"/>
                         </a:solidFill>
+                        <a:latin typeface="Agency FB" panose="020B0503020202020204" pitchFamily="34" charset="0"/>
                       </a:endParaRPr>
                     </a:p>
                   </a:txBody>
@@ -6299,13 +6113,16 @@
                     <a:lstStyle/>
                     <a:p>
                       <a:r>
-                        <a:rPr lang="en-US" sz="3200" dirty="0"/>
-                        <a:t>0.316</a:t>
+                        <a:rPr lang="en-US" sz="3200" b="1" u="sng" dirty="0">
+                          <a:latin typeface="Agency FB" panose="020B0503020202020204" pitchFamily="34" charset="0"/>
+                        </a:rPr>
+                        <a:t>0.</a:t>
                       </a:r>
-                      <a:endParaRPr lang="en-US" sz="3200" dirty="0">
+                      <a:endParaRPr lang="en-US" sz="3200" b="1" u="sng" dirty="0">
                         <a:solidFill>
                           <a:schemeClr val="tx1"/>
                         </a:solidFill>
+                        <a:latin typeface="Agency FB" panose="020B0503020202020204" pitchFamily="34" charset="0"/>
                       </a:endParaRPr>
                     </a:p>
                   </a:txBody>
@@ -6324,13 +6141,16 @@
                     <a:lstStyle/>
                     <a:p>
                       <a:r>
-                        <a:rPr lang="en-US" sz="3200" dirty="0"/>
-                        <a:t>3</a:t>
+                        <a:rPr lang="en-US" sz="3200" b="1" dirty="0">
+                          <a:latin typeface="Agency FB" panose="020B0503020202020204" pitchFamily="34" charset="0"/>
+                        </a:rPr>
+                        <a:t>S3</a:t>
                       </a:r>
-                      <a:endParaRPr lang="en-US" sz="3200" dirty="0">
+                      <a:endParaRPr lang="en-US" sz="3200" b="1" dirty="0">
                         <a:solidFill>
                           <a:schemeClr val="tx1"/>
                         </a:solidFill>
+                        <a:latin typeface="Agency FB" panose="020B0503020202020204" pitchFamily="34" charset="0"/>
                       </a:endParaRPr>
                     </a:p>
                   </a:txBody>
@@ -6342,13 +6162,16 @@
                     <a:lstStyle/>
                     <a:p>
                       <a:r>
-                        <a:rPr lang="en-US" sz="3200" dirty="0"/>
-                        <a:t>0.359</a:t>
+                        <a:rPr lang="en-US" sz="3200" b="0" dirty="0">
+                          <a:latin typeface="Agency FB" panose="020B0503020202020204" pitchFamily="34" charset="0"/>
+                        </a:rPr>
+                        <a:t>0.316</a:t>
                       </a:r>
-                      <a:endParaRPr lang="en-US" sz="3200" dirty="0">
+                      <a:endParaRPr lang="en-US" sz="3200" b="0" dirty="0">
                         <a:solidFill>
                           <a:schemeClr val="tx1"/>
                         </a:solidFill>
+                        <a:latin typeface="Agency FB" panose="020B0503020202020204" pitchFamily="34" charset="0"/>
                       </a:endParaRPr>
                     </a:p>
                   </a:txBody>
@@ -6360,13 +6183,16 @@
                     <a:lstStyle/>
                     <a:p>
                       <a:r>
-                        <a:rPr lang="en-US" sz="3200" dirty="0"/>
-                        <a:t>0.167</a:t>
+                        <a:rPr lang="en-US" sz="3200" b="0" dirty="0">
+                          <a:latin typeface="Agency FB" panose="020B0503020202020204" pitchFamily="34" charset="0"/>
+                        </a:rPr>
+                        <a:t>0.684</a:t>
                       </a:r>
-                      <a:endParaRPr lang="en-US" sz="3200" dirty="0">
+                      <a:endParaRPr lang="en-US" sz="3200" b="0" dirty="0">
                         <a:solidFill>
                           <a:schemeClr val="tx1"/>
                         </a:solidFill>
+                        <a:latin typeface="Agency FB" panose="020B0503020202020204" pitchFamily="34" charset="0"/>
                       </a:endParaRPr>
                     </a:p>
                   </a:txBody>
@@ -6378,14 +6204,14 @@
                     <a:lstStyle/>
                     <a:p>
                       <a:r>
-                        <a:rPr lang="en-US" sz="3200" dirty="0"/>
-                        <a:t>0.474</a:t>
+                        <a:rPr lang="en-US" sz="3200" b="1" u="sng" dirty="0">
+                          <a:solidFill>
+                            <a:schemeClr val="tx1"/>
+                          </a:solidFill>
+                          <a:latin typeface="Agency FB" panose="020B0503020202020204" pitchFamily="34" charset="0"/>
+                        </a:rPr>
+                        <a:t>0</a:t>
                       </a:r>
-                      <a:endParaRPr lang="en-US" sz="3200" dirty="0">
-                        <a:solidFill>
-                          <a:schemeClr val="tx1"/>
-                        </a:solidFill>
-                      </a:endParaRPr>
                     </a:p>
                   </a:txBody>
                   <a:tcPr/>
@@ -6477,51 +6303,21 @@
           </a:graphicData>
         </a:graphic>
       </p:graphicFrame>
-      <p:pic>
-        <p:nvPicPr>
-          <p:cNvPr id="34" name="Picture 33">
-            <a:extLst>
-              <a:ext uri="{FF2B5EF4-FFF2-40B4-BE49-F238E27FC236}">
-                <a16:creationId xmlns:a16="http://schemas.microsoft.com/office/drawing/2014/main" id="{09E12954-2CFD-4E04-B6E4-394F637A0D4E}"/>
-              </a:ext>
-            </a:extLst>
-          </p:cNvPr>
-          <p:cNvPicPr>
-            <a:picLocks noChangeAspect="1"/>
-          </p:cNvPicPr>
+      <p:sp>
+        <p:nvSpPr>
+          <p:cNvPr id="41" name="TextBox 40">
+            <a:extLst>
+              <a:ext uri="{FF2B5EF4-FFF2-40B4-BE49-F238E27FC236}">
+                <a16:creationId xmlns:a16="http://schemas.microsoft.com/office/drawing/2014/main" id="{D1E4D980-BD60-4C83-8D80-5AB57B675580}"/>
+              </a:ext>
+            </a:extLst>
+          </p:cNvPr>
+          <p:cNvSpPr txBox="1"/>
           <p:nvPr/>
-        </p:nvPicPr>
-        <p:blipFill>
-          <a:blip r:embed="rId13"/>
-          <a:stretch>
-            <a:fillRect/>
-          </a:stretch>
-        </p:blipFill>
+        </p:nvSpPr>
         <p:spPr>
           <a:xfrm>
-            <a:off x="11623588" y="19368460"/>
-            <a:ext cx="10294906" cy="5915775"/>
-          </a:xfrm>
-          <a:prstGeom prst="rect">
-            <a:avLst/>
-          </a:prstGeom>
-        </p:spPr>
-      </p:pic>
-      <p:sp>
-        <p:nvSpPr>
-          <p:cNvPr id="41" name="TextBox 40">
-            <a:extLst>
-              <a:ext uri="{FF2B5EF4-FFF2-40B4-BE49-F238E27FC236}">
-                <a16:creationId xmlns:a16="http://schemas.microsoft.com/office/drawing/2014/main" id="{D1E4D980-BD60-4C83-8D80-5AB57B675580}"/>
-              </a:ext>
-            </a:extLst>
-          </p:cNvPr>
-          <p:cNvSpPr txBox="1"/>
-          <p:nvPr/>
-        </p:nvSpPr>
-        <p:spPr>
-          <a:xfrm>
-            <a:off x="11701388" y="25218132"/>
+            <a:off x="11609771" y="25462139"/>
             <a:ext cx="10386853" cy="471937"/>
           </a:xfrm>
           <a:prstGeom prst="rect">
@@ -6538,7 +6334,7 @@
             <a:pPr algn="ctr"/>
             <a:r>
               <a:rPr lang="en-US" sz="2400" dirty="0"/>
-              <a:t>Figure 4: Schematic of methodology</a:t>
+              <a:t>Figure 4: Schematic of overall methodology.</a:t>
             </a:r>
           </a:p>
         </p:txBody>
@@ -6593,7 +6389,7 @@
           <p:nvPr/>
         </p:nvPicPr>
         <p:blipFill>
-          <a:blip r:embed="rId14">
+          <a:blip r:embed="rId7">
             <a:extLst>
               <a:ext uri="{28A0092B-C50C-407E-A947-70E740481C1C}">
                 <a14:useLocalDpi xmlns:a14="http://schemas.microsoft.com/office/drawing/2010/main" val="0"/>
@@ -6606,7 +6402,7 @@
         </p:blipFill>
         <p:spPr>
           <a:xfrm>
-            <a:off x="783963" y="2743614"/>
+            <a:off x="34893815" y="2332794"/>
             <a:ext cx="7854384" cy="1306187"/>
           </a:xfrm>
           <a:prstGeom prst="rect">
@@ -6649,13 +6445,13 @@
           <a:p>
             <a:r>
               <a:rPr lang="en-US" sz="4800" dirty="0"/>
-              <a:t>Funding/Acknowledgements</a:t>
+              <a:t>Acknowledgements</a:t>
             </a:r>
           </a:p>
           <a:p>
             <a:r>
               <a:rPr lang="en-US" sz="2400" dirty="0"/>
-              <a:t>The authors would like to thank the researchers at the Columbia Water Center for their suggestions and comments during this work. </a:t>
+              <a:t>The authors would like to thank the researchers at the Columbia Water Center for their suggestions and comments.</a:t>
             </a:r>
           </a:p>
           <a:p>
@@ -6806,7 +6602,7 @@
             <a:pPr algn="ctr"/>
             <a:r>
               <a:rPr lang="en-US" sz="2400" dirty="0"/>
-              <a:t>Fig 9:- Simulation Skill for the 3 State HMM Model. (a)- Mean, Standard Deviation and Maximum replication skill. (b) PDF (c) CDF (d)  Transition Matrix</a:t>
+              <a:t>Fig 9:- Simulation Skill for (a)- Mean, Standard Deviation and Maximum replication skill. (b) PDF (c) Wavelet Coherence between exceedances and NAO (d)  Transition Matrix</a:t>
             </a:r>
           </a:p>
         </p:txBody>
@@ -6825,7 +6621,7 @@
         </p:nvSpPr>
         <p:spPr>
           <a:xfrm>
-            <a:off x="29998737" y="14348817"/>
+            <a:off x="30027762" y="14655587"/>
             <a:ext cx="7848306" cy="4524315"/>
           </a:xfrm>
           <a:prstGeom prst="rect">
@@ -6900,6 +6696,294 @@
           </a:p>
         </p:txBody>
       </p:sp>
+      <p:pic>
+        <p:nvPicPr>
+          <p:cNvPr id="63" name="Picture 62" descr="A picture containing text, map&#10;&#10;Description automatically generated">
+            <a:extLst>
+              <a:ext uri="{FF2B5EF4-FFF2-40B4-BE49-F238E27FC236}">
+                <a16:creationId xmlns:a16="http://schemas.microsoft.com/office/drawing/2014/main" id="{4D93B0D8-1D5C-42A6-AFB2-1C0458AA2810}"/>
+              </a:ext>
+            </a:extLst>
+          </p:cNvPr>
+          <p:cNvPicPr>
+            <a:picLocks noChangeAspect="1"/>
+          </p:cNvPicPr>
+          <p:nvPr/>
+        </p:nvPicPr>
+        <p:blipFill>
+          <a:blip r:embed="rId8">
+            <a:extLst>
+              <a:ext uri="{28A0092B-C50C-407E-A947-70E740481C1C}">
+                <a14:useLocalDpi xmlns:a14="http://schemas.microsoft.com/office/drawing/2010/main" val="0"/>
+              </a:ext>
+            </a:extLst>
+          </a:blip>
+          <a:stretch>
+            <a:fillRect/>
+          </a:stretch>
+        </p:blipFill>
+        <p:spPr>
+          <a:xfrm>
+            <a:off x="23127584" y="6076532"/>
+            <a:ext cx="9410485" cy="6568427"/>
+          </a:xfrm>
+          <a:prstGeom prst="rect">
+            <a:avLst/>
+          </a:prstGeom>
+        </p:spPr>
+      </p:pic>
+      <p:pic>
+        <p:nvPicPr>
+          <p:cNvPr id="1031" name="Picture 1030" descr="A close up of a map&#10;&#10;Description automatically generated">
+            <a:extLst>
+              <a:ext uri="{FF2B5EF4-FFF2-40B4-BE49-F238E27FC236}">
+                <a16:creationId xmlns:a16="http://schemas.microsoft.com/office/drawing/2014/main" id="{11E36F61-2651-44DB-8C48-3E76532BC9F7}"/>
+              </a:ext>
+            </a:extLst>
+          </p:cNvPr>
+          <p:cNvPicPr>
+            <a:picLocks noChangeAspect="1"/>
+          </p:cNvPicPr>
+          <p:nvPr/>
+        </p:nvPicPr>
+        <p:blipFill>
+          <a:blip r:embed="rId9">
+            <a:extLst>
+              <a:ext uri="{28A0092B-C50C-407E-A947-70E740481C1C}">
+                <a14:useLocalDpi xmlns:a14="http://schemas.microsoft.com/office/drawing/2010/main" val="0"/>
+              </a:ext>
+            </a:extLst>
+          </a:blip>
+          <a:stretch>
+            <a:fillRect/>
+          </a:stretch>
+        </p:blipFill>
+        <p:spPr>
+          <a:xfrm>
+            <a:off x="33117410" y="6076531"/>
+            <a:ext cx="9410485" cy="6568427"/>
+          </a:xfrm>
+          <a:prstGeom prst="rect">
+            <a:avLst/>
+          </a:prstGeom>
+        </p:spPr>
+      </p:pic>
+      <p:pic>
+        <p:nvPicPr>
+          <p:cNvPr id="1033" name="Picture 1032" descr="A picture containing electronics, computer&#10;&#10;Description automatically generated">
+            <a:extLst>
+              <a:ext uri="{FF2B5EF4-FFF2-40B4-BE49-F238E27FC236}">
+                <a16:creationId xmlns:a16="http://schemas.microsoft.com/office/drawing/2014/main" id="{A37C13AF-A752-40C1-98C0-DFFFDD2EB3D6}"/>
+              </a:ext>
+            </a:extLst>
+          </p:cNvPr>
+          <p:cNvPicPr>
+            <a:picLocks noChangeAspect="1"/>
+          </p:cNvPicPr>
+          <p:nvPr/>
+        </p:nvPicPr>
+        <p:blipFill>
+          <a:blip r:embed="rId10">
+            <a:extLst>
+              <a:ext uri="{28A0092B-C50C-407E-A947-70E740481C1C}">
+                <a14:useLocalDpi xmlns:a14="http://schemas.microsoft.com/office/drawing/2010/main" val="0"/>
+              </a:ext>
+            </a:extLst>
+          </a:blip>
+          <a:stretch>
+            <a:fillRect/>
+          </a:stretch>
+        </p:blipFill>
+        <p:spPr>
+          <a:xfrm>
+            <a:off x="23094326" y="14326487"/>
+            <a:ext cx="6318070" cy="5370567"/>
+          </a:xfrm>
+          <a:prstGeom prst="rect">
+            <a:avLst/>
+          </a:prstGeom>
+        </p:spPr>
+      </p:pic>
+      <p:pic>
+        <p:nvPicPr>
+          <p:cNvPr id="1037" name="Picture 1036" descr="A picture containing screenshot, different, computer, street&#10;&#10;Description automatically generated">
+            <a:extLst>
+              <a:ext uri="{FF2B5EF4-FFF2-40B4-BE49-F238E27FC236}">
+                <a16:creationId xmlns:a16="http://schemas.microsoft.com/office/drawing/2014/main" id="{C1342723-0811-42DE-B402-25774DA707E8}"/>
+              </a:ext>
+            </a:extLst>
+          </p:cNvPr>
+          <p:cNvPicPr>
+            <a:picLocks noChangeAspect="1"/>
+          </p:cNvPicPr>
+          <p:nvPr/>
+        </p:nvPicPr>
+        <p:blipFill>
+          <a:blip r:embed="rId11">
+            <a:extLst>
+              <a:ext uri="{28A0092B-C50C-407E-A947-70E740481C1C}">
+                <a14:useLocalDpi xmlns:a14="http://schemas.microsoft.com/office/drawing/2010/main" val="0"/>
+              </a:ext>
+            </a:extLst>
+          </a:blip>
+          <a:stretch>
+            <a:fillRect/>
+          </a:stretch>
+        </p:blipFill>
+        <p:spPr>
+          <a:xfrm>
+            <a:off x="23094326" y="20850668"/>
+            <a:ext cx="9154309" cy="7577490"/>
+          </a:xfrm>
+          <a:prstGeom prst="rect">
+            <a:avLst/>
+          </a:prstGeom>
+        </p:spPr>
+      </p:pic>
+      <p:pic>
+        <p:nvPicPr>
+          <p:cNvPr id="1039" name="Picture 1038" descr="A close up of a map&#10;&#10;Description automatically generated">
+            <a:extLst>
+              <a:ext uri="{FF2B5EF4-FFF2-40B4-BE49-F238E27FC236}">
+                <a16:creationId xmlns:a16="http://schemas.microsoft.com/office/drawing/2014/main" id="{B3825C52-3B70-4F7A-B3C1-2F08B4EC71B9}"/>
+              </a:ext>
+            </a:extLst>
+          </p:cNvPr>
+          <p:cNvPicPr>
+            <a:picLocks noChangeAspect="1"/>
+          </p:cNvPicPr>
+          <p:nvPr/>
+        </p:nvPicPr>
+        <p:blipFill>
+          <a:blip r:embed="rId12">
+            <a:extLst>
+              <a:ext uri="{28A0092B-C50C-407E-A947-70E740481C1C}">
+                <a14:useLocalDpi xmlns:a14="http://schemas.microsoft.com/office/drawing/2010/main" val="0"/>
+              </a:ext>
+            </a:extLst>
+          </a:blip>
+          <a:stretch>
+            <a:fillRect/>
+          </a:stretch>
+        </p:blipFill>
+        <p:spPr>
+          <a:xfrm>
+            <a:off x="33319453" y="20878295"/>
+            <a:ext cx="4526927" cy="3751172"/>
+          </a:xfrm>
+          <a:prstGeom prst="rect">
+            <a:avLst/>
+          </a:prstGeom>
+        </p:spPr>
+      </p:pic>
+      <p:pic>
+        <p:nvPicPr>
+          <p:cNvPr id="1041" name="Picture 1040" descr="A screenshot of a cell phone&#10;&#10;Description automatically generated">
+            <a:extLst>
+              <a:ext uri="{FF2B5EF4-FFF2-40B4-BE49-F238E27FC236}">
+                <a16:creationId xmlns:a16="http://schemas.microsoft.com/office/drawing/2014/main" id="{EBF9DBAF-6E5E-4B18-AB97-4B63C69AE6A9}"/>
+              </a:ext>
+            </a:extLst>
+          </p:cNvPr>
+          <p:cNvPicPr>
+            <a:picLocks noChangeAspect="1"/>
+          </p:cNvPicPr>
+          <p:nvPr/>
+        </p:nvPicPr>
+        <p:blipFill>
+          <a:blip r:embed="rId13">
+            <a:extLst>
+              <a:ext uri="{28A0092B-C50C-407E-A947-70E740481C1C}">
+                <a14:useLocalDpi xmlns:a14="http://schemas.microsoft.com/office/drawing/2010/main" val="0"/>
+              </a:ext>
+            </a:extLst>
+          </a:blip>
+          <a:stretch>
+            <a:fillRect/>
+          </a:stretch>
+        </p:blipFill>
+        <p:spPr>
+          <a:xfrm>
+            <a:off x="38213675" y="20850668"/>
+            <a:ext cx="4526927" cy="3790006"/>
+          </a:xfrm>
+          <a:prstGeom prst="rect">
+            <a:avLst/>
+          </a:prstGeom>
+        </p:spPr>
+      </p:pic>
+      <p:pic>
+        <p:nvPicPr>
+          <p:cNvPr id="1043" name="Picture 1042" descr="A picture containing screenshot&#10;&#10;Description automatically generated">
+            <a:extLst>
+              <a:ext uri="{FF2B5EF4-FFF2-40B4-BE49-F238E27FC236}">
+                <a16:creationId xmlns:a16="http://schemas.microsoft.com/office/drawing/2014/main" id="{79CB53C1-9866-4842-BA17-47992E797CAC}"/>
+              </a:ext>
+            </a:extLst>
+          </p:cNvPr>
+          <p:cNvPicPr>
+            <a:picLocks noChangeAspect="1"/>
+          </p:cNvPicPr>
+          <p:nvPr/>
+        </p:nvPicPr>
+        <p:blipFill>
+          <a:blip r:embed="rId14">
+            <a:extLst>
+              <a:ext uri="{28A0092B-C50C-407E-A947-70E740481C1C}">
+                <a14:useLocalDpi xmlns:a14="http://schemas.microsoft.com/office/drawing/2010/main" val="0"/>
+              </a:ext>
+            </a:extLst>
+          </a:blip>
+          <a:stretch>
+            <a:fillRect/>
+          </a:stretch>
+        </p:blipFill>
+        <p:spPr>
+          <a:xfrm>
+            <a:off x="33295724" y="24876182"/>
+            <a:ext cx="4526928" cy="3747170"/>
+          </a:xfrm>
+          <a:prstGeom prst="rect">
+            <a:avLst/>
+          </a:prstGeom>
+        </p:spPr>
+      </p:pic>
+      <p:pic>
+        <p:nvPicPr>
+          <p:cNvPr id="1048" name="Picture 1047" descr="A close up of a piece of paper&#10;&#10;Description automatically generated">
+            <a:extLst>
+              <a:ext uri="{FF2B5EF4-FFF2-40B4-BE49-F238E27FC236}">
+                <a16:creationId xmlns:a16="http://schemas.microsoft.com/office/drawing/2014/main" id="{8141EA9B-20C0-4CDB-9FA6-8DB327D5D57C}"/>
+              </a:ext>
+            </a:extLst>
+          </p:cNvPr>
+          <p:cNvPicPr>
+            <a:picLocks noChangeAspect="1"/>
+          </p:cNvPicPr>
+          <p:nvPr/>
+        </p:nvPicPr>
+        <p:blipFill>
+          <a:blip r:embed="rId15">
+            <a:extLst>
+              <a:ext uri="{28A0092B-C50C-407E-A947-70E740481C1C}">
+                <a14:useLocalDpi xmlns:a14="http://schemas.microsoft.com/office/drawing/2010/main" val="0"/>
+              </a:ext>
+            </a:extLst>
+          </a:blip>
+          <a:stretch>
+            <a:fillRect/>
+          </a:stretch>
+        </p:blipFill>
+        <p:spPr>
+          <a:xfrm>
+            <a:off x="11412039" y="19538259"/>
+            <a:ext cx="10531342" cy="5923880"/>
+          </a:xfrm>
+          <a:prstGeom prst="rect">
+            <a:avLst/>
+          </a:prstGeom>
+        </p:spPr>
+      </p:pic>
     </p:spTree>
     <p:extLst>
       <p:ext uri="{BB962C8B-B14F-4D97-AF65-F5344CB8AC3E}">

--- a/Poster and Presentations/AGU_2019.pptx
+++ b/Poster and Presentations/AGU_2019.pptx
@@ -209,7 +209,7 @@
           <a:p>
             <a:fld id="{BCDFAB85-6BB0-4A7F-B62F-528C3B17097A}" type="datetimeFigureOut">
               <a:rPr lang="en-US" smtClean="0"/>
-              <a:t>12/4/2019</a:t>
+              <a:t>12/5/2019</a:t>
             </a:fld>
             <a:endParaRPr lang="en-US" dirty="0"/>
           </a:p>
@@ -707,7 +707,7 @@
           <a:p>
             <a:fld id="{E359BF50-459C-4C88-AC52-EF52FE6D9951}" type="datetimeFigureOut">
               <a:rPr lang="en-US" smtClean="0"/>
-              <a:t>12/4/2019</a:t>
+              <a:t>12/5/2019</a:t>
             </a:fld>
             <a:endParaRPr lang="en-US" dirty="0"/>
           </a:p>
@@ -905,7 +905,7 @@
           <a:p>
             <a:fld id="{E359BF50-459C-4C88-AC52-EF52FE6D9951}" type="datetimeFigureOut">
               <a:rPr lang="en-US" smtClean="0"/>
-              <a:t>12/4/2019</a:t>
+              <a:t>12/5/2019</a:t>
             </a:fld>
             <a:endParaRPr lang="en-US" dirty="0"/>
           </a:p>
@@ -1113,7 +1113,7 @@
           <a:p>
             <a:fld id="{E359BF50-459C-4C88-AC52-EF52FE6D9951}" type="datetimeFigureOut">
               <a:rPr lang="en-US" smtClean="0"/>
-              <a:t>12/4/2019</a:t>
+              <a:t>12/5/2019</a:t>
             </a:fld>
             <a:endParaRPr lang="en-US" dirty="0"/>
           </a:p>
@@ -1311,7 +1311,7 @@
           <a:p>
             <a:fld id="{E359BF50-459C-4C88-AC52-EF52FE6D9951}" type="datetimeFigureOut">
               <a:rPr lang="en-US" smtClean="0"/>
-              <a:t>12/4/2019</a:t>
+              <a:t>12/5/2019</a:t>
             </a:fld>
             <a:endParaRPr lang="en-US" dirty="0"/>
           </a:p>
@@ -1586,7 +1586,7 @@
           <a:p>
             <a:fld id="{E359BF50-459C-4C88-AC52-EF52FE6D9951}" type="datetimeFigureOut">
               <a:rPr lang="en-US" smtClean="0"/>
-              <a:t>12/4/2019</a:t>
+              <a:t>12/5/2019</a:t>
             </a:fld>
             <a:endParaRPr lang="en-US" dirty="0"/>
           </a:p>
@@ -1851,7 +1851,7 @@
           <a:p>
             <a:fld id="{E359BF50-459C-4C88-AC52-EF52FE6D9951}" type="datetimeFigureOut">
               <a:rPr lang="en-US" smtClean="0"/>
-              <a:t>12/4/2019</a:t>
+              <a:t>12/5/2019</a:t>
             </a:fld>
             <a:endParaRPr lang="en-US" dirty="0"/>
           </a:p>
@@ -2263,7 +2263,7 @@
           <a:p>
             <a:fld id="{E359BF50-459C-4C88-AC52-EF52FE6D9951}" type="datetimeFigureOut">
               <a:rPr lang="en-US" smtClean="0"/>
-              <a:t>12/4/2019</a:t>
+              <a:t>12/5/2019</a:t>
             </a:fld>
             <a:endParaRPr lang="en-US" dirty="0"/>
           </a:p>
@@ -2404,7 +2404,7 @@
           <a:p>
             <a:fld id="{E359BF50-459C-4C88-AC52-EF52FE6D9951}" type="datetimeFigureOut">
               <a:rPr lang="en-US" smtClean="0"/>
-              <a:t>12/4/2019</a:t>
+              <a:t>12/5/2019</a:t>
             </a:fld>
             <a:endParaRPr lang="en-US" dirty="0"/>
           </a:p>
@@ -2517,7 +2517,7 @@
           <a:p>
             <a:fld id="{E359BF50-459C-4C88-AC52-EF52FE6D9951}" type="datetimeFigureOut">
               <a:rPr lang="en-US" smtClean="0"/>
-              <a:t>12/4/2019</a:t>
+              <a:t>12/5/2019</a:t>
             </a:fld>
             <a:endParaRPr lang="en-US" dirty="0"/>
           </a:p>
@@ -2828,7 +2828,7 @@
           <a:p>
             <a:fld id="{E359BF50-459C-4C88-AC52-EF52FE6D9951}" type="datetimeFigureOut">
               <a:rPr lang="en-US" smtClean="0"/>
-              <a:t>12/4/2019</a:t>
+              <a:t>12/5/2019</a:t>
             </a:fld>
             <a:endParaRPr lang="en-US" dirty="0"/>
           </a:p>
@@ -3116,7 +3116,7 @@
           <a:p>
             <a:fld id="{E359BF50-459C-4C88-AC52-EF52FE6D9951}" type="datetimeFigureOut">
               <a:rPr lang="en-US" smtClean="0"/>
-              <a:t>12/4/2019</a:t>
+              <a:t>12/5/2019</a:t>
             </a:fld>
             <a:endParaRPr lang="en-US" dirty="0"/>
           </a:p>
@@ -3357,7 +3357,7 @@
           <a:p>
             <a:fld id="{E359BF50-459C-4C88-AC52-EF52FE6D9951}" type="datetimeFigureOut">
               <a:rPr lang="en-US" smtClean="0"/>
-              <a:t>12/4/2019</a:t>
+              <a:t>12/5/2019</a:t>
             </a:fld>
             <a:endParaRPr lang="en-US" dirty="0"/>
           </a:p>
@@ -3810,7 +3810,7 @@
             <a:pPr algn="ctr"/>
             <a:r>
               <a:rPr lang="en-US" b="1" dirty="0"/>
-              <a:t>Preserving long-term variability in simulation of multisite streamflow extremes.</a:t>
+              <a:t>Preserving long-term Variability in Simulation of Multisite Streamflow Extremes.</a:t>
             </a:r>
           </a:p>
           <a:p>
@@ -3848,7 +3848,7 @@
         <p:spPr>
           <a:xfrm>
             <a:off x="639824" y="4975423"/>
-            <a:ext cx="10111034" cy="14742497"/>
+            <a:ext cx="10111034" cy="16158270"/>
           </a:xfrm>
           <a:prstGeom prst="rect">
             <a:avLst/>
@@ -3953,15 +3953,8 @@
             </a:r>
             <a:r>
               <a:rPr lang="en-US" sz="2400" dirty="0"/>
-              <a:t>“The conditions causing the excessive rainfall of up from 13 inches in southwestern Indiana to 12.7 in north- central Ohio in March, 1913, were almost identical with those of January, 1937”</a:t>
-            </a:r>
-            <a:endParaRPr lang="en-US" sz="2400" u="sng" dirty="0"/>
-          </a:p>
-          <a:p>
-            <a:pPr marL="342900" indent="-342900">
-              <a:buFont typeface="Arial" panose="020B0604020202020204" pitchFamily="34" charset="0"/>
-              <a:buChar char="•"/>
-            </a:pPr>
+              <a:t>“The conditions causing the excessive rainfall of up from 13 inches in southwestern Indiana to 12.7 in north- central Ohio in March 1913, were almost identical with those of January 1937”</a:t>
+            </a:r>
             <a:endParaRPr lang="en-US" sz="2400" u="sng" dirty="0"/>
           </a:p>
           <a:p>
@@ -4026,24 +4019,33 @@
             <a:endParaRPr lang="en-US" sz="1600" dirty="0"/>
           </a:p>
           <a:p>
-            <a:endParaRPr lang="en-US" sz="1600" dirty="0"/>
-          </a:p>
-          <a:p>
-            <a:endParaRPr lang="en-US" sz="1600" dirty="0"/>
-          </a:p>
-          <a:p>
-            <a:endParaRPr lang="en-US" sz="1600" dirty="0"/>
+            <a:endParaRPr lang="en-US" sz="2800" dirty="0"/>
+          </a:p>
+          <a:p>
+            <a:endParaRPr lang="en-US" sz="2800" dirty="0"/>
+          </a:p>
+          <a:p>
+            <a:r>
+              <a:rPr lang="en-US" sz="2800" dirty="0"/>
+              <a:t>Research Questions:- </a:t>
+            </a:r>
           </a:p>
           <a:p>
             <a:r>
               <a:rPr lang="en-US" sz="2800" u="sng" dirty="0"/>
-              <a:t>Research Question:- 1. What can we infer as to space-time clustering of floods from historical streamflow data from the Ohio River Basin?</a:t>
+              <a:t>1. Are low-frequency variations present in streamflow/flooding extremes ?</a:t>
             </a:r>
           </a:p>
           <a:p>
             <a:r>
               <a:rPr lang="en-US" sz="2800" u="sng" dirty="0"/>
-              <a:t>2. Are there statistical models which can capture low frequency variations ?</a:t>
+              <a:t>2. What can we infer as to space-time clustering of floods from historical streamflow data from the Ohio River Basin?</a:t>
+            </a:r>
+          </a:p>
+          <a:p>
+            <a:r>
+              <a:rPr lang="en-US" sz="2800" u="sng" dirty="0"/>
+              <a:t>3. Are there statistical models that can represent the observed low frequency variations ?</a:t>
             </a:r>
           </a:p>
           <a:p>
@@ -4110,8 +4112,8 @@
         </p:nvSpPr>
         <p:spPr>
           <a:xfrm>
-            <a:off x="639824" y="20068734"/>
-            <a:ext cx="10111034" cy="6032421"/>
+            <a:off x="647369" y="21520976"/>
+            <a:ext cx="10111034" cy="4339650"/>
           </a:xfrm>
           <a:prstGeom prst="rect">
             <a:avLst/>
@@ -4170,37 +4172,6 @@
             <a:endParaRPr lang="en-US" sz="2400" dirty="0"/>
           </a:p>
           <a:p>
-            <a:pPr marL="342900" indent="-342900">
-              <a:buFont typeface="Arial" panose="020B0604020202020204" pitchFamily="34" charset="0"/>
-              <a:buChar char="•"/>
-            </a:pPr>
-            <a:endParaRPr lang="en-US" sz="2400" dirty="0"/>
-          </a:p>
-          <a:p>
-            <a:pPr marL="342900" indent="-342900">
-              <a:buFont typeface="Arial" panose="020B0604020202020204" pitchFamily="34" charset="0"/>
-              <a:buChar char="•"/>
-            </a:pPr>
-            <a:endParaRPr lang="en-US" sz="2400" dirty="0"/>
-          </a:p>
-          <a:p>
-            <a:pPr marL="342900" indent="-342900">
-              <a:buFont typeface="Arial" panose="020B0604020202020204" pitchFamily="34" charset="0"/>
-              <a:buChar char="•"/>
-            </a:pPr>
-            <a:endParaRPr lang="en-US" sz="2400" dirty="0"/>
-          </a:p>
-          <a:p>
-            <a:pPr marL="342900" indent="-342900">
-              <a:buFont typeface="Arial" panose="020B0604020202020204" pitchFamily="34" charset="0"/>
-              <a:buChar char="•"/>
-            </a:pPr>
-            <a:endParaRPr lang="en-US" sz="2400" dirty="0"/>
-          </a:p>
-          <a:p>
-            <a:endParaRPr lang="en-US" sz="1400" dirty="0"/>
-          </a:p>
-          <a:p>
             <a:endParaRPr lang="en-US" sz="1400" dirty="0"/>
           </a:p>
           <a:p>
@@ -4271,8 +4242,8 @@
         </p:nvSpPr>
         <p:spPr>
           <a:xfrm>
-            <a:off x="690100" y="20687252"/>
-            <a:ext cx="4205910" cy="3785652"/>
+            <a:off x="647369" y="22125672"/>
+            <a:ext cx="10060758" cy="1938992"/>
           </a:xfrm>
           <a:prstGeom prst="rect">
             <a:avLst/>
@@ -4310,70 +4281,38 @@
             </a:r>
           </a:p>
           <a:p>
-            <a:endParaRPr lang="en-US" sz="2400" dirty="0"/>
-          </a:p>
-          <a:p>
             <a:pPr marL="342900" indent="-342900">
               <a:buFont typeface="Arial" panose="020B0604020202020204" pitchFamily="34" charset="0"/>
               <a:buChar char="•"/>
             </a:pPr>
+            <a:endParaRPr lang="en-US" sz="2400" dirty="0"/>
+          </a:p>
+          <a:p>
+            <a:pPr marL="342900" indent="-342900">
+              <a:buFont typeface="Arial" panose="020B0604020202020204" pitchFamily="34" charset="0"/>
+              <a:buChar char="•"/>
+            </a:pPr>
             <a:r>
               <a:rPr lang="en-US" sz="2400" dirty="0"/>
               <a:t>Climate Indices</a:t>
             </a:r>
             <a:r>
               <a:rPr lang="en-US" sz="2400" baseline="30000" dirty="0"/>
-              <a:t>3</a:t>
-            </a:r>
-          </a:p>
-          <a:p>
-            <a:pPr marL="457200" indent="-457200">
-              <a:buFont typeface="+mj-lt"/>
-              <a:buAutoNum type="arabicPeriod"/>
-            </a:pPr>
+              <a:t>2 </a:t>
+            </a:r>
             <a:r>
               <a:rPr lang="en-US" sz="2400" dirty="0"/>
-              <a:t>ENSO – Nino 3.4 – HadISST</a:t>
-            </a:r>
-          </a:p>
-          <a:p>
-            <a:pPr marL="457200" indent="-457200">
-              <a:buFont typeface="+mj-lt"/>
-              <a:buAutoNum type="arabicPeriod"/>
-            </a:pPr>
-            <a:r>
-              <a:rPr lang="en-US" sz="2400" dirty="0"/>
-              <a:t>PDO – JISAO</a:t>
-            </a:r>
-          </a:p>
-          <a:p>
-            <a:pPr marL="457200" indent="-457200">
-              <a:buFont typeface="+mj-lt"/>
-              <a:buAutoNum type="arabicPeriod"/>
-            </a:pPr>
-            <a:r>
-              <a:rPr lang="en-US" sz="2400" dirty="0"/>
-              <a:t>AMO – HadSST</a:t>
-            </a:r>
-          </a:p>
-          <a:p>
-            <a:pPr marL="457200" indent="-457200">
-              <a:buFont typeface="+mj-lt"/>
-              <a:buAutoNum type="arabicPeriod"/>
-            </a:pPr>
-            <a:r>
-              <a:rPr lang="en-US" sz="2400" dirty="0"/>
-              <a:t>NAO – Jones et al. </a:t>
-            </a:r>
-          </a:p>
-        </p:txBody>
-      </p:sp>
-      <p:sp>
-        <p:nvSpPr>
-          <p:cNvPr id="20" name="TextBox 19">
-            <a:extLst>
-              <a:ext uri="{FF2B5EF4-FFF2-40B4-BE49-F238E27FC236}">
-                <a16:creationId xmlns:a16="http://schemas.microsoft.com/office/drawing/2014/main" id="{BB172219-3CF4-4F58-B712-458159588CB1}"/>
+              <a:t>.ENSO – Nino 3.4 – HadISST. PDO – JISAO. AMO – HadSST. NAO – Jones et al. </a:t>
+            </a:r>
+          </a:p>
+        </p:txBody>
+      </p:sp>
+      <p:sp>
+        <p:nvSpPr>
+          <p:cNvPr id="24" name="TextBox 23">
+            <a:extLst>
+              <a:ext uri="{FF2B5EF4-FFF2-40B4-BE49-F238E27FC236}">
+                <a16:creationId xmlns:a16="http://schemas.microsoft.com/office/drawing/2014/main" id="{D6A3BF46-5E58-4E4B-8D00-468A3381EED5}"/>
               </a:ext>
             </a:extLst>
           </p:cNvPr>
@@ -4382,8 +4321,8 @@
         </p:nvSpPr>
         <p:spPr>
           <a:xfrm>
-            <a:off x="11232183" y="4975423"/>
-            <a:ext cx="10919125" cy="9203353"/>
+            <a:off x="22665579" y="4975423"/>
+            <a:ext cx="20441658" cy="27502272"/>
           </a:xfrm>
           <a:prstGeom prst="rect">
             <a:avLst/>
@@ -4403,44 +4342,271 @@
           <a:p>
             <a:r>
               <a:rPr lang="en-US" sz="4800" dirty="0"/>
-              <a:t>Ohio River Basin(ORB)</a:t>
+              <a:t>Results</a:t>
             </a:r>
           </a:p>
           <a:p>
             <a:endParaRPr lang="en-US" dirty="0"/>
           </a:p>
           <a:p>
+            <a:endParaRPr lang="en-US" sz="2400" dirty="0"/>
+          </a:p>
+          <a:p>
+            <a:endParaRPr lang="en-US" sz="2400" dirty="0"/>
+          </a:p>
+          <a:p>
+            <a:endParaRPr lang="en-US" sz="2400" dirty="0"/>
+          </a:p>
+          <a:p>
+            <a:endParaRPr lang="en-US" sz="2400" dirty="0"/>
+          </a:p>
+          <a:p>
+            <a:endParaRPr lang="en-US" sz="2400" dirty="0"/>
+          </a:p>
+          <a:p>
+            <a:endParaRPr lang="en-US" sz="2400" dirty="0"/>
+          </a:p>
+          <a:p>
+            <a:endParaRPr lang="en-US" sz="2400" dirty="0"/>
+          </a:p>
+          <a:p>
+            <a:endParaRPr lang="en-US" sz="2400" dirty="0"/>
+          </a:p>
+          <a:p>
+            <a:endParaRPr lang="en-US" sz="2400" dirty="0"/>
+          </a:p>
+          <a:p>
+            <a:endParaRPr lang="en-US" sz="2400" dirty="0"/>
+          </a:p>
+          <a:p>
+            <a:endParaRPr lang="en-US" sz="2400" dirty="0"/>
+          </a:p>
+          <a:p>
+            <a:endParaRPr lang="en-US" sz="2400" dirty="0"/>
+          </a:p>
+          <a:p>
+            <a:endParaRPr lang="en-US" sz="2400" dirty="0"/>
+          </a:p>
+          <a:p>
+            <a:endParaRPr lang="en-US" sz="2400" dirty="0"/>
+          </a:p>
+          <a:p>
+            <a:endParaRPr lang="en-US" sz="2400" dirty="0"/>
+          </a:p>
+          <a:p>
+            <a:endParaRPr lang="en-US" sz="2400" dirty="0"/>
+          </a:p>
+          <a:p>
+            <a:endParaRPr lang="en-US" sz="2400" dirty="0"/>
+          </a:p>
+          <a:p>
+            <a:endParaRPr lang="en-US" sz="2400" dirty="0"/>
+          </a:p>
+          <a:p>
+            <a:endParaRPr lang="en-US" sz="2400" dirty="0"/>
+          </a:p>
+          <a:p>
+            <a:endParaRPr lang="en-US" sz="2400" dirty="0"/>
+          </a:p>
+          <a:p>
+            <a:endParaRPr lang="en-US" sz="2400" dirty="0"/>
+          </a:p>
+          <a:p>
+            <a:endParaRPr lang="en-US" sz="2400" dirty="0"/>
+          </a:p>
+          <a:p>
+            <a:endParaRPr lang="en-US" sz="2400" dirty="0"/>
+          </a:p>
+          <a:p>
+            <a:endParaRPr lang="en-US" sz="2400" dirty="0"/>
+          </a:p>
+          <a:p>
+            <a:endParaRPr lang="en-US" sz="2400" dirty="0"/>
+          </a:p>
+          <a:p>
+            <a:endParaRPr lang="en-US" sz="2400" dirty="0"/>
+          </a:p>
+          <a:p>
+            <a:endParaRPr lang="en-US" sz="2400" dirty="0"/>
+          </a:p>
+          <a:p>
+            <a:endParaRPr lang="en-US" sz="2400" dirty="0"/>
+          </a:p>
+          <a:p>
+            <a:endParaRPr lang="en-US" sz="2400" dirty="0"/>
+          </a:p>
+          <a:p>
+            <a:endParaRPr lang="en-US" sz="2400" dirty="0"/>
+          </a:p>
+          <a:p>
+            <a:endParaRPr lang="en-US" sz="2400" dirty="0"/>
+          </a:p>
+          <a:p>
+            <a:endParaRPr lang="en-US" sz="2400" dirty="0"/>
+          </a:p>
+          <a:p>
+            <a:endParaRPr lang="en-US" sz="2400" dirty="0"/>
+          </a:p>
+          <a:p>
+            <a:endParaRPr lang="en-US" sz="2400" dirty="0"/>
+          </a:p>
+          <a:p>
+            <a:endParaRPr lang="en-US" sz="2400" dirty="0"/>
+          </a:p>
+          <a:p>
+            <a:endParaRPr lang="en-US" sz="2400" dirty="0"/>
+          </a:p>
+          <a:p>
+            <a:endParaRPr lang="en-US" sz="2400" dirty="0"/>
+          </a:p>
+          <a:p>
+            <a:endParaRPr lang="en-US" sz="2400" dirty="0"/>
+          </a:p>
+          <a:p>
+            <a:endParaRPr lang="en-US" sz="2400" dirty="0"/>
+          </a:p>
+          <a:p>
+            <a:endParaRPr lang="en-US" sz="2400" dirty="0"/>
+          </a:p>
+          <a:p>
+            <a:endParaRPr lang="en-US" sz="2400" dirty="0"/>
+          </a:p>
+          <a:p>
+            <a:endParaRPr lang="en-US" sz="2400" dirty="0"/>
+          </a:p>
+          <a:p>
+            <a:endParaRPr lang="en-US" sz="2400" dirty="0"/>
+          </a:p>
+          <a:p>
+            <a:endParaRPr lang="en-US" sz="2400" dirty="0"/>
+          </a:p>
+          <a:p>
             <a:endParaRPr lang="en-US" dirty="0"/>
           </a:p>
           <a:p>
-            <a:endParaRPr lang="en-US" dirty="0"/>
-          </a:p>
-          <a:p>
-            <a:endParaRPr lang="en-US" dirty="0"/>
-          </a:p>
-          <a:p>
-            <a:endParaRPr lang="en-US" dirty="0"/>
-          </a:p>
-          <a:p>
-            <a:endParaRPr lang="en-US" dirty="0"/>
-          </a:p>
-          <a:p>
-            <a:endParaRPr lang="en-US" dirty="0"/>
-          </a:p>
-          <a:p>
-            <a:endParaRPr lang="en-US" sz="1800" dirty="0"/>
-          </a:p>
-          <a:p>
-            <a:endParaRPr lang="en-US" sz="1800" dirty="0"/>
-          </a:p>
-        </p:txBody>
-      </p:sp>
-      <p:sp>
-        <p:nvSpPr>
-          <p:cNvPr id="24" name="TextBox 23">
-            <a:extLst>
-              <a:ext uri="{FF2B5EF4-FFF2-40B4-BE49-F238E27FC236}">
-                <a16:creationId xmlns:a16="http://schemas.microsoft.com/office/drawing/2014/main" id="{D6A3BF46-5E58-4E4B-8D00-468A3381EED5}"/>
+            <a:endParaRPr lang="en-US" sz="2400" dirty="0"/>
+          </a:p>
+          <a:p>
+            <a:endParaRPr lang="en-US" sz="2400" dirty="0"/>
+          </a:p>
+          <a:p>
+            <a:endParaRPr lang="en-US" sz="2400" dirty="0"/>
+          </a:p>
+          <a:p>
+            <a:r>
+              <a:rPr lang="en-US" sz="2400" dirty="0"/>
+              <a:t>    </a:t>
+            </a:r>
+          </a:p>
+          <a:p>
+            <a:endParaRPr lang="en-US" sz="2400" dirty="0"/>
+          </a:p>
+          <a:p>
+            <a:endParaRPr lang="en-US" sz="2400" dirty="0"/>
+          </a:p>
+          <a:p>
+            <a:endParaRPr lang="en-US" sz="2400" dirty="0"/>
+          </a:p>
+          <a:p>
+            <a:endParaRPr lang="en-US" sz="2400" dirty="0"/>
+          </a:p>
+          <a:p>
+            <a:endParaRPr lang="en-US" sz="2400" dirty="0"/>
+          </a:p>
+          <a:p>
+            <a:endParaRPr lang="en-US" sz="2400" dirty="0"/>
+          </a:p>
+          <a:p>
+            <a:endParaRPr lang="en-US" sz="2400" dirty="0"/>
+          </a:p>
+          <a:p>
+            <a:endParaRPr lang="en-US" sz="2400" dirty="0"/>
+          </a:p>
+          <a:p>
+            <a:endParaRPr lang="en-US" sz="2400" dirty="0"/>
+          </a:p>
+          <a:p>
+            <a:endParaRPr lang="en-US" sz="1600" dirty="0"/>
+          </a:p>
+          <a:p>
+            <a:endParaRPr lang="en-US" sz="1600" dirty="0"/>
+          </a:p>
+          <a:p>
+            <a:endParaRPr lang="en-US" sz="1600" dirty="0"/>
+          </a:p>
+          <a:p>
+            <a:endParaRPr lang="en-US" sz="1600" dirty="0"/>
+          </a:p>
+          <a:p>
+            <a:endParaRPr lang="en-US" sz="1600" dirty="0"/>
+          </a:p>
+          <a:p>
+            <a:r>
+              <a:rPr lang="en-US" sz="2800" dirty="0">
+                <a:sym typeface="Wingdings" panose="05000000000000000000" pitchFamily="2" charset="2"/>
+              </a:rPr>
+              <a:t>There is no persistence in the extreme wet state and no sudden jump from the dry to wet state, providing a measure of predictability for the extreme streamflow e</a:t>
+            </a:r>
+            <a:r>
+              <a:rPr lang="en-US" sz="2800" dirty="0"/>
+              <a:t>vents. The Poisson rate parameters associated with the three hidden states are:-  </a:t>
+            </a:r>
+          </a:p>
+          <a:p>
+            <a:pPr lvl="1"/>
+            <a:r>
+              <a:rPr lang="en-US" sz="2800" dirty="0"/>
+              <a:t>0.7 events/year </a:t>
+            </a:r>
+            <a:r>
+              <a:rPr lang="en-US" sz="2800" dirty="0">
+                <a:sym typeface="Wingdings" panose="05000000000000000000" pitchFamily="2" charset="2"/>
+              </a:rPr>
+              <a:t> Dry State</a:t>
+            </a:r>
+            <a:r>
+              <a:rPr lang="en-US" sz="2800" dirty="0"/>
+              <a:t>, </a:t>
+            </a:r>
+          </a:p>
+          <a:p>
+            <a:pPr lvl="1"/>
+            <a:r>
+              <a:rPr lang="en-US" sz="2800" dirty="0"/>
+              <a:t>4.56 events/year </a:t>
+            </a:r>
+            <a:r>
+              <a:rPr lang="en-US" sz="2800" dirty="0">
+                <a:sym typeface="Wingdings" panose="05000000000000000000" pitchFamily="2" charset="2"/>
+              </a:rPr>
+              <a:t> Intermediate State</a:t>
+            </a:r>
+            <a:r>
+              <a:rPr lang="en-US" sz="2800" dirty="0"/>
+              <a:t> </a:t>
+            </a:r>
+          </a:p>
+          <a:p>
+            <a:pPr lvl="1"/>
+            <a:r>
+              <a:rPr lang="en-US" sz="2800" dirty="0"/>
+              <a:t>12.34 events/year </a:t>
+            </a:r>
+            <a:r>
+              <a:rPr lang="en-US" sz="2800" dirty="0">
+                <a:sym typeface="Wingdings" panose="05000000000000000000" pitchFamily="2" charset="2"/>
+              </a:rPr>
+              <a:t> Wet State. </a:t>
+            </a:r>
+          </a:p>
+        </p:txBody>
+      </p:sp>
+      <p:sp>
+        <p:nvSpPr>
+          <p:cNvPr id="26" name="TextBox 25">
+            <a:extLst>
+              <a:ext uri="{FF2B5EF4-FFF2-40B4-BE49-F238E27FC236}">
+                <a16:creationId xmlns:a16="http://schemas.microsoft.com/office/drawing/2014/main" id="{8FAA538F-8709-4856-9BEC-5A4D47A41198}"/>
               </a:ext>
             </a:extLst>
           </p:cNvPr>
@@ -4449,8 +4615,8 @@
         </p:nvSpPr>
         <p:spPr>
           <a:xfrm>
-            <a:off x="22665579" y="4975423"/>
-            <a:ext cx="20441658" cy="27440717"/>
+            <a:off x="11219334" y="4975423"/>
+            <a:ext cx="10959617" cy="20836473"/>
           </a:xfrm>
           <a:prstGeom prst="rect">
             <a:avLst/>
@@ -4470,309 +4636,7 @@
           <a:p>
             <a:r>
               <a:rPr lang="en-US" sz="4800" dirty="0"/>
-              <a:t>Results</a:t>
-            </a:r>
-          </a:p>
-          <a:p>
-            <a:endParaRPr lang="en-US" dirty="0"/>
-          </a:p>
-          <a:p>
-            <a:endParaRPr lang="en-US" sz="2400" dirty="0"/>
-          </a:p>
-          <a:p>
-            <a:endParaRPr lang="en-US" sz="2400" dirty="0"/>
-          </a:p>
-          <a:p>
-            <a:endParaRPr lang="en-US" sz="2400" dirty="0"/>
-          </a:p>
-          <a:p>
-            <a:endParaRPr lang="en-US" sz="2400" dirty="0"/>
-          </a:p>
-          <a:p>
-            <a:endParaRPr lang="en-US" sz="2400" dirty="0"/>
-          </a:p>
-          <a:p>
-            <a:endParaRPr lang="en-US" sz="2400" dirty="0"/>
-          </a:p>
-          <a:p>
-            <a:endParaRPr lang="en-US" sz="2400" dirty="0"/>
-          </a:p>
-          <a:p>
-            <a:endParaRPr lang="en-US" sz="2400" dirty="0"/>
-          </a:p>
-          <a:p>
-            <a:endParaRPr lang="en-US" sz="2400" dirty="0"/>
-          </a:p>
-          <a:p>
-            <a:endParaRPr lang="en-US" sz="2400" dirty="0"/>
-          </a:p>
-          <a:p>
-            <a:endParaRPr lang="en-US" sz="2400" dirty="0"/>
-          </a:p>
-          <a:p>
-            <a:endParaRPr lang="en-US" sz="2400" dirty="0"/>
-          </a:p>
-          <a:p>
-            <a:endParaRPr lang="en-US" sz="2400" dirty="0"/>
-          </a:p>
-          <a:p>
-            <a:endParaRPr lang="en-US" sz="2400" dirty="0"/>
-          </a:p>
-          <a:p>
-            <a:endParaRPr lang="en-US" sz="2400" dirty="0"/>
-          </a:p>
-          <a:p>
-            <a:endParaRPr lang="en-US" sz="2400" dirty="0"/>
-          </a:p>
-          <a:p>
-            <a:endParaRPr lang="en-US" sz="2400" dirty="0"/>
-          </a:p>
-          <a:p>
-            <a:endParaRPr lang="en-US" sz="2400" dirty="0"/>
-          </a:p>
-          <a:p>
-            <a:endParaRPr lang="en-US" sz="2400" dirty="0"/>
-          </a:p>
-          <a:p>
-            <a:endParaRPr lang="en-US" sz="2400" dirty="0"/>
-          </a:p>
-          <a:p>
-            <a:endParaRPr lang="en-US" sz="2400" dirty="0"/>
-          </a:p>
-          <a:p>
-            <a:endParaRPr lang="en-US" sz="2400" dirty="0"/>
-          </a:p>
-          <a:p>
-            <a:endParaRPr lang="en-US" sz="2400" dirty="0"/>
-          </a:p>
-          <a:p>
-            <a:endParaRPr lang="en-US" sz="2400" dirty="0"/>
-          </a:p>
-          <a:p>
-            <a:endParaRPr lang="en-US" sz="2400" dirty="0"/>
-          </a:p>
-          <a:p>
-            <a:endParaRPr lang="en-US" sz="2400" dirty="0"/>
-          </a:p>
-          <a:p>
-            <a:endParaRPr lang="en-US" sz="2400" dirty="0"/>
-          </a:p>
-          <a:p>
-            <a:endParaRPr lang="en-US" sz="2400" dirty="0"/>
-          </a:p>
-          <a:p>
-            <a:endParaRPr lang="en-US" sz="2400" dirty="0"/>
-          </a:p>
-          <a:p>
-            <a:endParaRPr lang="en-US" sz="2400" dirty="0"/>
-          </a:p>
-          <a:p>
-            <a:endParaRPr lang="en-US" sz="2400" dirty="0"/>
-          </a:p>
-          <a:p>
-            <a:endParaRPr lang="en-US" sz="2400" dirty="0"/>
-          </a:p>
-          <a:p>
-            <a:endParaRPr lang="en-US" sz="2400" dirty="0"/>
-          </a:p>
-          <a:p>
-            <a:endParaRPr lang="en-US" sz="2400" dirty="0"/>
-          </a:p>
-          <a:p>
-            <a:endParaRPr lang="en-US" sz="2400" dirty="0"/>
-          </a:p>
-          <a:p>
-            <a:endParaRPr lang="en-US" sz="2400" dirty="0"/>
-          </a:p>
-          <a:p>
-            <a:endParaRPr lang="en-US" sz="2400" dirty="0"/>
-          </a:p>
-          <a:p>
-            <a:endParaRPr lang="en-US" sz="2400" dirty="0"/>
-          </a:p>
-          <a:p>
-            <a:endParaRPr lang="en-US" sz="2400" dirty="0"/>
-          </a:p>
-          <a:p>
-            <a:endParaRPr lang="en-US" sz="2400" dirty="0"/>
-          </a:p>
-          <a:p>
-            <a:endParaRPr lang="en-US" sz="2400" dirty="0"/>
-          </a:p>
-          <a:p>
-            <a:endParaRPr lang="en-US" sz="2400" dirty="0"/>
-          </a:p>
-          <a:p>
-            <a:endParaRPr lang="en-US" sz="2400" dirty="0"/>
-          </a:p>
-          <a:p>
-            <a:endParaRPr lang="en-US" sz="2400" dirty="0"/>
-          </a:p>
-          <a:p>
-            <a:endParaRPr lang="en-US" dirty="0"/>
-          </a:p>
-          <a:p>
-            <a:endParaRPr lang="en-US" sz="2400" dirty="0"/>
-          </a:p>
-          <a:p>
-            <a:endParaRPr lang="en-US" sz="2400" dirty="0"/>
-          </a:p>
-          <a:p>
-            <a:endParaRPr lang="en-US" sz="2400" dirty="0"/>
-          </a:p>
-          <a:p>
-            <a:r>
-              <a:rPr lang="en-US" sz="2400" dirty="0"/>
-              <a:t>    </a:t>
-            </a:r>
-          </a:p>
-          <a:p>
-            <a:endParaRPr lang="en-US" sz="2400" dirty="0"/>
-          </a:p>
-          <a:p>
-            <a:endParaRPr lang="en-US" sz="2400" dirty="0"/>
-          </a:p>
-          <a:p>
-            <a:endParaRPr lang="en-US" sz="2400" dirty="0"/>
-          </a:p>
-          <a:p>
-            <a:endParaRPr lang="en-US" sz="2400" dirty="0"/>
-          </a:p>
-          <a:p>
-            <a:endParaRPr lang="en-US" sz="2400" dirty="0"/>
-          </a:p>
-          <a:p>
-            <a:endParaRPr lang="en-US" sz="2400" dirty="0"/>
-          </a:p>
-          <a:p>
-            <a:endParaRPr lang="en-US" sz="2400" dirty="0"/>
-          </a:p>
-          <a:p>
-            <a:endParaRPr lang="en-US" sz="2400" dirty="0"/>
-          </a:p>
-          <a:p>
-            <a:endParaRPr lang="en-US" sz="2400" dirty="0"/>
-          </a:p>
-          <a:p>
-            <a:endParaRPr lang="en-US" sz="2400" dirty="0"/>
-          </a:p>
-          <a:p>
-            <a:endParaRPr lang="en-US" sz="2400" dirty="0"/>
-          </a:p>
-          <a:p>
-            <a:endParaRPr lang="en-US" sz="2400" dirty="0"/>
-          </a:p>
-          <a:p>
-            <a:pPr marL="342900" indent="-342900">
-              <a:buFont typeface="Arial" panose="020B0604020202020204" pitchFamily="34" charset="0"/>
-              <a:buChar char="•"/>
-            </a:pPr>
-            <a:r>
-              <a:rPr lang="en-US" sz="2400" dirty="0"/>
-              <a:t>The rate parameters associated with the three hidden states are:-  </a:t>
-            </a:r>
-          </a:p>
-          <a:p>
-            <a:pPr lvl="1"/>
-            <a:r>
-              <a:rPr lang="en-US" sz="2400" dirty="0"/>
-              <a:t>0.7</a:t>
-            </a:r>
-            <a:r>
-              <a:rPr lang="en-US" sz="2400" dirty="0">
-                <a:sym typeface="Wingdings" panose="05000000000000000000" pitchFamily="2" charset="2"/>
-              </a:rPr>
-              <a:t> Dry State</a:t>
-            </a:r>
-            <a:r>
-              <a:rPr lang="en-US" sz="2400" dirty="0"/>
-              <a:t>, </a:t>
-            </a:r>
-          </a:p>
-          <a:p>
-            <a:pPr lvl="1"/>
-            <a:r>
-              <a:rPr lang="en-US" sz="2400" dirty="0"/>
-              <a:t>4.56 </a:t>
-            </a:r>
-            <a:r>
-              <a:rPr lang="en-US" sz="2400" dirty="0">
-                <a:sym typeface="Wingdings" panose="05000000000000000000" pitchFamily="2" charset="2"/>
-              </a:rPr>
-              <a:t> Intermediate State</a:t>
-            </a:r>
-            <a:r>
-              <a:rPr lang="en-US" sz="2400" dirty="0"/>
-              <a:t> </a:t>
-            </a:r>
-          </a:p>
-          <a:p>
-            <a:pPr lvl="1"/>
-            <a:r>
-              <a:rPr lang="en-US" sz="2400" dirty="0"/>
-              <a:t>12.34 </a:t>
-            </a:r>
-            <a:r>
-              <a:rPr lang="en-US" sz="2400" dirty="0">
-                <a:sym typeface="Wingdings" panose="05000000000000000000" pitchFamily="2" charset="2"/>
-              </a:rPr>
-              <a:t> Wet State. </a:t>
-            </a:r>
-          </a:p>
-          <a:p>
-            <a:pPr marL="342900" indent="-342900">
-              <a:buFont typeface="Arial" panose="020B0604020202020204" pitchFamily="34" charset="0"/>
-              <a:buChar char="•"/>
-            </a:pPr>
-            <a:r>
-              <a:rPr lang="en-US" sz="2400" dirty="0">
-                <a:sym typeface="Wingdings" panose="05000000000000000000" pitchFamily="2" charset="2"/>
-              </a:rPr>
-              <a:t>There is no persistence in the extreme wet state and no sudden jump from dry to wet states, providing a measure of predictability in the extreme streamflow e</a:t>
-            </a:r>
-            <a:r>
-              <a:rPr lang="en-US" sz="2400" dirty="0"/>
-              <a:t>vents.</a:t>
-            </a:r>
-          </a:p>
-        </p:txBody>
-      </p:sp>
-      <p:sp>
-        <p:nvSpPr>
-          <p:cNvPr id="26" name="TextBox 25">
-            <a:extLst>
-              <a:ext uri="{FF2B5EF4-FFF2-40B4-BE49-F238E27FC236}">
-                <a16:creationId xmlns:a16="http://schemas.microsoft.com/office/drawing/2014/main" id="{8FAA538F-8709-4856-9BEC-5A4D47A41198}"/>
-              </a:ext>
-            </a:extLst>
-          </p:cNvPr>
-          <p:cNvSpPr txBox="1"/>
-          <p:nvPr/>
-        </p:nvSpPr>
-        <p:spPr>
-          <a:xfrm>
-            <a:off x="11232183" y="14570360"/>
-            <a:ext cx="10959617" cy="11541621"/>
-          </a:xfrm>
-          <a:prstGeom prst="rect">
-            <a:avLst/>
-          </a:prstGeom>
-          <a:solidFill>
-            <a:schemeClr val="accent5">
-              <a:lumMod val="60000"/>
-              <a:lumOff val="40000"/>
-            </a:schemeClr>
-          </a:solidFill>
-        </p:spPr>
-        <p:txBody>
-          <a:bodyPr wrap="square" rtlCol="0">
-            <a:spAutoFit/>
-          </a:bodyPr>
-          <a:lstStyle/>
-          <a:p>
-            <a:r>
-              <a:rPr lang="en-US" sz="4800" dirty="0"/>
-              <a:t>Methodology</a:t>
+              <a:t>Methods</a:t>
             </a:r>
           </a:p>
           <a:p>
@@ -4814,7 +4678,7 @@
           <a:p>
             <a:r>
               <a:rPr lang="en-US" sz="2800" u="sng" dirty="0"/>
-              <a:t>Wavelet Clustering </a:t>
+              <a:t>PC-Wavelet Clustering </a:t>
             </a:r>
             <a:r>
               <a:rPr lang="en-US" sz="2800" u="sng" dirty="0">
@@ -4824,9 +4688,120 @@
             </a:r>
           </a:p>
           <a:p>
-            <a:endParaRPr lang="en-US" sz="2800" u="sng" dirty="0">
+            <a:pPr marL="457200" indent="-457200">
+              <a:buFont typeface="Arial" panose="020B0604020202020204" pitchFamily="34" charset="0"/>
+              <a:buChar char="•"/>
+            </a:pPr>
+            <a:r>
+              <a:rPr lang="en-US" sz="2800" dirty="0">
+                <a:sym typeface="Wingdings" panose="05000000000000000000" pitchFamily="2" charset="2"/>
+              </a:rPr>
+              <a:t>Principal Component Analysis  Dimension Reduction</a:t>
+            </a:r>
+          </a:p>
+          <a:p>
+            <a:pPr marL="457200" indent="-457200">
+              <a:buFont typeface="Arial" panose="020B0604020202020204" pitchFamily="34" charset="0"/>
+              <a:buChar char="•"/>
+            </a:pPr>
+            <a:r>
+              <a:rPr lang="en-US" sz="2800" dirty="0">
+                <a:sym typeface="Wingdings" panose="05000000000000000000" pitchFamily="2" charset="2"/>
+              </a:rPr>
+              <a:t>Wavelet Decomposition  Extracting signals over noise.</a:t>
+            </a:r>
+          </a:p>
+          <a:p>
+            <a:endParaRPr lang="en-US" sz="2800" dirty="0">
               <a:sym typeface="Wingdings" panose="05000000000000000000" pitchFamily="2" charset="2"/>
             </a:endParaRPr>
+          </a:p>
+          <a:p>
+            <a:endParaRPr lang="en-US" sz="2800" dirty="0">
+              <a:sym typeface="Wingdings" panose="05000000000000000000" pitchFamily="2" charset="2"/>
+            </a:endParaRPr>
+          </a:p>
+          <a:p>
+            <a:r>
+              <a:rPr lang="en-US" sz="2800" dirty="0"/>
+              <a:t>Another option, computed but not presented in this poster is to invert the chronology and look at ‘time’ first(wavelet decomposition) followed by spatial domain(PCA). This method leads to explicit-hard clustering.</a:t>
+            </a:r>
+            <a:endParaRPr lang="en-US" sz="2800" u="sng" dirty="0"/>
+          </a:p>
+          <a:p>
+            <a:endParaRPr lang="en-US" sz="2800" u="sng" dirty="0"/>
+          </a:p>
+          <a:p>
+            <a:endParaRPr lang="en-US" sz="2800" u="sng" dirty="0"/>
+          </a:p>
+          <a:p>
+            <a:endParaRPr lang="en-US" sz="2800" u="sng" dirty="0"/>
+          </a:p>
+          <a:p>
+            <a:endParaRPr lang="en-US" sz="2800" u="sng" dirty="0"/>
+          </a:p>
+          <a:p>
+            <a:endParaRPr lang="en-US" sz="2800" u="sng" dirty="0"/>
+          </a:p>
+          <a:p>
+            <a:endParaRPr lang="en-US" sz="2800" u="sng" dirty="0"/>
+          </a:p>
+          <a:p>
+            <a:endParaRPr lang="en-US" sz="2800" u="sng" dirty="0"/>
+          </a:p>
+          <a:p>
+            <a:endParaRPr lang="en-US" sz="2800" u="sng" dirty="0"/>
+          </a:p>
+          <a:p>
+            <a:endParaRPr lang="en-US" sz="2800" u="sng" dirty="0"/>
+          </a:p>
+          <a:p>
+            <a:endParaRPr lang="en-US" sz="2800" u="sng" dirty="0"/>
+          </a:p>
+          <a:p>
+            <a:endParaRPr lang="en-US" sz="2800" u="sng" dirty="0"/>
+          </a:p>
+          <a:p>
+            <a:endParaRPr lang="en-US" sz="2800" u="sng" dirty="0"/>
+          </a:p>
+          <a:p>
+            <a:endParaRPr lang="en-US" sz="2800" u="sng" dirty="0"/>
+          </a:p>
+          <a:p>
+            <a:endParaRPr lang="en-US" sz="2800" u="sng" dirty="0"/>
+          </a:p>
+          <a:p>
+            <a:endParaRPr lang="en-US" sz="2800" u="sng" dirty="0"/>
+          </a:p>
+          <a:p>
+            <a:endParaRPr lang="en-US" sz="2800" u="sng" dirty="0"/>
+          </a:p>
+          <a:p>
+            <a:endParaRPr lang="en-US" sz="2800" u="sng" dirty="0"/>
+          </a:p>
+          <a:p>
+            <a:endParaRPr lang="en-US" sz="2800" u="sng" dirty="0"/>
+          </a:p>
+          <a:p>
+            <a:endParaRPr lang="en-US" sz="2800" u="sng" dirty="0"/>
+          </a:p>
+          <a:p>
+            <a:endParaRPr lang="en-US" sz="2800" u="sng" dirty="0"/>
+          </a:p>
+          <a:p>
+            <a:endParaRPr lang="en-US" sz="2800" u="sng" dirty="0"/>
+          </a:p>
+          <a:p>
+            <a:endParaRPr lang="en-US" sz="2800" u="sng" dirty="0"/>
+          </a:p>
+          <a:p>
+            <a:endParaRPr lang="en-US" sz="2800" u="sng" dirty="0"/>
+          </a:p>
+          <a:p>
+            <a:endParaRPr lang="en-US" sz="2800" u="sng" dirty="0"/>
+          </a:p>
+          <a:p>
+            <a:endParaRPr lang="en-US" sz="2800" u="sng" dirty="0"/>
           </a:p>
           <a:p>
             <a:r>
@@ -4837,300 +4812,52 @@
             </a:r>
           </a:p>
           <a:p>
-            <a:endParaRPr lang="en-US" sz="2800" u="sng" dirty="0"/>
-          </a:p>
-          <a:p>
-            <a:endParaRPr lang="en-US" sz="2800" u="sng" dirty="0"/>
-          </a:p>
-          <a:p>
-            <a:endParaRPr lang="en-US" sz="2800" u="sng" dirty="0"/>
-          </a:p>
-          <a:p>
-            <a:endParaRPr lang="en-US" sz="2800" u="sng" dirty="0"/>
-          </a:p>
-          <a:p>
-            <a:endParaRPr lang="en-US" sz="2800" u="sng" dirty="0"/>
-          </a:p>
-          <a:p>
-            <a:endParaRPr lang="en-US" sz="2800" u="sng" dirty="0"/>
-          </a:p>
-          <a:p>
-            <a:endParaRPr lang="en-US" sz="2800" u="sng" dirty="0"/>
-          </a:p>
-          <a:p>
-            <a:endParaRPr lang="en-US" sz="2800" u="sng" dirty="0"/>
-          </a:p>
-          <a:p>
-            <a:endParaRPr lang="en-US" sz="2800" u="sng" dirty="0"/>
-          </a:p>
-          <a:p>
-            <a:endParaRPr lang="en-US" sz="2400" dirty="0"/>
-          </a:p>
-          <a:p>
-            <a:endParaRPr lang="en-US" sz="2400" dirty="0"/>
-          </a:p>
-          <a:p>
-            <a:endParaRPr lang="en-US" sz="2400" dirty="0"/>
-          </a:p>
-          <a:p>
-            <a:endParaRPr lang="en-US" sz="2400" dirty="0"/>
-          </a:p>
-          <a:p>
-            <a:endParaRPr lang="en-US" sz="2400" dirty="0"/>
-          </a:p>
-          <a:p>
-            <a:r>
-              <a:rPr lang="en-US" sz="1400" dirty="0"/>
-              <a:t> </a:t>
-            </a:r>
-            <a:endParaRPr lang="en-US" sz="1200" dirty="0"/>
-          </a:p>
-          <a:p>
-            <a:endParaRPr lang="en-US" sz="1200" dirty="0"/>
-          </a:p>
-          <a:p>
-            <a:endParaRPr lang="en-US" sz="1200" dirty="0"/>
-          </a:p>
-          <a:p>
-            <a:endParaRPr lang="en-US" sz="1200" dirty="0"/>
-          </a:p>
-          <a:p>
-            <a:endParaRPr lang="en-US" sz="1400" dirty="0"/>
-          </a:p>
-        </p:txBody>
-      </p:sp>
-      <p:pic>
-        <p:nvPicPr>
-          <p:cNvPr id="31" name="Picture 2" descr="Image result for Ohio River Basin">
-            <a:extLst>
-              <a:ext uri="{FF2B5EF4-FFF2-40B4-BE49-F238E27FC236}">
-                <a16:creationId xmlns:a16="http://schemas.microsoft.com/office/drawing/2014/main" id="{5BA7F04F-3136-4D2A-B28D-74146F582E6C}"/>
-              </a:ext>
-            </a:extLst>
-          </p:cNvPr>
-          <p:cNvPicPr>
-            <a:picLocks noChangeAspect="1" noChangeArrowheads="1"/>
-          </p:cNvPicPr>
-          <p:nvPr/>
-        </p:nvPicPr>
-        <p:blipFill>
-          <a:blip r:embed="rId4">
-            <a:extLst>
-              <a:ext uri="{28A0092B-C50C-407E-A947-70E740481C1C}">
-                <a14:useLocalDpi xmlns:a14="http://schemas.microsoft.com/office/drawing/2010/main" val="0"/>
-              </a:ext>
-            </a:extLst>
-          </a:blip>
-          <a:srcRect/>
-          <a:stretch>
-            <a:fillRect/>
-          </a:stretch>
-        </p:blipFill>
-        <p:spPr bwMode="auto">
-          <a:xfrm>
-            <a:off x="16491275" y="5931678"/>
-            <a:ext cx="5382255" cy="3834661"/>
-          </a:xfrm>
-          <a:prstGeom prst="rect">
-            <a:avLst/>
-          </a:prstGeom>
-          <a:noFill/>
-          <a:ln>
-            <a:solidFill>
-              <a:schemeClr val="tx1"/>
-            </a:solidFill>
-          </a:ln>
-          <a:extLst>
-            <a:ext uri="{909E8E84-426E-40DD-AFC4-6F175D3DCCD1}">
-              <a14:hiddenFill xmlns:a14="http://schemas.microsoft.com/office/drawing/2010/main">
-                <a:solidFill>
-                  <a:srgbClr val="FFFFFF"/>
-                </a:solidFill>
-              </a14:hiddenFill>
-            </a:ext>
-          </a:extLst>
-        </p:spPr>
-      </p:pic>
-      <p:sp>
-        <p:nvSpPr>
-          <p:cNvPr id="1024" name="TextBox 1023">
-            <a:extLst>
-              <a:ext uri="{FF2B5EF4-FFF2-40B4-BE49-F238E27FC236}">
-                <a16:creationId xmlns:a16="http://schemas.microsoft.com/office/drawing/2014/main" id="{7F34BD9C-FE47-4028-B4E6-34325E6AF59E}"/>
-              </a:ext>
-            </a:extLst>
-          </p:cNvPr>
-          <p:cNvSpPr txBox="1"/>
-          <p:nvPr/>
-        </p:nvSpPr>
-        <p:spPr>
-          <a:xfrm>
-            <a:off x="11310929" y="6076533"/>
-            <a:ext cx="4957678" cy="4524315"/>
-          </a:xfrm>
-          <a:prstGeom prst="rect">
-            <a:avLst/>
-          </a:prstGeom>
-          <a:noFill/>
-        </p:spPr>
-        <p:txBody>
-          <a:bodyPr wrap="square" rtlCol="0">
-            <a:spAutoFit/>
-          </a:bodyPr>
-          <a:lstStyle/>
-          <a:p>
-            <a:pPr marL="285750" indent="-285750">
+            <a:pPr marL="457200" indent="-457200">
               <a:buFont typeface="Arial" panose="020B0604020202020204" pitchFamily="34" charset="0"/>
               <a:buChar char="•"/>
             </a:pPr>
             <a:r>
-              <a:rPr lang="en-US" sz="2400" dirty="0"/>
-              <a:t>The Ohio River Basin and upper Mississippi has a long history of large-scale regional flooding in 1882,1913,1937,1997 and most recently in 2011. </a:t>
-            </a:r>
-          </a:p>
-          <a:p>
-            <a:pPr marL="285750" indent="-285750">
+              <a:rPr lang="en-US" sz="2800" dirty="0"/>
+              <a:t>Convert the site annual maximum streamflow to exceedances based on a high value e.g. 90</a:t>
+            </a:r>
+            <a:r>
+              <a:rPr lang="en-US" sz="2800" baseline="30000" dirty="0"/>
+              <a:t>th</a:t>
+            </a:r>
+            <a:r>
+              <a:rPr lang="en-US" sz="2800" dirty="0"/>
+              <a:t> percentile.</a:t>
+            </a:r>
+          </a:p>
+          <a:p>
+            <a:pPr marL="457200" indent="-457200">
               <a:buFont typeface="Arial" panose="020B0604020202020204" pitchFamily="34" charset="0"/>
               <a:buChar char="•"/>
             </a:pPr>
-            <a:endParaRPr lang="en-US" sz="2400" dirty="0"/>
-          </a:p>
-          <a:p>
-            <a:pPr marL="285750" indent="-285750">
+            <a:r>
+              <a:rPr lang="en-US" sz="2800" dirty="0"/>
+              <a:t>Aggregate it across the sites, fit with a Poisson emission distribution.</a:t>
+            </a:r>
+          </a:p>
+          <a:p>
+            <a:pPr marL="457200" indent="-457200">
               <a:buFont typeface="Arial" panose="020B0604020202020204" pitchFamily="34" charset="0"/>
               <a:buChar char="•"/>
             </a:pPr>
             <a:r>
-              <a:rPr lang="en-US" sz="2400" dirty="0"/>
-              <a:t>Springtime extreme streamflow in the Ohio River Basin is driven by a unique, recurrent, persistent, and strong atmospheric anticyclonic circulation anomaly pattern. </a:t>
-            </a:r>
-          </a:p>
-          <a:p>
-            <a:pPr marL="285750" indent="-285750">
-              <a:buFont typeface="Arial" panose="020B0604020202020204" pitchFamily="34" charset="0"/>
-              <a:buChar char="•"/>
-            </a:pPr>
-            <a:endParaRPr lang="en-US" sz="2400" dirty="0"/>
-          </a:p>
-        </p:txBody>
-      </p:sp>
-      <p:sp>
-        <p:nvSpPr>
-          <p:cNvPr id="1025" name="TextBox 1024">
-            <a:extLst>
-              <a:ext uri="{FF2B5EF4-FFF2-40B4-BE49-F238E27FC236}">
-                <a16:creationId xmlns:a16="http://schemas.microsoft.com/office/drawing/2014/main" id="{CB2D26AE-1A48-42FE-9F8B-E69D0A5B7E0D}"/>
-              </a:ext>
-            </a:extLst>
-          </p:cNvPr>
-          <p:cNvSpPr txBox="1"/>
-          <p:nvPr/>
-        </p:nvSpPr>
-        <p:spPr>
-          <a:xfrm>
-            <a:off x="11293285" y="10157923"/>
-            <a:ext cx="10829867" cy="3970318"/>
-          </a:xfrm>
-          <a:prstGeom prst="rect">
-            <a:avLst/>
-          </a:prstGeom>
-          <a:noFill/>
-        </p:spPr>
-        <p:txBody>
-          <a:bodyPr wrap="square" rtlCol="0">
-            <a:spAutoFit/>
-          </a:bodyPr>
-          <a:lstStyle/>
-          <a:p>
-            <a:pPr marL="285750" indent="-285750">
-              <a:buFont typeface="Arial" panose="020B0604020202020204" pitchFamily="34" charset="0"/>
-              <a:buChar char="•"/>
-            </a:pPr>
-            <a:endParaRPr lang="en-US" sz="2400" dirty="0"/>
-          </a:p>
-          <a:p>
-            <a:pPr marL="285750" indent="-285750">
-              <a:buFont typeface="Arial" panose="020B0604020202020204" pitchFamily="34" charset="0"/>
-              <a:buChar char="•"/>
-            </a:pPr>
-            <a:r>
-              <a:rPr lang="en-US" sz="2400" dirty="0"/>
-              <a:t>There are clear associations between synoptic circulation types and historical extreme (“10 year”) flood events on the Ohio River Basin. These two circulation types were both found to be preferentially associated with La Niña, providing one causal mechanism for the recent flooding during April of 2011</a:t>
-            </a:r>
-          </a:p>
-          <a:p>
-            <a:endParaRPr lang="en-US" sz="2400" dirty="0"/>
-          </a:p>
-          <a:p>
-            <a:r>
-              <a:rPr lang="en-US" sz="1800" dirty="0"/>
-              <a:t>1. Nakamura, J., Lall, U., Kushnir, Y., Robertson, A. W., &amp; Seager, R. (2013). Dynamical structure of extreme floods in the US Midwest and the United Kingdom. </a:t>
-            </a:r>
-            <a:r>
-              <a:rPr lang="en-US" sz="1800" i="1" dirty="0"/>
-              <a:t>Journal of Hydrometeorology</a:t>
-            </a:r>
-            <a:r>
-              <a:rPr lang="en-US" sz="1800" dirty="0"/>
-              <a:t>, </a:t>
-            </a:r>
-            <a:r>
-              <a:rPr lang="en-US" sz="1800" i="1" dirty="0"/>
-              <a:t>14</a:t>
-            </a:r>
-            <a:r>
-              <a:rPr lang="en-US" sz="1800" dirty="0"/>
-              <a:t>(2), 485-504.</a:t>
-            </a:r>
-          </a:p>
-          <a:p>
-            <a:r>
-              <a:rPr lang="en-US" sz="1800" dirty="0"/>
-              <a:t>2. Farnham, D. J., Doss‐Gollin, J., &amp; Lall, U. (2018). Regional Extreme Precipitation Events: Robust Inference From Credibly Simulated GCM Variables. </a:t>
-            </a:r>
-            <a:r>
-              <a:rPr lang="en-US" sz="1800" i="1" dirty="0"/>
-              <a:t>Water Resources Research</a:t>
-            </a:r>
-            <a:r>
-              <a:rPr lang="en-US" sz="1800" dirty="0"/>
-              <a:t>, </a:t>
-            </a:r>
-            <a:r>
-              <a:rPr lang="en-US" sz="1800" i="1" dirty="0"/>
-              <a:t>54</a:t>
-            </a:r>
-            <a:r>
-              <a:rPr lang="en-US" sz="1800" dirty="0"/>
-              <a:t>(6), 3809-3824.</a:t>
-            </a:r>
-          </a:p>
-          <a:p>
-            <a:r>
-              <a:rPr lang="en-US" sz="1800" dirty="0">
-                <a:solidFill>
-                  <a:srgbClr val="222222"/>
-                </a:solidFill>
-              </a:rPr>
-              <a:t>3. Robertson, Andrew W., et al. "Weather and climatic drivers of extreme flooding events over the midwest of the United States." </a:t>
-            </a:r>
-            <a:r>
-              <a:rPr lang="en-US" sz="1800" i="1" dirty="0">
-                <a:solidFill>
-                  <a:srgbClr val="222222"/>
-                </a:solidFill>
-              </a:rPr>
-              <a:t>Extreme Events: Observations, Modeling, and Economics</a:t>
-            </a:r>
-            <a:r>
-              <a:rPr lang="en-US" sz="1800" dirty="0">
-                <a:solidFill>
-                  <a:srgbClr val="222222"/>
-                </a:solidFill>
-              </a:rPr>
-              <a:t> (2015): 113-124.</a:t>
-            </a:r>
-            <a:endParaRPr lang="en-US" sz="1800" dirty="0"/>
+              <a:rPr lang="en-US" sz="2800" dirty="0"/>
+              <a:t>Simulate additional runs based on the computed transition matrix and emission parameter rates. </a:t>
+            </a:r>
+            <a:endParaRPr lang="en-US" sz="1400" u="sng" dirty="0"/>
+          </a:p>
+          <a:p>
+            <a:endParaRPr lang="en-US" sz="1400" u="sng" dirty="0"/>
+          </a:p>
+          <a:p>
+            <a:endParaRPr lang="en-US" sz="1400" dirty="0"/>
+          </a:p>
+          <a:p>
+            <a:endParaRPr lang="en-US" sz="1400" dirty="0"/>
           </a:p>
         </p:txBody>
       </p:sp>
@@ -5203,8 +4930,6 @@
               <a:rPr lang="en-US" sz="4800" dirty="0"/>
               <a:t>Conclusions</a:t>
             </a:r>
-          </a:p>
-          <a:p>
             <a:endParaRPr lang="en-US" sz="2400" dirty="0"/>
           </a:p>
           <a:p>
@@ -5214,7 +4939,7 @@
             </a:pPr>
             <a:r>
               <a:rPr lang="en-US" sz="2400" dirty="0"/>
-              <a:t>The ORB shows significant clustering in the regional streamflow regime with ramifications in the understanding of the local climatology and for the design of critical infrastructure in the region.</a:t>
+              <a:t>We have presented a general methodology for streamflow risk management accounting for low-frequency variations and spatio-temporal clustering on a river basin scale. The Ohio River Basin shows significant clustering in the regional streamflow regime with ramifications in the understanding of the local climatology and for the design of critical infrastructure in the region.</a:t>
             </a:r>
           </a:p>
           <a:p>
@@ -5231,7 +4956,7 @@
             </a:pPr>
             <a:r>
               <a:rPr lang="en-US" sz="2400" dirty="0"/>
-              <a:t>There is presence of fat tail in the aggregated spatial domain across the ORB, which is captured and well simulated by a Poisson emission based Hidden Markov Model(HMM).</a:t>
+              <a:t>The Hidden Markov Models help capture the nature of truly extreme events over large scales. The fat tails in the aggregated spatial domain across the ORB is captured and well simulated by a Poisson emission based Hidden Markov Model.</a:t>
             </a:r>
           </a:p>
           <a:p>
@@ -5244,7 +4969,7 @@
             </a:pPr>
             <a:r>
               <a:rPr lang="en-US" sz="2400" dirty="0"/>
-              <a:t>Large scale climate drivers potentially induce space and time clustering in the occurrence of flooding in this region, even without an anthropogenic climate change, with significant regional impact on losses and supply chains.</a:t>
+              <a:t>Large scale climate drivers potentially induce space and time clustering in the occurrence of flooding in this region, even without anthropogenic climate change, with significant regional impact on losses and supply chains.</a:t>
             </a:r>
           </a:p>
         </p:txBody>
@@ -5258,7 +4983,7 @@
           <p:nvPr/>
         </p:nvPicPr>
         <p:blipFill>
-          <a:blip r:embed="rId5">
+          <a:blip r:embed="rId4">
             <a:extLst>
               <a:ext uri="{28A0092B-C50C-407E-A947-70E740481C1C}">
                 <a14:useLocalDpi xmlns:a14="http://schemas.microsoft.com/office/drawing/2010/main" val="0"/>
@@ -5272,7 +4997,7 @@
         </p:blipFill>
         <p:spPr bwMode="auto">
           <a:xfrm>
-            <a:off x="4795800" y="10657474"/>
+            <a:off x="4795798" y="11151674"/>
             <a:ext cx="5754579" cy="5072321"/>
           </a:xfrm>
           <a:prstGeom prst="rect">
@@ -5309,7 +5034,7 @@
         </p:nvSpPr>
         <p:spPr>
           <a:xfrm>
-            <a:off x="767334" y="10984256"/>
+            <a:off x="716118" y="11021244"/>
             <a:ext cx="3696904" cy="4893647"/>
           </a:xfrm>
           <a:prstGeom prst="rect">
@@ -5329,7 +5054,7 @@
             </a:pPr>
             <a:r>
               <a:rPr lang="en-US" sz="2400" dirty="0"/>
-              <a:t>This forecast has turned out true with record breaking floods across the Mid-west, surpassing the last great floods of 1993. This has been the wettest 12 months in the history of United States since 1895</a:t>
+              <a:t>Record breaking floods across the Mid-west in 2019, surpassing the last great floods of 1993 seem to reflect a similar pattern. This has been the wettest 12 months in the history of United States since 1895</a:t>
             </a:r>
             <a:r>
               <a:rPr lang="en-US" sz="2400" baseline="30000" dirty="0"/>
@@ -5351,10 +5076,10 @@
       </p:sp>
       <p:sp>
         <p:nvSpPr>
-          <p:cNvPr id="7" name="TextBox 6">
-            <a:extLst>
-              <a:ext uri="{FF2B5EF4-FFF2-40B4-BE49-F238E27FC236}">
-                <a16:creationId xmlns:a16="http://schemas.microsoft.com/office/drawing/2014/main" id="{BF54AB21-C70F-4669-9FDE-9266293119F5}"/>
+          <p:cNvPr id="13" name="TextBox 12">
+            <a:extLst>
+              <a:ext uri="{FF2B5EF4-FFF2-40B4-BE49-F238E27FC236}">
+                <a16:creationId xmlns:a16="http://schemas.microsoft.com/office/drawing/2014/main" id="{2314B357-962C-47BC-950E-22EA890181B5}"/>
               </a:ext>
             </a:extLst>
           </p:cNvPr>
@@ -5363,43 +5088,7 @@
         </p:nvSpPr>
         <p:spPr>
           <a:xfrm>
-            <a:off x="16347353" y="9784222"/>
-            <a:ext cx="5382255" cy="646331"/>
-          </a:xfrm>
-          <a:prstGeom prst="rect">
-            <a:avLst/>
-          </a:prstGeom>
-          <a:noFill/>
-        </p:spPr>
-        <p:txBody>
-          <a:bodyPr wrap="square" rtlCol="0">
-            <a:spAutoFit/>
-          </a:bodyPr>
-          <a:lstStyle/>
-          <a:p>
-            <a:pPr algn="ctr"/>
-            <a:r>
-              <a:rPr lang="en-US" sz="1800" dirty="0"/>
-              <a:t>Figure 3: Ohio River Basin. Credit – Ohio Valley Water Sanitation Commission</a:t>
-            </a:r>
-          </a:p>
-        </p:txBody>
-      </p:sp>
-      <p:sp>
-        <p:nvSpPr>
-          <p:cNvPr id="13" name="TextBox 12">
-            <a:extLst>
-              <a:ext uri="{FF2B5EF4-FFF2-40B4-BE49-F238E27FC236}">
-                <a16:creationId xmlns:a16="http://schemas.microsoft.com/office/drawing/2014/main" id="{2314B357-962C-47BC-950E-22EA890181B5}"/>
-              </a:ext>
-            </a:extLst>
-          </p:cNvPr>
-          <p:cNvSpPr txBox="1"/>
-          <p:nvPr/>
-        </p:nvSpPr>
-        <p:spPr>
-          <a:xfrm>
-            <a:off x="4652347" y="15725311"/>
+            <a:off x="4507985" y="16204244"/>
             <a:ext cx="5938685" cy="369332"/>
           </a:xfrm>
           <a:prstGeom prst="rect">
@@ -5416,7 +5105,7 @@
             <a:pPr algn="ctr"/>
             <a:r>
               <a:rPr lang="en-US" sz="1800" dirty="0"/>
-              <a:t>Figure 1:- NOAA 2019 Spring Flood Outlook(Source: noaa.gov)</a:t>
+              <a:t>(Source: noaa.gov)</a:t>
             </a:r>
             <a:endParaRPr lang="en-US" sz="1800" baseline="30000" dirty="0"/>
           </a:p>
@@ -5437,7 +5126,7 @@
         <p:spPr>
           <a:xfrm>
             <a:off x="23050714" y="12914677"/>
-            <a:ext cx="19697485" cy="830997"/>
+            <a:ext cx="19697485" cy="1200329"/>
           </a:xfrm>
           <a:prstGeom prst="rect">
             <a:avLst/>
@@ -5450,79 +5139,14 @@
           </a:bodyPr>
           <a:lstStyle/>
           <a:p>
+            <a:pPr algn="ctr"/>
             <a:r>
               <a:rPr lang="en-US" sz="2400" dirty="0"/>
-              <a:t>Figure 5 :- Wavelet Analysis on the Principal Component of the spatial cluster. TOP-LEFT –PC with a loess line. TOP-RIGHT – Global Wavelet Spectrum of the PC. BOTTOM-LEFT – Power Spectrum of the Wavelet.  BOTTOM-RIGHT – Absolute values of the loadings(eigenvectors) color code Red to Blue.</a:t>
-            </a:r>
-          </a:p>
-        </p:txBody>
-      </p:sp>
-      <p:sp>
-        <p:nvSpPr>
-          <p:cNvPr id="58" name="TextBox 57">
-            <a:extLst>
-              <a:ext uri="{FF2B5EF4-FFF2-40B4-BE49-F238E27FC236}">
-                <a16:creationId xmlns:a16="http://schemas.microsoft.com/office/drawing/2014/main" id="{820DD30D-F51E-40E9-A715-C739439A84A8}"/>
-              </a:ext>
-            </a:extLst>
-          </p:cNvPr>
-          <p:cNvSpPr txBox="1"/>
-          <p:nvPr/>
-        </p:nvSpPr>
-        <p:spPr>
-          <a:xfrm>
-            <a:off x="5158428" y="24177748"/>
-            <a:ext cx="5244495" cy="461665"/>
-          </a:xfrm>
-          <a:prstGeom prst="rect">
-            <a:avLst/>
-          </a:prstGeom>
-          <a:noFill/>
-        </p:spPr>
-        <p:txBody>
-          <a:bodyPr wrap="square" rtlCol="0">
-            <a:spAutoFit/>
-          </a:bodyPr>
-          <a:lstStyle/>
-          <a:p>
-            <a:pPr algn="ctr"/>
-            <a:r>
-              <a:rPr lang="en-US" sz="2400" dirty="0"/>
-              <a:t>Figure 2:- Stream Gauges utilized. </a:t>
-            </a:r>
-          </a:p>
-        </p:txBody>
-      </p:sp>
-      <p:pic>
-        <p:nvPicPr>
-          <p:cNvPr id="11" name="Picture 10">
-            <a:extLst>
-              <a:ext uri="{FF2B5EF4-FFF2-40B4-BE49-F238E27FC236}">
-                <a16:creationId xmlns:a16="http://schemas.microsoft.com/office/drawing/2014/main" id="{3C17E94F-4D22-4209-A875-50EF89B42DB3}"/>
-              </a:ext>
-            </a:extLst>
-          </p:cNvPr>
-          <p:cNvPicPr>
-            <a:picLocks noChangeAspect="1"/>
-          </p:cNvPicPr>
-          <p:nvPr/>
-        </p:nvPicPr>
-        <p:blipFill>
-          <a:blip r:embed="rId6"/>
-          <a:stretch>
-            <a:fillRect/>
-          </a:stretch>
-        </p:blipFill>
-        <p:spPr>
-          <a:xfrm>
-            <a:off x="5346537" y="20449641"/>
-            <a:ext cx="5244495" cy="3665196"/>
-          </a:xfrm>
-          <a:prstGeom prst="rect">
-            <a:avLst/>
-          </a:prstGeom>
-        </p:spPr>
-      </p:pic>
+              <a:t>Figure 3 :- Wavelet Analysis on the Principal Components (a) PC-1 (b)PC-2. TOP-LEFT –PC with a loess line. TOP-RIGHT – Global Wavelet Spectrum of the PC. BOTTOM-LEFT – Power Spectrum of the Wavelet (Regions bounded in the black line are statistically significant at the 90% level).  BOTTOM-RIGHT – Absolute values of the loadings(eigenvectors) color code Red to Blue.</a:t>
+            </a:r>
+          </a:p>
+        </p:txBody>
+      </p:sp>
       <p:graphicFrame>
         <p:nvGraphicFramePr>
           <p:cNvPr id="43" name="Table 4">
@@ -5819,7 +5443,7 @@
           <p:nvPr>
             <p:extLst>
               <p:ext uri="{D42A27DB-BD31-4B8C-83A1-F6EECF244321}">
-                <p14:modId xmlns:p14="http://schemas.microsoft.com/office/powerpoint/2010/main" val="2631631415"/>
+                <p14:modId xmlns:p14="http://schemas.microsoft.com/office/powerpoint/2010/main" val="1830010191"/>
               </p:ext>
             </p:extLst>
           </p:nvPr>
@@ -5986,7 +5610,7 @@
                         <a:rPr lang="en-US" sz="3200" b="0" dirty="0">
                           <a:latin typeface="Agency FB" panose="020B0503020202020204" pitchFamily="34" charset="0"/>
                         </a:rPr>
-                        <a:t>0.359</a:t>
+                        <a:t>0.36</a:t>
                       </a:r>
                       <a:endParaRPr lang="en-US" sz="3200" b="0" dirty="0">
                         <a:solidFill>
@@ -6010,7 +5634,7 @@
                           </a:solidFill>
                           <a:latin typeface="Agency FB" panose="020B0503020202020204" pitchFamily="34" charset="0"/>
                         </a:rPr>
-                        <a:t>0.474</a:t>
+                        <a:t>0.47</a:t>
                       </a:r>
                     </a:p>
                   </a:txBody>
@@ -6025,7 +5649,7 @@
                         <a:rPr lang="en-US" sz="3200" b="0" dirty="0">
                           <a:latin typeface="Agency FB" panose="020B0503020202020204" pitchFamily="34" charset="0"/>
                         </a:rPr>
-                        <a:t>0.167</a:t>
+                        <a:t>0.17</a:t>
                       </a:r>
                       <a:endParaRPr lang="en-US" sz="3200" b="0" dirty="0">
                         <a:solidFill>
@@ -6074,7 +5698,7 @@
                         <a:rPr lang="en-US" sz="3200" b="0" dirty="0">
                           <a:latin typeface="Agency FB" panose="020B0503020202020204" pitchFamily="34" charset="0"/>
                         </a:rPr>
-                        <a:t>0.456</a:t>
+                        <a:t>0.46</a:t>
                       </a:r>
                       <a:endParaRPr lang="en-US" sz="3200" b="0" dirty="0">
                         <a:solidFill>
@@ -6095,7 +5719,7 @@
                         <a:rPr lang="en-US" sz="3200" b="0" dirty="0">
                           <a:latin typeface="Agency FB" panose="020B0503020202020204" pitchFamily="34" charset="0"/>
                         </a:rPr>
-                        <a:t>0.544</a:t>
+                        <a:t>0.54</a:t>
                       </a:r>
                       <a:endParaRPr lang="en-US" sz="3200" b="0" dirty="0">
                         <a:solidFill>
@@ -6113,10 +5737,10 @@
                     <a:lstStyle/>
                     <a:p>
                       <a:r>
-                        <a:rPr lang="en-US" sz="3200" b="1" u="sng" dirty="0">
+                        <a:rPr lang="en-US" sz="3200" b="1" u="sng">
                           <a:latin typeface="Agency FB" panose="020B0503020202020204" pitchFamily="34" charset="0"/>
                         </a:rPr>
-                        <a:t>0.</a:t>
+                        <a:t>0</a:t>
                       </a:r>
                       <a:endParaRPr lang="en-US" sz="3200" b="1" u="sng" dirty="0">
                         <a:solidFill>
@@ -6165,7 +5789,7 @@
                         <a:rPr lang="en-US" sz="3200" b="0" dirty="0">
                           <a:latin typeface="Agency FB" panose="020B0503020202020204" pitchFamily="34" charset="0"/>
                         </a:rPr>
-                        <a:t>0.316</a:t>
+                        <a:t>0.32</a:t>
                       </a:r>
                       <a:endParaRPr lang="en-US" sz="3200" b="0" dirty="0">
                         <a:solidFill>
@@ -6186,7 +5810,7 @@
                         <a:rPr lang="en-US" sz="3200" b="0" dirty="0">
                           <a:latin typeface="Agency FB" panose="020B0503020202020204" pitchFamily="34" charset="0"/>
                         </a:rPr>
-                        <a:t>0.684</a:t>
+                        <a:t>0.68</a:t>
                       </a:r>
                       <a:endParaRPr lang="en-US" sz="3200" b="0" dirty="0">
                         <a:solidFill>
@@ -6317,8 +5941,8 @@
         </p:nvSpPr>
         <p:spPr>
           <a:xfrm>
-            <a:off x="11609771" y="25462139"/>
-            <a:ext cx="10386853" cy="471937"/>
+            <a:off x="11486677" y="20850029"/>
+            <a:ext cx="10386853" cy="523220"/>
           </a:xfrm>
           <a:prstGeom prst="rect">
             <a:avLst/>
@@ -6333,8 +5957,8 @@
           <a:p>
             <a:pPr algn="ctr"/>
             <a:r>
-              <a:rPr lang="en-US" sz="2400" dirty="0"/>
-              <a:t>Figure 4: Schematic of overall methodology.</a:t>
+              <a:rPr lang="en-US" sz="2800" dirty="0"/>
+              <a:t>Figure 2: Schematic of overall methodology.</a:t>
             </a:r>
           </a:p>
         </p:txBody>
@@ -6353,8 +5977,8 @@
         </p:nvSpPr>
         <p:spPr>
           <a:xfrm>
-            <a:off x="734107" y="707340"/>
-            <a:ext cx="4161904" cy="1938992"/>
+            <a:off x="856833" y="1822078"/>
+            <a:ext cx="7112378" cy="1938992"/>
           </a:xfrm>
           <a:prstGeom prst="rect">
             <a:avLst/>
@@ -6369,47 +5993,11 @@
           <a:p>
             <a:r>
               <a:rPr lang="en-US" sz="6000" dirty="0"/>
-              <a:t>Abstract ID: 620477</a:t>
-            </a:r>
-          </a:p>
-        </p:txBody>
-      </p:sp>
-      <p:pic>
-        <p:nvPicPr>
-          <p:cNvPr id="46" name="Picture 45" descr="A picture containing drawing, food&#10;&#10;Description automatically generated">
-            <a:extLst>
-              <a:ext uri="{FF2B5EF4-FFF2-40B4-BE49-F238E27FC236}">
-                <a16:creationId xmlns:a16="http://schemas.microsoft.com/office/drawing/2014/main" id="{BBE20D5C-E936-4867-A76C-BF7777F43FBB}"/>
-              </a:ext>
-            </a:extLst>
-          </p:cNvPr>
-          <p:cNvPicPr>
-            <a:picLocks noChangeAspect="1"/>
-          </p:cNvPicPr>
-          <p:nvPr/>
-        </p:nvPicPr>
-        <p:blipFill>
-          <a:blip r:embed="rId7">
-            <a:extLst>
-              <a:ext uri="{28A0092B-C50C-407E-A947-70E740481C1C}">
-                <a14:useLocalDpi xmlns:a14="http://schemas.microsoft.com/office/drawing/2010/main" val="0"/>
-              </a:ext>
-            </a:extLst>
-          </a:blip>
-          <a:stretch>
-            <a:fillRect/>
-          </a:stretch>
-        </p:blipFill>
-        <p:spPr>
-          <a:xfrm>
-            <a:off x="34893815" y="2332794"/>
-            <a:ext cx="7854384" cy="1306187"/>
-          </a:xfrm>
-          <a:prstGeom prst="rect">
-            <a:avLst/>
-          </a:prstGeom>
-        </p:spPr>
-      </p:pic>
+              <a:t>Abstract Number: H13T-2050</a:t>
+            </a:r>
+          </a:p>
+        </p:txBody>
+      </p:sp>
       <p:sp>
         <p:nvSpPr>
           <p:cNvPr id="60" name="TextBox 59">
@@ -6445,20 +6033,20 @@
           <a:p>
             <a:r>
               <a:rPr lang="en-US" sz="4800" dirty="0"/>
-              <a:t>Acknowledgements</a:t>
+              <a:t>Acknowledgements/Contact Information</a:t>
             </a:r>
           </a:p>
           <a:p>
             <a:r>
               <a:rPr lang="en-US" sz="2400" dirty="0"/>
-              <a:t>The authors would like to thank the researchers at the Columbia Water Center for their suggestions and comments.</a:t>
-            </a:r>
-          </a:p>
-          <a:p>
-            <a:pPr marL="342900" indent="-342900">
-              <a:buFont typeface="Arial" panose="020B0604020202020204" pitchFamily="34" charset="0"/>
-              <a:buChar char="•"/>
-            </a:pPr>
+              <a:t>The authors thank the researchers at the Columbia Water Center for their suggestions and comments.</a:t>
+            </a:r>
+          </a:p>
+          <a:p>
+            <a:r>
+              <a:rPr lang="en-US" sz="2400"/>
+              <a:t>Correspondence – yva2000@columbia.edu</a:t>
+            </a:r>
             <a:endParaRPr lang="en-US" sz="2400" dirty="0"/>
           </a:p>
         </p:txBody>
@@ -6494,7 +6082,7 @@
             <a:pPr algn="ctr"/>
             <a:r>
               <a:rPr lang="en-US" sz="2400" dirty="0"/>
-              <a:t>Figure 6: Wavelet Coherence between PC-1 and North Atlantic Oscillation</a:t>
+              <a:t>Figure 4: Wavelet Coherence between PC-1 and North Atlantic Oscillation</a:t>
             </a:r>
           </a:p>
         </p:txBody>
@@ -6513,8 +6101,8 @@
         </p:nvSpPr>
         <p:spPr>
           <a:xfrm>
-            <a:off x="38393700" y="19721666"/>
-            <a:ext cx="4346903" cy="830997"/>
+            <a:off x="38336768" y="19721666"/>
+            <a:ext cx="4403835" cy="830997"/>
           </a:xfrm>
           <a:prstGeom prst="rect">
             <a:avLst/>
@@ -6530,7 +6118,7 @@
             <a:pPr algn="ctr"/>
             <a:r>
               <a:rPr lang="en-US" sz="2400" dirty="0"/>
-              <a:t>Figure 7: Correlation between PC-1 and climate indices. </a:t>
+              <a:t>Table 1: Correlation between PC-1 and climate indices. </a:t>
             </a:r>
           </a:p>
         </p:txBody>
@@ -6550,7 +6138,7 @@
         <p:spPr>
           <a:xfrm>
             <a:off x="23043118" y="28623350"/>
-            <a:ext cx="9418082" cy="830997"/>
+            <a:ext cx="9418082" cy="461665"/>
           </a:xfrm>
           <a:prstGeom prst="rect">
             <a:avLst/>
@@ -6566,7 +6154,7 @@
             <a:pPr algn="ctr"/>
             <a:r>
               <a:rPr lang="en-US" sz="2400" dirty="0"/>
-              <a:t>Fig 8:- Count Threshold Exceedances across ORB along with labelled hidden states. </a:t>
+              <a:t>Fig 5:- Count Threshold Exceedances with the hidden states. </a:t>
             </a:r>
           </a:p>
         </p:txBody>
@@ -6602,7 +6190,7 @@
             <a:pPr algn="ctr"/>
             <a:r>
               <a:rPr lang="en-US" sz="2400" dirty="0"/>
-              <a:t>Fig 9:- Simulation Skill for (a)- Mean, Standard Deviation and Maximum replication skill. (b) PDF (c) Wavelet Coherence between exceedances and NAO (d)  Transition Matrix</a:t>
+              <a:t>Fig 6:- Simulation Skill for (a)- Mean, Standard Deviation and Maximum replication skill. (b) PDF (c) Wavelet Coherence between exceedances and NAO (d)  Transition Matrix</a:t>
             </a:r>
           </a:p>
         </p:txBody>
@@ -6621,8 +6209,8 @@
         </p:nvSpPr>
         <p:spPr>
           <a:xfrm>
-            <a:off x="30027762" y="14655587"/>
-            <a:ext cx="7848306" cy="4524315"/>
+            <a:off x="29928623" y="14210280"/>
+            <a:ext cx="7848306" cy="6124754"/>
           </a:xfrm>
           <a:prstGeom prst="rect">
             <a:avLst/>
@@ -6635,73 +6223,53 @@
           </a:bodyPr>
           <a:lstStyle/>
           <a:p>
-            <a:pPr marL="342900" indent="-342900">
-              <a:buFont typeface="Arial" panose="020B0604020202020204" pitchFamily="34" charset="0"/>
-              <a:buChar char="•"/>
-            </a:pPr>
-            <a:r>
-              <a:rPr lang="en-US" sz="2400" dirty="0"/>
-              <a:t>The PC-Wavelet approach shown above looks at spatial features followed by its temporal signature. Inverting the order of investigation leads to similar results. (Plots not shown), pointing to a robust methodology. </a:t>
-            </a:r>
-          </a:p>
-          <a:p>
-            <a:pPr marL="342900" indent="-342900">
-              <a:buFont typeface="Arial" panose="020B0604020202020204" pitchFamily="34" charset="0"/>
-              <a:buChar char="•"/>
-            </a:pPr>
-            <a:endParaRPr lang="en-US" sz="2400" dirty="0"/>
-          </a:p>
-          <a:p>
-            <a:pPr marL="342900" indent="-342900">
-              <a:buFont typeface="Arial" panose="020B0604020202020204" pitchFamily="34" charset="0"/>
-              <a:buChar char="•"/>
-            </a:pPr>
-            <a:r>
-              <a:rPr lang="en-US" sz="2400" dirty="0"/>
-              <a:t>The dominant mode of variability is based in the western region of ORB, accounting for ~40% of total variance and has a characteristic 7-yr low frequency cycle.</a:t>
-            </a:r>
-          </a:p>
-          <a:p>
-            <a:pPr marL="342900" indent="-342900">
-              <a:buFont typeface="Arial" panose="020B0604020202020204" pitchFamily="34" charset="0"/>
-              <a:buChar char="•"/>
-            </a:pPr>
-            <a:endParaRPr lang="en-US" sz="2400" dirty="0"/>
-          </a:p>
-          <a:p>
-            <a:pPr marL="342900" indent="-342900">
-              <a:buFont typeface="Arial" panose="020B0604020202020204" pitchFamily="34" charset="0"/>
-              <a:buChar char="•"/>
-            </a:pPr>
-            <a:r>
-              <a:rPr lang="en-US" sz="2400" dirty="0"/>
-              <a:t>Unlike the 1</a:t>
-            </a:r>
-            <a:r>
-              <a:rPr lang="en-US" sz="2400" baseline="30000" dirty="0"/>
+            <a:r>
+              <a:rPr lang="en-US" sz="2800" dirty="0"/>
+              <a:t>The spatial pattern of the 1</a:t>
+            </a:r>
+            <a:r>
+              <a:rPr lang="en-US" sz="2800" baseline="30000" dirty="0"/>
               <a:t>st</a:t>
             </a:r>
             <a:r>
-              <a:rPr lang="en-US" sz="2400" dirty="0"/>
-              <a:t> PC, the 2</a:t>
-            </a:r>
-            <a:r>
-              <a:rPr lang="en-US" sz="2400" baseline="30000" dirty="0"/>
+              <a:rPr lang="en-US" sz="2800" dirty="0"/>
+              <a:t> PC is based in the western region of Ohio River Basin, accounting for ~40% of total variance and has a characteristic 7-yr low frequency cycle.</a:t>
+            </a:r>
+          </a:p>
+          <a:p>
+            <a:endParaRPr lang="en-US" sz="2800" dirty="0"/>
+          </a:p>
+          <a:p>
+            <a:r>
+              <a:rPr lang="en-US" sz="2800" dirty="0"/>
+              <a:t>PC-1 is significantly correlated with NAO and the interaction between [ENSO-PDO], pointing to presence of teleconnections in the region. The relationship between NAO and PC-1 was strong in the earlier decades.</a:t>
+            </a:r>
+          </a:p>
+          <a:p>
+            <a:endParaRPr lang="en-US" sz="2800" dirty="0"/>
+          </a:p>
+          <a:p>
+            <a:r>
+              <a:rPr lang="en-US" sz="2800" dirty="0"/>
+              <a:t>The 2</a:t>
+            </a:r>
+            <a:r>
+              <a:rPr lang="en-US" sz="2800" baseline="30000" dirty="0"/>
               <a:t>nd</a:t>
             </a:r>
             <a:r>
-              <a:rPr lang="en-US" sz="2400" dirty="0"/>
-              <a:t> PC is based in the eastern part of ORB and explains about 17% of the variance and has a secular trend.  </a:t>
+              <a:rPr lang="en-US" sz="2800" dirty="0"/>
+              <a:t> PC is based in the eastern part of Ohio River Basin, explains about 17% of the variance and has a secular trend.  </a:t>
             </a:r>
           </a:p>
         </p:txBody>
       </p:sp>
       <p:pic>
         <p:nvPicPr>
-          <p:cNvPr id="63" name="Picture 62" descr="A picture containing text, map&#10;&#10;Description automatically generated">
-            <a:extLst>
-              <a:ext uri="{FF2B5EF4-FFF2-40B4-BE49-F238E27FC236}">
-                <a16:creationId xmlns:a16="http://schemas.microsoft.com/office/drawing/2014/main" id="{4D93B0D8-1D5C-42A6-AFB2-1C0458AA2810}"/>
+          <p:cNvPr id="9" name="Picture 8" descr="A close up of a logo&#10;&#10;Description automatically generated">
+            <a:extLst>
+              <a:ext uri="{FF2B5EF4-FFF2-40B4-BE49-F238E27FC236}">
+                <a16:creationId xmlns:a16="http://schemas.microsoft.com/office/drawing/2014/main" id="{20B7EE55-8BE4-4306-A19C-76F0C918A8F8}"/>
               </a:ext>
             </a:extLst>
           </p:cNvPr>
@@ -6711,7 +6279,7 @@
           <p:nvPr/>
         </p:nvPicPr>
         <p:blipFill>
-          <a:blip r:embed="rId8">
+          <a:blip r:embed="rId5">
             <a:extLst>
               <a:ext uri="{28A0092B-C50C-407E-A947-70E740481C1C}">
                 <a14:useLocalDpi xmlns:a14="http://schemas.microsoft.com/office/drawing/2010/main" val="0"/>
@@ -6724,20 +6292,152 @@
         </p:blipFill>
         <p:spPr>
           <a:xfrm>
-            <a:off x="23127584" y="6076532"/>
-            <a:ext cx="9410485" cy="6568427"/>
+            <a:off x="35415516" y="1957244"/>
+            <a:ext cx="7112379" cy="1926269"/>
           </a:xfrm>
           <a:prstGeom prst="rect">
             <a:avLst/>
           </a:prstGeom>
         </p:spPr>
       </p:pic>
+      <mc:AlternateContent xmlns:mc="http://schemas.openxmlformats.org/markup-compatibility/2006" xmlns:a14="http://schemas.microsoft.com/office/drawing/2010/main">
+        <mc:Choice Requires="a14">
+          <p:sp>
+            <p:nvSpPr>
+              <p:cNvPr id="2" name="TextBox 1">
+                <a:extLst>
+                  <a:ext uri="{FF2B5EF4-FFF2-40B4-BE49-F238E27FC236}">
+                    <a16:creationId xmlns:a16="http://schemas.microsoft.com/office/drawing/2014/main" id="{54E7600A-E642-4FEF-960A-CD1EC84620CE}"/>
+                  </a:ext>
+                </a:extLst>
+              </p:cNvPr>
+              <p:cNvSpPr txBox="1"/>
+              <p:nvPr/>
+            </p:nvSpPr>
+            <p:spPr>
+              <a:xfrm>
+                <a:off x="23441649" y="31128133"/>
+                <a:ext cx="1636295" cy="707886"/>
+              </a:xfrm>
+              <a:prstGeom prst="rect">
+                <a:avLst/>
+              </a:prstGeom>
+              <a:noFill/>
+            </p:spPr>
+            <p:txBody>
+              <a:bodyPr wrap="square" rtlCol="0">
+                <a:spAutoFit/>
+              </a:bodyPr>
+              <a:lstStyle/>
+              <a:p>
+                <a14:m>
+                  <m:oMath xmlns:m="http://schemas.openxmlformats.org/officeDocument/2006/math">
+                    <m:r>
+                      <a:rPr lang="en-US" sz="4000" i="1" smtClean="0">
+                        <a:latin typeface="Cambria Math" panose="02040503050406030204" pitchFamily="18" charset="0"/>
+                      </a:rPr>
+                      <m:t>𝜆</m:t>
+                    </m:r>
+                  </m:oMath>
+                </a14:m>
+                <a:r>
+                  <a:rPr lang="en-US" sz="4000" dirty="0"/>
+                  <a:t> = </a:t>
+                </a:r>
+              </a:p>
+            </p:txBody>
+          </p:sp>
+        </mc:Choice>
+        <mc:Fallback xmlns="">
+          <p:sp>
+            <p:nvSpPr>
+              <p:cNvPr id="2" name="TextBox 1">
+                <a:extLst>
+                  <a:ext uri="{FF2B5EF4-FFF2-40B4-BE49-F238E27FC236}">
+                    <a16:creationId xmlns:a16="http://schemas.microsoft.com/office/drawing/2014/main" id="{54E7600A-E642-4FEF-960A-CD1EC84620CE}"/>
+                  </a:ext>
+                </a:extLst>
+              </p:cNvPr>
+              <p:cNvSpPr txBox="1">
+                <a:spLocks noRot="1" noChangeAspect="1" noMove="1" noResize="1" noEditPoints="1" noAdjustHandles="1" noChangeArrowheads="1" noChangeShapeType="1" noTextEdit="1"/>
+              </p:cNvSpPr>
+              <p:nvPr/>
+            </p:nvSpPr>
+            <p:spPr>
+              <a:xfrm>
+                <a:off x="23441649" y="31128133"/>
+                <a:ext cx="1636295" cy="707886"/>
+              </a:xfrm>
+              <a:prstGeom prst="rect">
+                <a:avLst/>
+              </a:prstGeom>
+              <a:blipFill>
+                <a:blip r:embed="rId14"/>
+                <a:stretch>
+                  <a:fillRect t="-15517" b="-36207"/>
+                </a:stretch>
+              </a:blipFill>
+            </p:spPr>
+            <p:txBody>
+              <a:bodyPr/>
+              <a:lstStyle/>
+              <a:p>
+                <a:r>
+                  <a:rPr lang="en-US">
+                    <a:noFill/>
+                  </a:rPr>
+                  <a:t> </a:t>
+                </a:r>
+              </a:p>
+            </p:txBody>
+          </p:sp>
+        </mc:Fallback>
+      </mc:AlternateContent>
+      <p:sp>
+        <p:nvSpPr>
+          <p:cNvPr id="6" name="TextBox 5">
+            <a:extLst>
+              <a:ext uri="{FF2B5EF4-FFF2-40B4-BE49-F238E27FC236}">
+                <a16:creationId xmlns:a16="http://schemas.microsoft.com/office/drawing/2014/main" id="{D2E14DBA-289C-4795-98DF-CD9E3175D8CE}"/>
+              </a:ext>
+            </a:extLst>
+          </p:cNvPr>
+          <p:cNvSpPr txBox="1"/>
+          <p:nvPr/>
+        </p:nvSpPr>
+        <p:spPr>
+          <a:xfrm>
+            <a:off x="4811008" y="10709760"/>
+            <a:ext cx="5568063" cy="830997"/>
+          </a:xfrm>
+          <a:prstGeom prst="rect">
+            <a:avLst/>
+          </a:prstGeom>
+          <a:noFill/>
+        </p:spPr>
+        <p:txBody>
+          <a:bodyPr wrap="none" rtlCol="0">
+            <a:spAutoFit/>
+          </a:bodyPr>
+          <a:lstStyle/>
+          <a:p>
+            <a:r>
+              <a:rPr lang="en-US" sz="2400" dirty="0"/>
+              <a:t>Figure 1:- NOAA 2019 Spring Flood Outlook</a:t>
+            </a:r>
+            <a:endParaRPr lang="en-US" sz="2400" u="sng" dirty="0"/>
+          </a:p>
+          <a:p>
+            <a:endParaRPr lang="en-US" sz="2400" dirty="0"/>
+          </a:p>
+        </p:txBody>
+      </p:sp>
       <p:pic>
         <p:nvPicPr>
-          <p:cNvPr id="1031" name="Picture 1030" descr="A close up of a map&#10;&#10;Description automatically generated">
-            <a:extLst>
-              <a:ext uri="{FF2B5EF4-FFF2-40B4-BE49-F238E27FC236}">
-                <a16:creationId xmlns:a16="http://schemas.microsoft.com/office/drawing/2014/main" id="{11E36F61-2651-44DB-8C48-3E76532BC9F7}"/>
+          <p:cNvPr id="14" name="Picture 13" descr="A screenshot of a person&#10;&#10;Description automatically generated">
+            <a:extLst>
+              <a:ext uri="{FF2B5EF4-FFF2-40B4-BE49-F238E27FC236}">
+                <a16:creationId xmlns:a16="http://schemas.microsoft.com/office/drawing/2014/main" id="{3A1DB89C-BDAF-4DDF-80AE-7FACE4346B7A}"/>
               </a:ext>
             </a:extLst>
           </p:cNvPr>
@@ -6747,7 +6447,7 @@
           <p:nvPr/>
         </p:nvPicPr>
         <p:blipFill>
-          <a:blip r:embed="rId9">
+          <a:blip r:embed="rId15">
             <a:extLst>
               <a:ext uri="{28A0092B-C50C-407E-A947-70E740481C1C}">
                 <a14:useLocalDpi xmlns:a14="http://schemas.microsoft.com/office/drawing/2010/main" val="0"/>
@@ -6760,20 +6460,25 @@
         </p:blipFill>
         <p:spPr>
           <a:xfrm>
-            <a:off x="33117410" y="6076531"/>
-            <a:ext cx="9410485" cy="6568427"/>
+            <a:off x="23272300" y="21009437"/>
+            <a:ext cx="9121051" cy="7577490"/>
           </a:xfrm>
           <a:prstGeom prst="rect">
             <a:avLst/>
           </a:prstGeom>
+          <a:ln>
+            <a:solidFill>
+              <a:schemeClr val="accent1"/>
+            </a:solidFill>
+          </a:ln>
         </p:spPr>
       </p:pic>
       <p:pic>
         <p:nvPicPr>
-          <p:cNvPr id="1033" name="Picture 1032" descr="A picture containing electronics, computer&#10;&#10;Description automatically generated">
-            <a:extLst>
-              <a:ext uri="{FF2B5EF4-FFF2-40B4-BE49-F238E27FC236}">
-                <a16:creationId xmlns:a16="http://schemas.microsoft.com/office/drawing/2014/main" id="{A37C13AF-A752-40C1-98C0-DFFFDD2EB3D6}"/>
+          <p:cNvPr id="17" name="Picture 16" descr="A screenshot of a cell phone&#10;&#10;Description automatically generated">
+            <a:extLst>
+              <a:ext uri="{FF2B5EF4-FFF2-40B4-BE49-F238E27FC236}">
+                <a16:creationId xmlns:a16="http://schemas.microsoft.com/office/drawing/2014/main" id="{D6E44F6F-5144-4553-B863-557D7699B3EB}"/>
               </a:ext>
             </a:extLst>
           </p:cNvPr>
@@ -6783,7 +6488,7 @@
           <p:nvPr/>
         </p:nvPicPr>
         <p:blipFill>
-          <a:blip r:embed="rId10">
+          <a:blip r:embed="rId16">
             <a:extLst>
               <a:ext uri="{28A0092B-C50C-407E-A947-70E740481C1C}">
                 <a14:useLocalDpi xmlns:a14="http://schemas.microsoft.com/office/drawing/2010/main" val="0"/>
@@ -6796,20 +6501,25 @@
         </p:blipFill>
         <p:spPr>
           <a:xfrm>
-            <a:off x="23094326" y="14326487"/>
-            <a:ext cx="6318070" cy="5370567"/>
+            <a:off x="33295724" y="20822760"/>
+            <a:ext cx="4526927" cy="3790006"/>
           </a:xfrm>
           <a:prstGeom prst="rect">
             <a:avLst/>
           </a:prstGeom>
+          <a:ln>
+            <a:solidFill>
+              <a:schemeClr val="tx1"/>
+            </a:solidFill>
+          </a:ln>
         </p:spPr>
       </p:pic>
       <p:pic>
         <p:nvPicPr>
-          <p:cNvPr id="1037" name="Picture 1036" descr="A picture containing screenshot, different, computer, street&#10;&#10;Description automatically generated">
-            <a:extLst>
-              <a:ext uri="{FF2B5EF4-FFF2-40B4-BE49-F238E27FC236}">
-                <a16:creationId xmlns:a16="http://schemas.microsoft.com/office/drawing/2014/main" id="{C1342723-0811-42DE-B402-25774DA707E8}"/>
+          <p:cNvPr id="19" name="Picture 18" descr="A picture containing clock&#10;&#10;Description automatically generated">
+            <a:extLst>
+              <a:ext uri="{FF2B5EF4-FFF2-40B4-BE49-F238E27FC236}">
+                <a16:creationId xmlns:a16="http://schemas.microsoft.com/office/drawing/2014/main" id="{1724E866-FA58-4453-A4BD-9A8684F2FAB8}"/>
               </a:ext>
             </a:extLst>
           </p:cNvPr>
@@ -6819,7 +6529,7 @@
           <p:nvPr/>
         </p:nvPicPr>
         <p:blipFill>
-          <a:blip r:embed="rId11">
+          <a:blip r:embed="rId17">
             <a:extLst>
               <a:ext uri="{28A0092B-C50C-407E-A947-70E740481C1C}">
                 <a14:useLocalDpi xmlns:a14="http://schemas.microsoft.com/office/drawing/2010/main" val="0"/>
@@ -6832,20 +6542,25 @@
         </p:blipFill>
         <p:spPr>
           <a:xfrm>
-            <a:off x="23094326" y="20850668"/>
-            <a:ext cx="9154309" cy="7577490"/>
+            <a:off x="38213675" y="20819419"/>
+            <a:ext cx="4481235" cy="3790005"/>
           </a:xfrm>
           <a:prstGeom prst="rect">
             <a:avLst/>
           </a:prstGeom>
+          <a:ln>
+            <a:solidFill>
+              <a:schemeClr val="tx1"/>
+            </a:solidFill>
+          </a:ln>
         </p:spPr>
       </p:pic>
       <p:pic>
         <p:nvPicPr>
-          <p:cNvPr id="1039" name="Picture 1038" descr="A close up of a map&#10;&#10;Description automatically generated">
-            <a:extLst>
-              <a:ext uri="{FF2B5EF4-FFF2-40B4-BE49-F238E27FC236}">
-                <a16:creationId xmlns:a16="http://schemas.microsoft.com/office/drawing/2014/main" id="{B3825C52-3B70-4F7A-B3C1-2F08B4EC71B9}"/>
+          <p:cNvPr id="23" name="Picture 22" descr="A picture containing screenshot&#10;&#10;Description automatically generated">
+            <a:extLst>
+              <a:ext uri="{FF2B5EF4-FFF2-40B4-BE49-F238E27FC236}">
+                <a16:creationId xmlns:a16="http://schemas.microsoft.com/office/drawing/2014/main" id="{A990C940-EA4C-457A-A9D2-8C758E165EC5}"/>
               </a:ext>
             </a:extLst>
           </p:cNvPr>
@@ -6855,7 +6570,7 @@
           <p:nvPr/>
         </p:nvPicPr>
         <p:blipFill>
-          <a:blip r:embed="rId12">
+          <a:blip r:embed="rId18">
             <a:extLst>
               <a:ext uri="{28A0092B-C50C-407E-A947-70E740481C1C}">
                 <a14:useLocalDpi xmlns:a14="http://schemas.microsoft.com/office/drawing/2010/main" val="0"/>
@@ -6868,20 +6583,25 @@
         </p:blipFill>
         <p:spPr>
           <a:xfrm>
-            <a:off x="33319453" y="20878295"/>
-            <a:ext cx="4526927" cy="3751172"/>
+            <a:off x="33295724" y="24896097"/>
+            <a:ext cx="4526927" cy="3727253"/>
           </a:xfrm>
           <a:prstGeom prst="rect">
             <a:avLst/>
           </a:prstGeom>
+          <a:ln>
+            <a:solidFill>
+              <a:schemeClr val="tx1"/>
+            </a:solidFill>
+          </a:ln>
         </p:spPr>
       </p:pic>
       <p:pic>
         <p:nvPicPr>
-          <p:cNvPr id="1041" name="Picture 1040" descr="A screenshot of a cell phone&#10;&#10;Description automatically generated">
-            <a:extLst>
-              <a:ext uri="{FF2B5EF4-FFF2-40B4-BE49-F238E27FC236}">
-                <a16:creationId xmlns:a16="http://schemas.microsoft.com/office/drawing/2014/main" id="{EBF9DBAF-6E5E-4B18-AB97-4B63C69AE6A9}"/>
+          <p:cNvPr id="30" name="Picture 29" descr="A picture containing device&#10;&#10;Description automatically generated">
+            <a:extLst>
+              <a:ext uri="{FF2B5EF4-FFF2-40B4-BE49-F238E27FC236}">
+                <a16:creationId xmlns:a16="http://schemas.microsoft.com/office/drawing/2014/main" id="{D27022BB-554D-4D7D-97E6-A3E1E47E374C}"/>
               </a:ext>
             </a:extLst>
           </p:cNvPr>
@@ -6891,7 +6611,7 @@
           <p:nvPr/>
         </p:nvPicPr>
         <p:blipFill>
-          <a:blip r:embed="rId13">
+          <a:blip r:embed="rId19">
             <a:extLst>
               <a:ext uri="{28A0092B-C50C-407E-A947-70E740481C1C}">
                 <a14:useLocalDpi xmlns:a14="http://schemas.microsoft.com/office/drawing/2010/main" val="0"/>
@@ -6904,20 +6624,25 @@
         </p:blipFill>
         <p:spPr>
           <a:xfrm>
-            <a:off x="38213675" y="20850668"/>
-            <a:ext cx="4526927" cy="3790006"/>
+            <a:off x="23123926" y="14434041"/>
+            <a:ext cx="6318069" cy="5370567"/>
           </a:xfrm>
           <a:prstGeom prst="rect">
             <a:avLst/>
           </a:prstGeom>
+          <a:ln>
+            <a:solidFill>
+              <a:schemeClr val="tx1"/>
+            </a:solidFill>
+          </a:ln>
         </p:spPr>
       </p:pic>
       <p:pic>
         <p:nvPicPr>
-          <p:cNvPr id="1043" name="Picture 1042" descr="A picture containing screenshot&#10;&#10;Description automatically generated">
-            <a:extLst>
-              <a:ext uri="{FF2B5EF4-FFF2-40B4-BE49-F238E27FC236}">
-                <a16:creationId xmlns:a16="http://schemas.microsoft.com/office/drawing/2014/main" id="{79CB53C1-9866-4842-BA17-47992E797CAC}"/>
+          <p:cNvPr id="32" name="Picture 31" descr="A close up of a map&#10;&#10;Description automatically generated">
+            <a:extLst>
+              <a:ext uri="{FF2B5EF4-FFF2-40B4-BE49-F238E27FC236}">
+                <a16:creationId xmlns:a16="http://schemas.microsoft.com/office/drawing/2014/main" id="{A4756B2E-3A19-4D25-8E3B-EAD389EE8FD0}"/>
               </a:ext>
             </a:extLst>
           </p:cNvPr>
@@ -6927,7 +6652,7 @@
           <p:nvPr/>
         </p:nvPicPr>
         <p:blipFill>
-          <a:blip r:embed="rId14">
+          <a:blip r:embed="rId20">
             <a:extLst>
               <a:ext uri="{28A0092B-C50C-407E-A947-70E740481C1C}">
                 <a14:useLocalDpi xmlns:a14="http://schemas.microsoft.com/office/drawing/2010/main" val="0"/>
@@ -6940,20 +6665,25 @@
         </p:blipFill>
         <p:spPr>
           <a:xfrm>
-            <a:off x="33295724" y="24876182"/>
-            <a:ext cx="4526928" cy="3747170"/>
+            <a:off x="23043118" y="6071282"/>
+            <a:ext cx="9410485" cy="6568427"/>
           </a:xfrm>
           <a:prstGeom prst="rect">
             <a:avLst/>
           </a:prstGeom>
+          <a:ln>
+            <a:solidFill>
+              <a:schemeClr val="tx1"/>
+            </a:solidFill>
+          </a:ln>
         </p:spPr>
       </p:pic>
       <p:pic>
         <p:nvPicPr>
-          <p:cNvPr id="1048" name="Picture 1047" descr="A close up of a piece of paper&#10;&#10;Description automatically generated">
-            <a:extLst>
-              <a:ext uri="{FF2B5EF4-FFF2-40B4-BE49-F238E27FC236}">
-                <a16:creationId xmlns:a16="http://schemas.microsoft.com/office/drawing/2014/main" id="{8141EA9B-20C0-4CDB-9FA6-8DB327D5D57C}"/>
+          <p:cNvPr id="34" name="Picture 33" descr="A picture containing text, map&#10;&#10;Description automatically generated">
+            <a:extLst>
+              <a:ext uri="{FF2B5EF4-FFF2-40B4-BE49-F238E27FC236}">
+                <a16:creationId xmlns:a16="http://schemas.microsoft.com/office/drawing/2014/main" id="{0E311DB0-BFDB-4823-8ACF-BDA59D803F22}"/>
               </a:ext>
             </a:extLst>
           </p:cNvPr>
@@ -6963,7 +6693,7 @@
           <p:nvPr/>
         </p:nvPicPr>
         <p:blipFill>
-          <a:blip r:embed="rId15">
+          <a:blip r:embed="rId21">
             <a:extLst>
               <a:ext uri="{28A0092B-C50C-407E-A947-70E740481C1C}">
                 <a14:useLocalDpi xmlns:a14="http://schemas.microsoft.com/office/drawing/2010/main" val="0"/>
@@ -6976,12 +6706,58 @@
         </p:blipFill>
         <p:spPr>
           <a:xfrm>
-            <a:off x="11412039" y="19538259"/>
-            <a:ext cx="10531342" cy="5923880"/>
+            <a:off x="33117410" y="6071281"/>
+            <a:ext cx="9410485" cy="6568427"/>
           </a:xfrm>
           <a:prstGeom prst="rect">
             <a:avLst/>
           </a:prstGeom>
+          <a:ln>
+            <a:solidFill>
+              <a:schemeClr val="tx1"/>
+            </a:solidFill>
+          </a:ln>
+        </p:spPr>
+      </p:pic>
+      <p:pic>
+        <p:nvPicPr>
+          <p:cNvPr id="36" name="Picture 35" descr="A screenshot of a cell phone&#10;&#10;Description automatically generated">
+            <a:extLst>
+              <a:ext uri="{FF2B5EF4-FFF2-40B4-BE49-F238E27FC236}">
+                <a16:creationId xmlns:a16="http://schemas.microsoft.com/office/drawing/2014/main" id="{8CFCD6BF-A46F-4FF3-A797-21352B709864}"/>
+              </a:ext>
+            </a:extLst>
+          </p:cNvPr>
+          <p:cNvPicPr>
+            <a:picLocks noChangeAspect="1"/>
+          </p:cNvPicPr>
+          <p:nvPr/>
+        </p:nvPicPr>
+        <p:blipFill>
+          <a:blip r:embed="rId22">
+            <a:extLst>
+              <a:ext uri="{28A0092B-C50C-407E-A947-70E740481C1C}">
+                <a14:useLocalDpi xmlns:a14="http://schemas.microsoft.com/office/drawing/2010/main" val="0"/>
+              </a:ext>
+            </a:extLst>
+          </a:blip>
+          <a:stretch>
+            <a:fillRect/>
+          </a:stretch>
+        </p:blipFill>
+        <p:spPr>
+          <a:xfrm>
+            <a:off x="11412039" y="12283743"/>
+            <a:ext cx="10398740" cy="8535676"/>
+          </a:xfrm>
+          <a:prstGeom prst="rect">
+            <a:avLst/>
+          </a:prstGeom>
+          <a:ln>
+            <a:solidFill>
+              <a:schemeClr val="tx1"/>
+            </a:solidFill>
+          </a:ln>
         </p:spPr>
       </p:pic>
     </p:spTree>

--- a/Poster and Presentations/AGU_2019.pptx
+++ b/Poster and Presentations/AGU_2019.pptx
@@ -3796,10 +3796,15 @@
           </a:prstGeom>
           <a:solidFill>
             <a:schemeClr val="accent5">
-              <a:lumMod val="60000"/>
-              <a:lumOff val="40000"/>
+              <a:lumMod val="20000"/>
+              <a:lumOff val="80000"/>
             </a:schemeClr>
           </a:solidFill>
+          <a:ln>
+            <a:solidFill>
+              <a:schemeClr val="accent1"/>
+            </a:solidFill>
+          </a:ln>
         </p:spPr>
         <p:txBody>
           <a:bodyPr wrap="square" rtlCol="0">
@@ -3855,8 +3860,8 @@
           </a:prstGeom>
           <a:solidFill>
             <a:schemeClr val="accent5">
-              <a:lumMod val="60000"/>
-              <a:lumOff val="40000"/>
+              <a:lumMod val="20000"/>
+              <a:lumOff val="80000"/>
             </a:schemeClr>
           </a:solidFill>
         </p:spPr>
@@ -4027,7 +4032,7 @@
           <a:p>
             <a:r>
               <a:rPr lang="en-US" sz="2800" dirty="0"/>
-              <a:t>Research Questions:- </a:t>
+              <a:t>Research Questions </a:t>
             </a:r>
           </a:p>
           <a:p>
@@ -4113,15 +4118,15 @@
         <p:spPr>
           <a:xfrm>
             <a:off x="647369" y="21520976"/>
-            <a:ext cx="10111034" cy="4339650"/>
+            <a:ext cx="10111034" cy="4216539"/>
           </a:xfrm>
           <a:prstGeom prst="rect">
             <a:avLst/>
           </a:prstGeom>
           <a:solidFill>
             <a:schemeClr val="accent5">
-              <a:lumMod val="60000"/>
-              <a:lumOff val="40000"/>
+              <a:lumMod val="20000"/>
+              <a:lumOff val="80000"/>
             </a:schemeClr>
           </a:solidFill>
         </p:spPr>
@@ -4182,7 +4187,7 @@
               <a:buAutoNum type="arabicPeriod"/>
             </a:pPr>
             <a:r>
-              <a:rPr kumimoji="0" lang="en-US" altLang="en-US" sz="1600" b="0" i="0" u="none" strike="noStrike" cap="none" normalizeH="0" baseline="0" dirty="0">
+              <a:rPr kumimoji="0" lang="en-US" altLang="en-US" sz="1800" b="0" i="0" u="none" strike="noStrike" cap="none" normalizeH="0" baseline="0" dirty="0">
                 <a:ln>
                   <a:noFill/>
                 </a:ln>
@@ -4190,22 +4195,18 @@
                   <a:srgbClr val="000000"/>
                 </a:solidFill>
                 <a:effectLst/>
-                <a:latin typeface="Lucida Console" panose="020B0609040504020204" pitchFamily="49" charset="0"/>
               </a:rPr>
-              <a:t>Hirsch, R.M., and De Cicco, L.A., 2015, User guide to Exploration and Graphics for RivEr Trends (EGRET) and dataRetrieval: R packages for hydrologic data (version 2.0, February 2015): U.S. Geological Survey Techniques and Methods book 4, chap. A10, 93 p., </a:t>
-            </a:r>
-            <a:r>
-              <a:rPr lang="en-US" altLang="en-US" sz="1600" dirty="0">
+              <a:t>Hirsch, R.M., and De Cicco, L.A., 2015, User guide to Exploration and Graphics for River Trends (EGRET) and dataRetrieval: R packages for hydrologic data (version 2.0, February 2015): U.S. Geological Survey Techniques and Methods book 4, chap. A10, 93 p., </a:t>
+            </a:r>
+            <a:r>
+              <a:rPr lang="en-US" altLang="en-US" sz="1800" dirty="0">
                 <a:solidFill>
                   <a:srgbClr val="000000"/>
                 </a:solidFill>
-                <a:latin typeface="Lucida Console" panose="020B0609040504020204" pitchFamily="49" charset="0"/>
               </a:rPr>
               <a:t>http://dx.doi.org/10.3133/tm4A10</a:t>
             </a:r>
-            <a:endParaRPr lang="en-US" altLang="en-US" sz="1600" dirty="0">
-              <a:latin typeface="Arial" panose="020B0604020202020204" pitchFamily="34" charset="0"/>
-            </a:endParaRPr>
+            <a:endParaRPr lang="en-US" altLang="en-US" sz="1800" dirty="0"/>
           </a:p>
           <a:p>
             <a:pPr marL="342900" indent="-342900">
@@ -4213,16 +4214,15 @@
               <a:buAutoNum type="arabicPeriod"/>
             </a:pPr>
             <a:r>
-              <a:rPr lang="en-US" altLang="en-US" sz="1600" dirty="0">
+              <a:rPr lang="en-US" altLang="en-US" sz="1800" dirty="0">
                 <a:solidFill>
                   <a:srgbClr val="000000"/>
                 </a:solidFill>
-                <a:latin typeface="Lucida Console" panose="020B0609040504020204" pitchFamily="49" charset="0"/>
               </a:rPr>
               <a:t>KNMI Climate Explorer - </a:t>
             </a:r>
             <a:r>
-              <a:rPr lang="en-US" sz="1600" u="sng" dirty="0"/>
+              <a:rPr lang="en-US" sz="1800" u="sng" dirty="0"/>
               <a:t>https://climexp.knmi.nl/</a:t>
             </a:r>
           </a:p>
@@ -4329,8 +4329,8 @@
           </a:prstGeom>
           <a:solidFill>
             <a:schemeClr val="accent5">
-              <a:lumMod val="60000"/>
-              <a:lumOff val="40000"/>
+              <a:lumMod val="20000"/>
+              <a:lumOff val="80000"/>
             </a:schemeClr>
           </a:solidFill>
         </p:spPr>
@@ -4623,8 +4623,8 @@
           </a:prstGeom>
           <a:solidFill>
             <a:schemeClr val="accent5">
-              <a:lumMod val="60000"/>
-              <a:lumOff val="40000"/>
+              <a:lumMod val="20000"/>
+              <a:lumOff val="80000"/>
             </a:schemeClr>
           </a:solidFill>
         </p:spPr>
@@ -4640,9 +4640,6 @@
             </a:r>
           </a:p>
           <a:p>
-            <a:endParaRPr lang="en-US" sz="1600" dirty="0"/>
-          </a:p>
-          <a:p>
             <a:r>
               <a:rPr lang="en-US" sz="2800" u="sng" dirty="0"/>
               <a:t>Streamflow</a:t>
@@ -4667,6 +4664,13 @@
               <a:rPr lang="en-US" sz="2400" dirty="0"/>
               <a:t>Streamflow gauges were selected which had a drainage area greater than 1450 sq. Miles.  </a:t>
             </a:r>
+          </a:p>
+          <a:p>
+            <a:pPr marL="457200" indent="-457200">
+              <a:buFont typeface="Arial" panose="020B0604020202020204" pitchFamily="34" charset="0"/>
+              <a:buChar char="•"/>
+            </a:pPr>
+            <a:endParaRPr lang="en-US" sz="2400" dirty="0"/>
           </a:p>
           <a:p>
             <a:pPr marL="457200" indent="-457200">
@@ -4915,8 +4919,8 @@
           </a:prstGeom>
           <a:solidFill>
             <a:schemeClr val="accent5">
-              <a:lumMod val="60000"/>
-              <a:lumOff val="40000"/>
+              <a:lumMod val="20000"/>
+              <a:lumOff val="80000"/>
             </a:schemeClr>
           </a:solidFill>
         </p:spPr>
@@ -4956,7 +4960,7 @@
             </a:pPr>
             <a:r>
               <a:rPr lang="en-US" sz="2400" dirty="0"/>
-              <a:t>The Hidden Markov Models help capture the nature of truly extreme events over large scales. The fat tails in the aggregated spatial domain across the ORB is captured and well simulated by a Poisson emission based Hidden Markov Model.</a:t>
+              <a:t>The Hidden Markov Models help capture the nature of truly extreme events over large scales. The fat tails in the aggregated spatial domain across the Ohio River Basin is captured and well simulated by a Poisson emission based Hidden Markov Model.</a:t>
             </a:r>
           </a:p>
           <a:p>
@@ -5162,7 +5166,7 @@
           <p:nvPr>
             <p:extLst>
               <p:ext uri="{D42A27DB-BD31-4B8C-83A1-F6EECF244321}">
-                <p14:modId xmlns:p14="http://schemas.microsoft.com/office/powerpoint/2010/main" val="396679129"/>
+                <p14:modId xmlns:p14="http://schemas.microsoft.com/office/powerpoint/2010/main" val="686051772"/>
               </p:ext>
             </p:extLst>
           </p:nvPr>
@@ -5233,7 +5237,7 @@
                     <a:lstStyle/>
                     <a:p>
                       <a:r>
-                        <a:rPr lang="en-US" sz="2400" dirty="0"/>
+                        <a:rPr lang="en-US" sz="2800" b="1" dirty="0"/>
                         <a:t>ENSO</a:t>
                       </a:r>
                     </a:p>
@@ -5246,7 +5250,7 @@
                     <a:lstStyle/>
                     <a:p>
                       <a:r>
-                        <a:rPr lang="en-US" sz="2400" dirty="0"/>
+                        <a:rPr lang="en-US" sz="2800" b="1" dirty="0"/>
                         <a:t>0.21</a:t>
                       </a:r>
                     </a:p>
@@ -5266,7 +5270,7 @@
                     <a:lstStyle/>
                     <a:p>
                       <a:r>
-                        <a:rPr lang="en-US" sz="2400" dirty="0"/>
+                        <a:rPr lang="en-US" sz="2800" b="1" dirty="0"/>
                         <a:t>NAO</a:t>
                       </a:r>
                     </a:p>
@@ -5279,7 +5283,7 @@
                     <a:lstStyle/>
                     <a:p>
                       <a:r>
-                        <a:rPr lang="en-US" sz="2400" dirty="0"/>
+                        <a:rPr lang="en-US" sz="2800" b="1" dirty="0"/>
                         <a:t>-0.31***</a:t>
                       </a:r>
                     </a:p>
@@ -5299,7 +5303,7 @@
                     <a:lstStyle/>
                     <a:p>
                       <a:r>
-                        <a:rPr lang="en-US" sz="2400" dirty="0"/>
+                        <a:rPr lang="en-US" sz="2800" b="1" dirty="0"/>
                         <a:t>PDO</a:t>
                       </a:r>
                     </a:p>
@@ -5312,7 +5316,7 @@
                     <a:lstStyle/>
                     <a:p>
                       <a:r>
-                        <a:rPr lang="en-US" sz="2400" dirty="0"/>
+                        <a:rPr lang="en-US" sz="2800" b="1" dirty="0"/>
                         <a:t>0.16</a:t>
                       </a:r>
                     </a:p>
@@ -5332,7 +5336,7 @@
                     <a:lstStyle/>
                     <a:p>
                       <a:r>
-                        <a:rPr lang="en-US" sz="2400" dirty="0"/>
+                        <a:rPr lang="en-US" sz="2800" b="1" dirty="0"/>
                         <a:t>ENSO-NAO</a:t>
                       </a:r>
                     </a:p>
@@ -5345,7 +5349,7 @@
                     <a:lstStyle/>
                     <a:p>
                       <a:r>
-                        <a:rPr lang="en-US" sz="2400" dirty="0"/>
+                        <a:rPr lang="en-US" sz="2800" b="1" dirty="0"/>
                         <a:t>0.01</a:t>
                       </a:r>
                     </a:p>
@@ -5365,7 +5369,7 @@
                     <a:lstStyle/>
                     <a:p>
                       <a:r>
-                        <a:rPr lang="en-US" sz="2400" dirty="0"/>
+                        <a:rPr lang="en-US" sz="2800" b="1" dirty="0"/>
                         <a:t>ENSO-PDO</a:t>
                       </a:r>
                     </a:p>
@@ -5378,7 +5382,7 @@
                     <a:lstStyle/>
                     <a:p>
                       <a:r>
-                        <a:rPr lang="en-US" sz="2400" dirty="0"/>
+                        <a:rPr lang="en-US" sz="2800" b="1" dirty="0"/>
                         <a:t>0.27**</a:t>
                       </a:r>
                     </a:p>
@@ -5398,7 +5402,7 @@
                     <a:lstStyle/>
                     <a:p>
                       <a:r>
-                        <a:rPr lang="en-US" sz="2400" dirty="0"/>
+                        <a:rPr lang="en-US" sz="2800" b="1" dirty="0"/>
                         <a:t>NAO-PDO</a:t>
                       </a:r>
                     </a:p>
@@ -5411,7 +5415,7 @@
                     <a:lstStyle/>
                     <a:p>
                       <a:r>
-                        <a:rPr lang="en-US" sz="2400" dirty="0"/>
+                        <a:rPr lang="en-US" sz="2800" b="1" dirty="0"/>
                         <a:t>0.01</a:t>
                       </a:r>
                     </a:p>
@@ -6020,8 +6024,8 @@
           </a:prstGeom>
           <a:solidFill>
             <a:schemeClr val="accent5">
-              <a:lumMod val="60000"/>
-              <a:lumOff val="40000"/>
+              <a:lumMod val="20000"/>
+              <a:lumOff val="80000"/>
             </a:schemeClr>
           </a:solidFill>
         </p:spPr>
@@ -6190,7 +6194,21 @@
             <a:pPr algn="ctr"/>
             <a:r>
               <a:rPr lang="en-US" sz="2400" dirty="0"/>
-              <a:t>Fig 6:- Simulation Skill for (a)- Mean, Standard Deviation and Maximum replication skill. (b) PDF (c) Wavelet Coherence between exceedances and NAO (d)  Transition Matrix</a:t>
+              <a:t>Fig 6:- (a)Simulation Skill for Mean, Std Deviation and Max (b) PDF </a:t>
+            </a:r>
+          </a:p>
+          <a:p>
+            <a:pPr algn="ctr"/>
+            <a:r>
+              <a:rPr lang="en-US" sz="2400" dirty="0"/>
+              <a:t>(c) Wavelet Coherence between exceedances and NAO </a:t>
+            </a:r>
+          </a:p>
+          <a:p>
+            <a:pPr algn="ctr"/>
+            <a:r>
+              <a:rPr lang="en-US" sz="2400" dirty="0"/>
+              <a:t>(d)  Transition Matrix</a:t>
             </a:r>
           </a:p>
         </p:txBody>
@@ -6259,7 +6277,7 @@
             </a:r>
             <a:r>
               <a:rPr lang="en-US" sz="2800" dirty="0"/>
-              <a:t> PC is based in the eastern part of Ohio River Basin, explains about 17% of the variance and has a secular trend.  </a:t>
+              <a:t> PC based in the eastern part of Ohio River Basin, explains about 17% of the total variance and has a secular trend.  </a:t>
             </a:r>
           </a:p>
         </p:txBody>
@@ -6460,8 +6478,8 @@
         </p:blipFill>
         <p:spPr>
           <a:xfrm>
-            <a:off x="23272300" y="21009437"/>
-            <a:ext cx="9121051" cy="7577490"/>
+            <a:off x="23272300" y="20799640"/>
+            <a:ext cx="9121051" cy="7787287"/>
           </a:xfrm>
           <a:prstGeom prst="rect">
             <a:avLst/>
@@ -6639,10 +6657,10 @@
       </p:pic>
       <p:pic>
         <p:nvPicPr>
-          <p:cNvPr id="32" name="Picture 31" descr="A close up of a map&#10;&#10;Description automatically generated">
-            <a:extLst>
-              <a:ext uri="{FF2B5EF4-FFF2-40B4-BE49-F238E27FC236}">
-                <a16:creationId xmlns:a16="http://schemas.microsoft.com/office/drawing/2014/main" id="{A4756B2E-3A19-4D25-8E3B-EAD389EE8FD0}"/>
+          <p:cNvPr id="36" name="Picture 35" descr="A screenshot of a cell phone&#10;&#10;Description automatically generated">
+            <a:extLst>
+              <a:ext uri="{FF2B5EF4-FFF2-40B4-BE49-F238E27FC236}">
+                <a16:creationId xmlns:a16="http://schemas.microsoft.com/office/drawing/2014/main" id="{8CFCD6BF-A46F-4FF3-A797-21352B709864}"/>
               </a:ext>
             </a:extLst>
           </p:cNvPr>
@@ -6653,88 +6671,6 @@
         </p:nvPicPr>
         <p:blipFill>
           <a:blip r:embed="rId20">
-            <a:extLst>
-              <a:ext uri="{28A0092B-C50C-407E-A947-70E740481C1C}">
-                <a14:useLocalDpi xmlns:a14="http://schemas.microsoft.com/office/drawing/2010/main" val="0"/>
-              </a:ext>
-            </a:extLst>
-          </a:blip>
-          <a:stretch>
-            <a:fillRect/>
-          </a:stretch>
-        </p:blipFill>
-        <p:spPr>
-          <a:xfrm>
-            <a:off x="23043118" y="6071282"/>
-            <a:ext cx="9410485" cy="6568427"/>
-          </a:xfrm>
-          <a:prstGeom prst="rect">
-            <a:avLst/>
-          </a:prstGeom>
-          <a:ln>
-            <a:solidFill>
-              <a:schemeClr val="tx1"/>
-            </a:solidFill>
-          </a:ln>
-        </p:spPr>
-      </p:pic>
-      <p:pic>
-        <p:nvPicPr>
-          <p:cNvPr id="34" name="Picture 33" descr="A picture containing text, map&#10;&#10;Description automatically generated">
-            <a:extLst>
-              <a:ext uri="{FF2B5EF4-FFF2-40B4-BE49-F238E27FC236}">
-                <a16:creationId xmlns:a16="http://schemas.microsoft.com/office/drawing/2014/main" id="{0E311DB0-BFDB-4823-8ACF-BDA59D803F22}"/>
-              </a:ext>
-            </a:extLst>
-          </p:cNvPr>
-          <p:cNvPicPr>
-            <a:picLocks noChangeAspect="1"/>
-          </p:cNvPicPr>
-          <p:nvPr/>
-        </p:nvPicPr>
-        <p:blipFill>
-          <a:blip r:embed="rId21">
-            <a:extLst>
-              <a:ext uri="{28A0092B-C50C-407E-A947-70E740481C1C}">
-                <a14:useLocalDpi xmlns:a14="http://schemas.microsoft.com/office/drawing/2010/main" val="0"/>
-              </a:ext>
-            </a:extLst>
-          </a:blip>
-          <a:stretch>
-            <a:fillRect/>
-          </a:stretch>
-        </p:blipFill>
-        <p:spPr>
-          <a:xfrm>
-            <a:off x="33117410" y="6071281"/>
-            <a:ext cx="9410485" cy="6568427"/>
-          </a:xfrm>
-          <a:prstGeom prst="rect">
-            <a:avLst/>
-          </a:prstGeom>
-          <a:ln>
-            <a:solidFill>
-              <a:schemeClr val="tx1"/>
-            </a:solidFill>
-          </a:ln>
-        </p:spPr>
-      </p:pic>
-      <p:pic>
-        <p:nvPicPr>
-          <p:cNvPr id="36" name="Picture 35" descr="A screenshot of a cell phone&#10;&#10;Description automatically generated">
-            <a:extLst>
-              <a:ext uri="{FF2B5EF4-FFF2-40B4-BE49-F238E27FC236}">
-                <a16:creationId xmlns:a16="http://schemas.microsoft.com/office/drawing/2014/main" id="{8CFCD6BF-A46F-4FF3-A797-21352B709864}"/>
-              </a:ext>
-            </a:extLst>
-          </p:cNvPr>
-          <p:cNvPicPr>
-            <a:picLocks noChangeAspect="1"/>
-          </p:cNvPicPr>
-          <p:nvPr/>
-        </p:nvPicPr>
-        <p:blipFill>
-          <a:blip r:embed="rId22">
             <a:extLst>
               <a:ext uri="{28A0092B-C50C-407E-A947-70E740481C1C}">
                 <a14:useLocalDpi xmlns:a14="http://schemas.microsoft.com/office/drawing/2010/main" val="0"/>
@@ -6756,6 +6692,88 @@
           <a:ln>
             <a:solidFill>
               <a:schemeClr val="tx1"/>
+            </a:solidFill>
+          </a:ln>
+        </p:spPr>
+      </p:pic>
+      <p:pic>
+        <p:nvPicPr>
+          <p:cNvPr id="38" name="Picture 37" descr="A picture containing text, map&#10;&#10;Description automatically generated">
+            <a:extLst>
+              <a:ext uri="{FF2B5EF4-FFF2-40B4-BE49-F238E27FC236}">
+                <a16:creationId xmlns:a16="http://schemas.microsoft.com/office/drawing/2014/main" id="{026C732B-3936-4F61-A3FA-53AC8B0CFAF5}"/>
+              </a:ext>
+            </a:extLst>
+          </p:cNvPr>
+          <p:cNvPicPr>
+            <a:picLocks noChangeAspect="1"/>
+          </p:cNvPicPr>
+          <p:nvPr/>
+        </p:nvPicPr>
+        <p:blipFill>
+          <a:blip r:embed="rId21">
+            <a:extLst>
+              <a:ext uri="{28A0092B-C50C-407E-A947-70E740481C1C}">
+                <a14:useLocalDpi xmlns:a14="http://schemas.microsoft.com/office/drawing/2010/main" val="0"/>
+              </a:ext>
+            </a:extLst>
+          </a:blip>
+          <a:stretch>
+            <a:fillRect/>
+          </a:stretch>
+        </p:blipFill>
+        <p:spPr>
+          <a:xfrm>
+            <a:off x="22884063" y="5921964"/>
+            <a:ext cx="9577137" cy="6709382"/>
+          </a:xfrm>
+          <a:prstGeom prst="rect">
+            <a:avLst/>
+          </a:prstGeom>
+          <a:ln>
+            <a:solidFill>
+              <a:schemeClr val="accent1"/>
+            </a:solidFill>
+          </a:ln>
+        </p:spPr>
+      </p:pic>
+      <p:pic>
+        <p:nvPicPr>
+          <p:cNvPr id="20" name="Picture 19" descr="A picture containing text, map&#10;&#10;Description automatically generated">
+            <a:extLst>
+              <a:ext uri="{FF2B5EF4-FFF2-40B4-BE49-F238E27FC236}">
+                <a16:creationId xmlns:a16="http://schemas.microsoft.com/office/drawing/2014/main" id="{634F3B82-8C1B-4DF1-A2AF-2551011EA55F}"/>
+              </a:ext>
+            </a:extLst>
+          </p:cNvPr>
+          <p:cNvPicPr>
+            <a:picLocks noChangeAspect="1"/>
+          </p:cNvPicPr>
+          <p:nvPr/>
+        </p:nvPicPr>
+        <p:blipFill>
+          <a:blip r:embed="rId22">
+            <a:extLst>
+              <a:ext uri="{28A0092B-C50C-407E-A947-70E740481C1C}">
+                <a14:useLocalDpi xmlns:a14="http://schemas.microsoft.com/office/drawing/2010/main" val="0"/>
+              </a:ext>
+            </a:extLst>
+          </a:blip>
+          <a:stretch>
+            <a:fillRect/>
+          </a:stretch>
+        </p:blipFill>
+        <p:spPr>
+          <a:xfrm>
+            <a:off x="33330118" y="5920550"/>
+            <a:ext cx="9577137" cy="6709382"/>
+          </a:xfrm>
+          <a:prstGeom prst="rect">
+            <a:avLst/>
+          </a:prstGeom>
+          <a:ln>
+            <a:solidFill>
+              <a:schemeClr val="accent1"/>
             </a:solidFill>
           </a:ln>
         </p:spPr>

--- a/Poster and Presentations/AGU_2019.pptx
+++ b/Poster and Presentations/AGU_2019.pptx
@@ -3853,7 +3853,7 @@
         <p:spPr>
           <a:xfrm>
             <a:off x="639824" y="4975423"/>
-            <a:ext cx="10111034" cy="16158270"/>
+            <a:ext cx="21465916" cy="9510296"/>
           </a:xfrm>
           <a:prstGeom prst="rect">
             <a:avLst/>
@@ -3864,6 +3864,11 @@
               <a:lumOff val="80000"/>
             </a:schemeClr>
           </a:solidFill>
+          <a:ln>
+            <a:solidFill>
+              <a:schemeClr val="accent1"/>
+            </a:solidFill>
+          </a:ln>
         </p:spPr>
         <p:txBody>
           <a:bodyPr wrap="square" rtlCol="0">
@@ -3876,24 +3881,6 @@
               <a:t>Introduction</a:t>
             </a:r>
             <a:endParaRPr lang="en-US" sz="2400" dirty="0"/>
-          </a:p>
-          <a:p>
-            <a:pPr marL="342900" indent="-342900">
-              <a:buFont typeface="Arial" panose="020B0604020202020204" pitchFamily="34" charset="0"/>
-              <a:buChar char="•"/>
-            </a:pPr>
-            <a:r>
-              <a:rPr lang="en-US" sz="2400" dirty="0"/>
-              <a:t>Floods led to  more than half a million deaths worldwide from 1980-2009</a:t>
-            </a:r>
-            <a:r>
-              <a:rPr lang="en-US" sz="2400" baseline="30000" dirty="0"/>
-              <a:t>1</a:t>
-            </a:r>
-            <a:r>
-              <a:rPr lang="en-US" sz="2400" dirty="0"/>
-              <a:t>. Clustered flood occurrences across large regions are particularly catastrophic. This has been observed in the Mid-western USA since the 1930s.</a:t>
-            </a:r>
           </a:p>
           <a:p>
             <a:pPr marL="342900" indent="-342900">
@@ -3903,73 +3890,6 @@
             <a:endParaRPr lang="en-US" sz="2400" dirty="0"/>
           </a:p>
           <a:p>
-            <a:pPr marL="342900" indent="-342900">
-              <a:buFont typeface="Arial" panose="020B0604020202020204" pitchFamily="34" charset="0"/>
-              <a:buChar char="•"/>
-            </a:pPr>
-            <a:r>
-              <a:rPr lang="en-US" sz="2400" dirty="0"/>
-              <a:t>Moseley (</a:t>
-            </a:r>
-            <a:r>
-              <a:rPr lang="en-US" sz="2400" b="1" dirty="0"/>
-              <a:t>1939</a:t>
-            </a:r>
-            <a:r>
-              <a:rPr lang="en-US" sz="2400" dirty="0"/>
-              <a:t>)</a:t>
-            </a:r>
-            <a:r>
-              <a:rPr lang="en-US" sz="2400" baseline="30000" dirty="0"/>
-              <a:t>2</a:t>
-            </a:r>
-            <a:r>
-              <a:rPr lang="en-US" sz="2400" dirty="0"/>
-              <a:t>: “…the centers of greatest storminess over the United States and Canada shift in both latitude and longitude. After moving east for a number of years the location of these centers returns abruptly to a position much farther west. It may be that after ninety years the storm centers return to very nearly the same place which they had at the beginning.”</a:t>
-            </a:r>
-          </a:p>
-          <a:p>
-            <a:pPr marL="342900" indent="-342900">
-              <a:buFont typeface="Arial" panose="020B0604020202020204" pitchFamily="34" charset="0"/>
-              <a:buChar char="•"/>
-            </a:pPr>
-            <a:endParaRPr lang="en-US" sz="2400" dirty="0"/>
-          </a:p>
-          <a:p>
-            <a:pPr marL="342900" indent="-342900">
-              <a:buFont typeface="Arial" panose="020B0604020202020204" pitchFamily="34" charset="0"/>
-              <a:buChar char="•"/>
-            </a:pPr>
-            <a:r>
-              <a:rPr lang="en-US" sz="2400" dirty="0"/>
-              <a:t>Brooks(</a:t>
-            </a:r>
-            <a:r>
-              <a:rPr lang="en-US" sz="2400" b="1" dirty="0"/>
-              <a:t>1937</a:t>
-            </a:r>
-            <a:r>
-              <a:rPr lang="en-US" sz="2400" dirty="0"/>
-              <a:t>)</a:t>
-            </a:r>
-            <a:r>
-              <a:rPr lang="en-US" sz="2400" baseline="30000" dirty="0"/>
-              <a:t>3</a:t>
-            </a:r>
-            <a:r>
-              <a:rPr lang="en-US" sz="2400" dirty="0"/>
-              <a:t>“The conditions causing the excessive rainfall of up from 13 inches in southwestern Indiana to 12.7 in north- central Ohio in March 1913, were almost identical with those of January 1937”</a:t>
-            </a:r>
-            <a:endParaRPr lang="en-US" sz="2400" u="sng" dirty="0"/>
-          </a:p>
-          <a:p>
-            <a:pPr marL="342900" indent="-342900">
-              <a:buFont typeface="Arial" panose="020B0604020202020204" pitchFamily="34" charset="0"/>
-              <a:buChar char="•"/>
-            </a:pPr>
-            <a:endParaRPr lang="en-US" sz="2400" dirty="0"/>
-          </a:p>
-          <a:p>
             <a:endParaRPr lang="en-US" sz="1600" dirty="0"/>
           </a:p>
           <a:p>
@@ -4024,32 +3944,38 @@
             <a:endParaRPr lang="en-US" sz="1600" dirty="0"/>
           </a:p>
           <a:p>
+            <a:endParaRPr lang="en-US" sz="1600" dirty="0"/>
+          </a:p>
+          <a:p>
+            <a:endParaRPr lang="en-US" sz="1600" dirty="0"/>
+          </a:p>
+          <a:p>
+            <a:endParaRPr lang="en-US" sz="1600" dirty="0"/>
+          </a:p>
+          <a:p>
             <a:endParaRPr lang="en-US" sz="2800" dirty="0"/>
           </a:p>
           <a:p>
-            <a:endParaRPr lang="en-US" sz="2800" dirty="0"/>
-          </a:p>
-          <a:p>
-            <a:r>
-              <a:rPr lang="en-US" sz="2800" dirty="0"/>
+            <a:r>
+              <a:rPr lang="en-US" sz="3200" dirty="0"/>
               <a:t>Research Questions </a:t>
             </a:r>
           </a:p>
           <a:p>
             <a:r>
-              <a:rPr lang="en-US" sz="2800" u="sng" dirty="0"/>
+              <a:rPr lang="en-US" sz="3200" u="sng" dirty="0"/>
               <a:t>1. Are low-frequency variations present in streamflow/flooding extremes ?</a:t>
             </a:r>
           </a:p>
           <a:p>
             <a:r>
-              <a:rPr lang="en-US" sz="2800" u="sng" dirty="0"/>
+              <a:rPr lang="en-US" sz="3200" u="sng" dirty="0"/>
               <a:t>2. What can we infer as to space-time clustering of floods from historical streamflow data from the Ohio River Basin?</a:t>
             </a:r>
           </a:p>
           <a:p>
             <a:r>
-              <a:rPr lang="en-US" sz="2800" u="sng" dirty="0"/>
+              <a:rPr lang="en-US" sz="3200" u="sng" dirty="0"/>
               <a:t>3. Are there statistical models that can represent the observed low frequency variations ?</a:t>
             </a:r>
           </a:p>
@@ -4100,210 +4026,6 @@
               <a:t>https://www.ncdc.noaa.gov/cag/national/time-series</a:t>
             </a:r>
             <a:endParaRPr lang="en-US" sz="1600" dirty="0"/>
-          </a:p>
-        </p:txBody>
-      </p:sp>
-      <p:sp>
-        <p:nvSpPr>
-          <p:cNvPr id="8" name="TextBox 7">
-            <a:extLst>
-              <a:ext uri="{FF2B5EF4-FFF2-40B4-BE49-F238E27FC236}">
-                <a16:creationId xmlns:a16="http://schemas.microsoft.com/office/drawing/2014/main" id="{B897CDA4-0CA5-430A-BD99-4B646FF09659}"/>
-              </a:ext>
-            </a:extLst>
-          </p:cNvPr>
-          <p:cNvSpPr txBox="1"/>
-          <p:nvPr/>
-        </p:nvSpPr>
-        <p:spPr>
-          <a:xfrm>
-            <a:off x="647369" y="21520976"/>
-            <a:ext cx="10111034" cy="4216539"/>
-          </a:xfrm>
-          <a:prstGeom prst="rect">
-            <a:avLst/>
-          </a:prstGeom>
-          <a:solidFill>
-            <a:schemeClr val="accent5">
-              <a:lumMod val="20000"/>
-              <a:lumOff val="80000"/>
-            </a:schemeClr>
-          </a:solidFill>
-        </p:spPr>
-        <p:txBody>
-          <a:bodyPr wrap="square" rtlCol="0">
-            <a:spAutoFit/>
-          </a:bodyPr>
-          <a:lstStyle/>
-          <a:p>
-            <a:r>
-              <a:rPr lang="en-US" sz="4800" dirty="0"/>
-              <a:t>Data Sources</a:t>
-            </a:r>
-          </a:p>
-          <a:p>
-            <a:pPr marL="342900" indent="-342900">
-              <a:buFont typeface="Arial" panose="020B0604020202020204" pitchFamily="34" charset="0"/>
-              <a:buChar char="•"/>
-            </a:pPr>
-            <a:endParaRPr lang="en-US" sz="2400" dirty="0"/>
-          </a:p>
-          <a:p>
-            <a:pPr marL="342900" indent="-342900">
-              <a:buFont typeface="Arial" panose="020B0604020202020204" pitchFamily="34" charset="0"/>
-              <a:buChar char="•"/>
-            </a:pPr>
-            <a:endParaRPr lang="en-US" sz="2400" dirty="0"/>
-          </a:p>
-          <a:p>
-            <a:pPr marL="342900" indent="-342900">
-              <a:buFont typeface="Arial" panose="020B0604020202020204" pitchFamily="34" charset="0"/>
-              <a:buChar char="•"/>
-            </a:pPr>
-            <a:endParaRPr lang="en-US" sz="2400" dirty="0"/>
-          </a:p>
-          <a:p>
-            <a:pPr marL="342900" indent="-342900">
-              <a:buFont typeface="Arial" panose="020B0604020202020204" pitchFamily="34" charset="0"/>
-              <a:buChar char="•"/>
-            </a:pPr>
-            <a:endParaRPr lang="en-US" sz="2400" dirty="0"/>
-          </a:p>
-          <a:p>
-            <a:pPr marL="342900" indent="-342900">
-              <a:buFont typeface="Arial" panose="020B0604020202020204" pitchFamily="34" charset="0"/>
-              <a:buChar char="•"/>
-            </a:pPr>
-            <a:endParaRPr lang="en-US" sz="2400" dirty="0"/>
-          </a:p>
-          <a:p>
-            <a:endParaRPr lang="en-US" sz="1400" dirty="0"/>
-          </a:p>
-          <a:p>
-            <a:endParaRPr lang="en-US" sz="1400" dirty="0"/>
-          </a:p>
-          <a:p>
-            <a:pPr marL="342900" indent="-342900">
-              <a:buAutoNum type="arabicPeriod"/>
-            </a:pPr>
-            <a:r>
-              <a:rPr kumimoji="0" lang="en-US" altLang="en-US" sz="1800" b="0" i="0" u="none" strike="noStrike" cap="none" normalizeH="0" baseline="0" dirty="0">
-                <a:ln>
-                  <a:noFill/>
-                </a:ln>
-                <a:solidFill>
-                  <a:srgbClr val="000000"/>
-                </a:solidFill>
-                <a:effectLst/>
-              </a:rPr>
-              <a:t>Hirsch, R.M., and De Cicco, L.A., 2015, User guide to Exploration and Graphics for River Trends (EGRET) and dataRetrieval: R packages for hydrologic data (version 2.0, February 2015): U.S. Geological Survey Techniques and Methods book 4, chap. A10, 93 p., </a:t>
-            </a:r>
-            <a:r>
-              <a:rPr lang="en-US" altLang="en-US" sz="1800" dirty="0">
-                <a:solidFill>
-                  <a:srgbClr val="000000"/>
-                </a:solidFill>
-              </a:rPr>
-              <a:t>http://dx.doi.org/10.3133/tm4A10</a:t>
-            </a:r>
-            <a:endParaRPr lang="en-US" altLang="en-US" sz="1800" dirty="0"/>
-          </a:p>
-          <a:p>
-            <a:pPr marL="342900" indent="-342900">
-              <a:buFontTx/>
-              <a:buAutoNum type="arabicPeriod"/>
-            </a:pPr>
-            <a:r>
-              <a:rPr lang="en-US" altLang="en-US" sz="1800" dirty="0">
-                <a:solidFill>
-                  <a:srgbClr val="000000"/>
-                </a:solidFill>
-              </a:rPr>
-              <a:t>KNMI Climate Explorer - </a:t>
-            </a:r>
-            <a:r>
-              <a:rPr lang="en-US" sz="1800" u="sng" dirty="0"/>
-              <a:t>https://climexp.knmi.nl/</a:t>
-            </a:r>
-          </a:p>
-        </p:txBody>
-      </p:sp>
-      <p:sp>
-        <p:nvSpPr>
-          <p:cNvPr id="10" name="TextBox 9">
-            <a:extLst>
-              <a:ext uri="{FF2B5EF4-FFF2-40B4-BE49-F238E27FC236}">
-                <a16:creationId xmlns:a16="http://schemas.microsoft.com/office/drawing/2014/main" id="{9C70AEF8-861C-417F-A987-7BD251E43A0D}"/>
-              </a:ext>
-            </a:extLst>
-          </p:cNvPr>
-          <p:cNvSpPr txBox="1"/>
-          <p:nvPr/>
-        </p:nvSpPr>
-        <p:spPr>
-          <a:xfrm>
-            <a:off x="647369" y="22125672"/>
-            <a:ext cx="10060758" cy="1938992"/>
-          </a:xfrm>
-          <a:prstGeom prst="rect">
-            <a:avLst/>
-          </a:prstGeom>
-          <a:noFill/>
-        </p:spPr>
-        <p:txBody>
-          <a:bodyPr wrap="square" rtlCol="0">
-            <a:spAutoFit/>
-          </a:bodyPr>
-          <a:lstStyle/>
-          <a:p>
-            <a:pPr marL="342900" indent="-342900">
-              <a:buFont typeface="Arial" panose="020B0604020202020204" pitchFamily="34" charset="0"/>
-              <a:buChar char="•"/>
-            </a:pPr>
-            <a:endParaRPr lang="en-US" sz="2400" dirty="0"/>
-          </a:p>
-          <a:p>
-            <a:pPr marL="342900" indent="-342900">
-              <a:buFont typeface="Arial" panose="020B0604020202020204" pitchFamily="34" charset="0"/>
-              <a:buChar char="•"/>
-            </a:pPr>
-            <a:r>
-              <a:rPr lang="en-US" sz="2400" dirty="0"/>
-              <a:t>Streamflow Gauges  - USGS/Data Retrieval Package in R</a:t>
-            </a:r>
-            <a:r>
-              <a:rPr lang="en-US" sz="2400" baseline="30000" dirty="0"/>
-              <a:t>1</a:t>
-            </a:r>
-            <a:r>
-              <a:rPr lang="en-US" sz="2400" dirty="0"/>
-              <a:t>. </a:t>
-            </a:r>
-          </a:p>
-          <a:p>
-            <a:pPr marL="342900" indent="-342900">
-              <a:buFont typeface="Arial" panose="020B0604020202020204" pitchFamily="34" charset="0"/>
-              <a:buChar char="•"/>
-            </a:pPr>
-            <a:endParaRPr lang="en-US" sz="2400" dirty="0"/>
-          </a:p>
-          <a:p>
-            <a:pPr marL="342900" indent="-342900">
-              <a:buFont typeface="Arial" panose="020B0604020202020204" pitchFamily="34" charset="0"/>
-              <a:buChar char="•"/>
-            </a:pPr>
-            <a:r>
-              <a:rPr lang="en-US" sz="2400" dirty="0"/>
-              <a:t>Climate Indices</a:t>
-            </a:r>
-            <a:r>
-              <a:rPr lang="en-US" sz="2400" baseline="30000" dirty="0"/>
-              <a:t>2 </a:t>
-            </a:r>
-            <a:r>
-              <a:rPr lang="en-US" sz="2400" dirty="0"/>
-              <a:t>.ENSO – Nino 3.4 – HadISST. PDO – JISAO. AMO – HadSST. NAO – Jones et al. </a:t>
-            </a:r>
           </a:p>
         </p:txBody>
       </p:sp>
@@ -4333,6 +4055,11 @@
               <a:lumOff val="80000"/>
             </a:schemeClr>
           </a:solidFill>
+          <a:ln>
+            <a:solidFill>
+              <a:schemeClr val="accent1"/>
+            </a:solidFill>
+          </a:ln>
         </p:spPr>
         <p:txBody>
           <a:bodyPr wrap="square" rtlCol="0">
@@ -4615,8 +4342,8 @@
         </p:nvSpPr>
         <p:spPr>
           <a:xfrm>
-            <a:off x="11219334" y="4975423"/>
-            <a:ext cx="10959617" cy="20836473"/>
+            <a:off x="647369" y="14950325"/>
+            <a:ext cx="21544430" cy="11172289"/>
           </a:xfrm>
           <a:prstGeom prst="rect">
             <a:avLst/>
@@ -4627,6 +4354,11 @@
               <a:lumOff val="80000"/>
             </a:schemeClr>
           </a:solidFill>
+          <a:ln>
+            <a:solidFill>
+              <a:schemeClr val="accent1"/>
+            </a:solidFill>
+          </a:ln>
         </p:spPr>
         <p:txBody>
           <a:bodyPr wrap="square" rtlCol="0">
@@ -4636,84 +4368,9 @@
           <a:p>
             <a:r>
               <a:rPr lang="en-US" sz="4800" dirty="0"/>
-              <a:t>Methods</a:t>
-            </a:r>
-          </a:p>
-          <a:p>
-            <a:r>
-              <a:rPr lang="en-US" sz="2800" u="sng" dirty="0"/>
-              <a:t>Streamflow</a:t>
-            </a:r>
-          </a:p>
-          <a:p>
-            <a:pPr marL="457200" indent="-457200">
-              <a:buFont typeface="Arial" panose="020B0604020202020204" pitchFamily="34" charset="0"/>
-              <a:buChar char="•"/>
-            </a:pPr>
-            <a:r>
-              <a:rPr lang="en-US" sz="2400" dirty="0"/>
-              <a:t>Daily Data from 28 stations for the period 1937-2017 were used and converted to annual data using site-specific annual maximum as the extremity metric. </a:t>
-            </a:r>
-          </a:p>
-          <a:p>
-            <a:pPr marL="457200" indent="-457200">
-              <a:buFont typeface="Arial" panose="020B0604020202020204" pitchFamily="34" charset="0"/>
-              <a:buChar char="•"/>
-            </a:pPr>
-            <a:r>
-              <a:rPr lang="en-US" sz="2400" dirty="0"/>
-              <a:t>Streamflow gauges were selected which had a drainage area greater than 1450 sq. Miles.  </a:t>
-            </a:r>
-          </a:p>
-          <a:p>
-            <a:pPr marL="457200" indent="-457200">
-              <a:buFont typeface="Arial" panose="020B0604020202020204" pitchFamily="34" charset="0"/>
-              <a:buChar char="•"/>
-            </a:pPr>
+              <a:t>Data and Methods</a:t>
+            </a:r>
             <a:endParaRPr lang="en-US" sz="2400" dirty="0"/>
-          </a:p>
-          <a:p>
-            <a:pPr marL="457200" indent="-457200">
-              <a:buFont typeface="Arial" panose="020B0604020202020204" pitchFamily="34" charset="0"/>
-              <a:buChar char="•"/>
-            </a:pPr>
-            <a:endParaRPr lang="en-US" sz="2400" dirty="0"/>
-          </a:p>
-          <a:p>
-            <a:r>
-              <a:rPr lang="en-US" sz="2800" u="sng" dirty="0"/>
-              <a:t>PC-Wavelet Clustering </a:t>
-            </a:r>
-            <a:r>
-              <a:rPr lang="en-US" sz="2800" u="sng" dirty="0">
-                <a:sym typeface="Wingdings" panose="05000000000000000000" pitchFamily="2" charset="2"/>
-              </a:rPr>
-              <a:t> Space Time Clustering</a:t>
-            </a:r>
-          </a:p>
-          <a:p>
-            <a:pPr marL="457200" indent="-457200">
-              <a:buFont typeface="Arial" panose="020B0604020202020204" pitchFamily="34" charset="0"/>
-              <a:buChar char="•"/>
-            </a:pPr>
-            <a:r>
-              <a:rPr lang="en-US" sz="2800" dirty="0">
-                <a:sym typeface="Wingdings" panose="05000000000000000000" pitchFamily="2" charset="2"/>
-              </a:rPr>
-              <a:t>Principal Component Analysis  Dimension Reduction</a:t>
-            </a:r>
-          </a:p>
-          <a:p>
-            <a:pPr marL="457200" indent="-457200">
-              <a:buFont typeface="Arial" panose="020B0604020202020204" pitchFamily="34" charset="0"/>
-              <a:buChar char="•"/>
-            </a:pPr>
-            <a:r>
-              <a:rPr lang="en-US" sz="2800" dirty="0">
-                <a:sym typeface="Wingdings" panose="05000000000000000000" pitchFamily="2" charset="2"/>
-              </a:rPr>
-              <a:t>Wavelet Decomposition  Extracting signals over noise.</a:t>
-            </a:r>
           </a:p>
           <a:p>
             <a:endParaRPr lang="en-US" sz="2800" dirty="0">
@@ -4721,15 +4378,6 @@
             </a:endParaRPr>
           </a:p>
           <a:p>
-            <a:endParaRPr lang="en-US" sz="2800" dirty="0">
-              <a:sym typeface="Wingdings" panose="05000000000000000000" pitchFamily="2" charset="2"/>
-            </a:endParaRPr>
-          </a:p>
-          <a:p>
-            <a:r>
-              <a:rPr lang="en-US" sz="2800" dirty="0"/>
-              <a:t>Another option, computed but not presented in this poster is to invert the chronology and look at ‘time’ first(wavelet decomposition) followed by spatial domain(PCA). This method leads to explicit-hard clustering.</a:t>
-            </a:r>
             <a:endParaRPr lang="en-US" sz="2800" u="sng" dirty="0"/>
           </a:p>
           <a:p>
@@ -4797,71 +4445,6 @@
           </a:p>
           <a:p>
             <a:endParaRPr lang="en-US" sz="2800" u="sng" dirty="0"/>
-          </a:p>
-          <a:p>
-            <a:endParaRPr lang="en-US" sz="2800" u="sng" dirty="0"/>
-          </a:p>
-          <a:p>
-            <a:endParaRPr lang="en-US" sz="2800" u="sng" dirty="0"/>
-          </a:p>
-          <a:p>
-            <a:endParaRPr lang="en-US" sz="2800" u="sng" dirty="0"/>
-          </a:p>
-          <a:p>
-            <a:r>
-              <a:rPr lang="en-US" sz="2800" u="sng" dirty="0">
-                <a:sym typeface="Wingdings" panose="05000000000000000000" pitchFamily="2" charset="2"/>
-              </a:rPr>
-              <a:t>Hidden Markov Model  Aggregated Persistence Structure</a:t>
-            </a:r>
-          </a:p>
-          <a:p>
-            <a:pPr marL="457200" indent="-457200">
-              <a:buFont typeface="Arial" panose="020B0604020202020204" pitchFamily="34" charset="0"/>
-              <a:buChar char="•"/>
-            </a:pPr>
-            <a:r>
-              <a:rPr lang="en-US" sz="2800" dirty="0"/>
-              <a:t>Convert the site annual maximum streamflow to exceedances based on a high value e.g. 90</a:t>
-            </a:r>
-            <a:r>
-              <a:rPr lang="en-US" sz="2800" baseline="30000" dirty="0"/>
-              <a:t>th</a:t>
-            </a:r>
-            <a:r>
-              <a:rPr lang="en-US" sz="2800" dirty="0"/>
-              <a:t> percentile.</a:t>
-            </a:r>
-          </a:p>
-          <a:p>
-            <a:pPr marL="457200" indent="-457200">
-              <a:buFont typeface="Arial" panose="020B0604020202020204" pitchFamily="34" charset="0"/>
-              <a:buChar char="•"/>
-            </a:pPr>
-            <a:r>
-              <a:rPr lang="en-US" sz="2800" dirty="0"/>
-              <a:t>Aggregate it across the sites, fit with a Poisson emission distribution.</a:t>
-            </a:r>
-          </a:p>
-          <a:p>
-            <a:pPr marL="457200" indent="-457200">
-              <a:buFont typeface="Arial" panose="020B0604020202020204" pitchFamily="34" charset="0"/>
-              <a:buChar char="•"/>
-            </a:pPr>
-            <a:r>
-              <a:rPr lang="en-US" sz="2800" dirty="0"/>
-              <a:t>Simulate additional runs based on the computed transition matrix and emission parameter rates. </a:t>
-            </a:r>
-            <a:endParaRPr lang="en-US" sz="1400" u="sng" dirty="0"/>
-          </a:p>
-          <a:p>
-            <a:endParaRPr lang="en-US" sz="1400" u="sng" dirty="0"/>
-          </a:p>
-          <a:p>
-            <a:endParaRPr lang="en-US" sz="1400" dirty="0"/>
-          </a:p>
-          <a:p>
-            <a:endParaRPr lang="en-US" sz="1400" dirty="0"/>
           </a:p>
         </p:txBody>
       </p:sp>
@@ -4923,6 +4506,11 @@
               <a:lumOff val="80000"/>
             </a:schemeClr>
           </a:solidFill>
+          <a:ln>
+            <a:solidFill>
+              <a:schemeClr val="accent1"/>
+            </a:solidFill>
+          </a:ln>
         </p:spPr>
         <p:txBody>
           <a:bodyPr wrap="square" rtlCol="0">
@@ -5001,7 +4589,7 @@
         </p:blipFill>
         <p:spPr bwMode="auto">
           <a:xfrm>
-            <a:off x="4795798" y="11151674"/>
+            <a:off x="15988186" y="5637439"/>
             <a:ext cx="5754579" cy="5072321"/>
           </a:xfrm>
           <a:prstGeom prst="rect">
@@ -5026,10 +4614,10 @@
       </p:pic>
       <p:sp>
         <p:nvSpPr>
-          <p:cNvPr id="3" name="TextBox 2">
-            <a:extLst>
-              <a:ext uri="{FF2B5EF4-FFF2-40B4-BE49-F238E27FC236}">
-                <a16:creationId xmlns:a16="http://schemas.microsoft.com/office/drawing/2014/main" id="{271DD7E0-A976-4EC4-BEF4-99AC91A4B76F}"/>
+          <p:cNvPr id="13" name="TextBox 12">
+            <a:extLst>
+              <a:ext uri="{FF2B5EF4-FFF2-40B4-BE49-F238E27FC236}">
+                <a16:creationId xmlns:a16="http://schemas.microsoft.com/office/drawing/2014/main" id="{2314B357-962C-47BC-950E-22EA890181B5}"/>
               </a:ext>
             </a:extLst>
           </p:cNvPr>
@@ -5038,61 +4626,7 @@
         </p:nvSpPr>
         <p:spPr>
           <a:xfrm>
-            <a:off x="716118" y="11021244"/>
-            <a:ext cx="3696904" cy="4893647"/>
-          </a:xfrm>
-          <a:prstGeom prst="rect">
-            <a:avLst/>
-          </a:prstGeom>
-          <a:noFill/>
-        </p:spPr>
-        <p:txBody>
-          <a:bodyPr wrap="square" rtlCol="0">
-            <a:spAutoFit/>
-          </a:bodyPr>
-          <a:lstStyle/>
-          <a:p>
-            <a:pPr marL="342900" indent="-342900">
-              <a:buFont typeface="Arial" panose="020B0604020202020204" pitchFamily="34" charset="0"/>
-              <a:buChar char="•"/>
-            </a:pPr>
-            <a:r>
-              <a:rPr lang="en-US" sz="2400" dirty="0"/>
-              <a:t>Record breaking floods across the Mid-west in 2019, surpassing the last great floods of 1993 seem to reflect a similar pattern. This has been the wettest 12 months in the history of United States since 1895</a:t>
-            </a:r>
-            <a:r>
-              <a:rPr lang="en-US" sz="2400" baseline="30000" dirty="0"/>
-              <a:t>4</a:t>
-            </a:r>
-            <a:r>
-              <a:rPr lang="en-US" sz="2400" dirty="0"/>
-              <a:t>, and the longest flood duration since 1927 on the Mississippi </a:t>
-            </a:r>
-          </a:p>
-          <a:p>
-            <a:pPr marL="342900" indent="-342900">
-              <a:buFont typeface="Arial" panose="020B0604020202020204" pitchFamily="34" charset="0"/>
-              <a:buChar char="•"/>
-            </a:pPr>
-            <a:endParaRPr lang="en-US" sz="2400" dirty="0"/>
-          </a:p>
-        </p:txBody>
-      </p:sp>
-      <p:sp>
-        <p:nvSpPr>
-          <p:cNvPr id="13" name="TextBox 12">
-            <a:extLst>
-              <a:ext uri="{FF2B5EF4-FFF2-40B4-BE49-F238E27FC236}">
-                <a16:creationId xmlns:a16="http://schemas.microsoft.com/office/drawing/2014/main" id="{2314B357-962C-47BC-950E-22EA890181B5}"/>
-              </a:ext>
-            </a:extLst>
-          </p:cNvPr>
-          <p:cNvSpPr txBox="1"/>
-          <p:nvPr/>
-        </p:nvSpPr>
-        <p:spPr>
-          <a:xfrm>
-            <a:off x="4507985" y="16204244"/>
+            <a:off x="15840619" y="10794734"/>
             <a:ext cx="5938685" cy="369332"/>
           </a:xfrm>
           <a:prstGeom prst="rect">
@@ -5146,7 +4680,7 @@
             <a:pPr algn="ctr"/>
             <a:r>
               <a:rPr lang="en-US" sz="2400" dirty="0"/>
-              <a:t>Figure 3 :- Wavelet Analysis on the Principal Components (a) PC-1 (b)PC-2. TOP-LEFT –PC with a loess line. TOP-RIGHT – Global Wavelet Spectrum of the PC. BOTTOM-LEFT – Power Spectrum of the Wavelet (Regions bounded in the black line are statistically significant at the 90% level).  BOTTOM-RIGHT – Absolute values of the loadings(eigenvectors) color code Red to Blue.</a:t>
+              <a:t>Figure 3 :- Wavelet Analysis on the Principal Components (a) PC-1 (b) PC-2. TOP-LEFT –PC with a loess line. TOP-RIGHT – Global Wavelet Spectrum of the PC. BOTTOM-LEFT – Power Spectrum of the Wavelet (Regions bounded in the black line are statistically significant at the 90% level).  BOTTOM-RIGHT – Absolute values of the loadings(eigenvectors) color code Red to Blue.</a:t>
             </a:r>
           </a:p>
         </p:txBody>
@@ -5741,7 +5275,7 @@
                     <a:lstStyle/>
                     <a:p>
                       <a:r>
-                        <a:rPr lang="en-US" sz="3200" b="1" u="sng">
+                        <a:rPr lang="en-US" sz="3200" b="1" u="sng" dirty="0">
                           <a:latin typeface="Agency FB" panose="020B0503020202020204" pitchFamily="34" charset="0"/>
                         </a:rPr>
                         <a:t>0</a:t>
@@ -6028,6 +5562,11 @@
               <a:lumOff val="80000"/>
             </a:schemeClr>
           </a:solidFill>
+          <a:ln>
+            <a:solidFill>
+              <a:schemeClr val="accent1"/>
+            </a:solidFill>
+          </a:ln>
         </p:spPr>
         <p:txBody>
           <a:bodyPr wrap="square" rtlCol="0">
@@ -6048,10 +5587,9 @@
           </a:p>
           <a:p>
             <a:r>
-              <a:rPr lang="en-US" sz="2400"/>
+              <a:rPr lang="en-US" sz="2400" dirty="0"/>
               <a:t>Correspondence – yva2000@columbia.edu</a:t>
             </a:r>
-            <a:endParaRPr lang="en-US" sz="2400" dirty="0"/>
           </a:p>
         </p:txBody>
       </p:sp>
@@ -6194,7 +5732,7 @@
             <a:pPr algn="ctr"/>
             <a:r>
               <a:rPr lang="en-US" sz="2400" dirty="0"/>
-              <a:t>Fig 6:- (a)Simulation Skill for Mean, Std Deviation and Max (b) PDF </a:t>
+              <a:t>Fig 6:- (a) Simulation Skill for Mean, Std Deviation and Max (b) PDF </a:t>
             </a:r>
           </a:p>
           <a:p>
@@ -6425,7 +5963,7 @@
         </p:nvSpPr>
         <p:spPr>
           <a:xfrm>
-            <a:off x="4811008" y="10709760"/>
+            <a:off x="16228598" y="5123643"/>
             <a:ext cx="5568063" cy="830997"/>
           </a:xfrm>
           <a:prstGeom prst="rect">
@@ -6683,8 +6221,8 @@
         </p:blipFill>
         <p:spPr>
           <a:xfrm>
-            <a:off x="11412039" y="12283743"/>
-            <a:ext cx="10398740" cy="8535676"/>
+            <a:off x="7293744" y="17873784"/>
+            <a:ext cx="14768921" cy="7459579"/>
           </a:xfrm>
           <a:prstGeom prst="rect">
             <a:avLst/>
@@ -6778,6 +6316,450 @@
           </a:ln>
         </p:spPr>
       </p:pic>
+      <p:sp>
+        <p:nvSpPr>
+          <p:cNvPr id="21" name="TextBox 20">
+            <a:extLst>
+              <a:ext uri="{FF2B5EF4-FFF2-40B4-BE49-F238E27FC236}">
+                <a16:creationId xmlns:a16="http://schemas.microsoft.com/office/drawing/2014/main" id="{9FDB992B-663C-4A6C-9579-7BCBAFBCF9C5}"/>
+              </a:ext>
+            </a:extLst>
+          </p:cNvPr>
+          <p:cNvSpPr txBox="1"/>
+          <p:nvPr/>
+        </p:nvSpPr>
+        <p:spPr>
+          <a:xfrm>
+            <a:off x="811966" y="5839950"/>
+            <a:ext cx="14935574" cy="6247864"/>
+          </a:xfrm>
+          <a:prstGeom prst="rect">
+            <a:avLst/>
+          </a:prstGeom>
+          <a:noFill/>
+        </p:spPr>
+        <p:txBody>
+          <a:bodyPr wrap="square" rtlCol="0">
+            <a:spAutoFit/>
+          </a:bodyPr>
+          <a:lstStyle/>
+          <a:p>
+            <a:pPr marL="342900" indent="-342900">
+              <a:buFont typeface="Arial" panose="020B0604020202020204" pitchFamily="34" charset="0"/>
+              <a:buChar char="•"/>
+            </a:pPr>
+            <a:r>
+              <a:rPr lang="en-US" sz="2400" dirty="0"/>
+              <a:t>Floods led to  more than half a million deaths worldwide from 1980-2009</a:t>
+            </a:r>
+            <a:r>
+              <a:rPr lang="en-US" sz="2400" baseline="30000" dirty="0"/>
+              <a:t>1</a:t>
+            </a:r>
+            <a:r>
+              <a:rPr lang="en-US" sz="2400" dirty="0"/>
+              <a:t>. Clustered flood occurrences across large regions are particularly catastrophic. This has been observed in the Mid-western USA since the 1930s.</a:t>
+            </a:r>
+          </a:p>
+          <a:p>
+            <a:pPr marL="342900" indent="-342900">
+              <a:buFont typeface="Arial" panose="020B0604020202020204" pitchFamily="34" charset="0"/>
+              <a:buChar char="•"/>
+            </a:pPr>
+            <a:endParaRPr lang="en-US" sz="2400" dirty="0"/>
+          </a:p>
+          <a:p>
+            <a:pPr marL="342900" indent="-342900">
+              <a:buFont typeface="Arial" panose="020B0604020202020204" pitchFamily="34" charset="0"/>
+              <a:buChar char="•"/>
+            </a:pPr>
+            <a:r>
+              <a:rPr lang="en-US" sz="2400" dirty="0"/>
+              <a:t>Moseley (</a:t>
+            </a:r>
+            <a:r>
+              <a:rPr lang="en-US" sz="2400" b="1" dirty="0"/>
+              <a:t>1939</a:t>
+            </a:r>
+            <a:r>
+              <a:rPr lang="en-US" sz="2400" dirty="0"/>
+              <a:t>)</a:t>
+            </a:r>
+            <a:r>
+              <a:rPr lang="en-US" sz="2400" baseline="30000" dirty="0"/>
+              <a:t>2</a:t>
+            </a:r>
+            <a:r>
+              <a:rPr lang="en-US" sz="2400" dirty="0"/>
+              <a:t>: “…the centers of greatest storminess over the United States and Canada shift in both latitude and longitude. After moving east for a number of years the location of these centers returns abruptly to a position much farther west. It may be that after ninety years the storm centers return to very nearly the same place which they had at the beginning.”</a:t>
+            </a:r>
+          </a:p>
+          <a:p>
+            <a:pPr marL="342900" indent="-342900">
+              <a:buFont typeface="Arial" panose="020B0604020202020204" pitchFamily="34" charset="0"/>
+              <a:buChar char="•"/>
+            </a:pPr>
+            <a:endParaRPr lang="en-US" sz="2400" dirty="0"/>
+          </a:p>
+          <a:p>
+            <a:pPr marL="342900" indent="-342900">
+              <a:buFont typeface="Arial" panose="020B0604020202020204" pitchFamily="34" charset="0"/>
+              <a:buChar char="•"/>
+            </a:pPr>
+            <a:r>
+              <a:rPr lang="en-US" sz="2400" dirty="0"/>
+              <a:t>Brooks(</a:t>
+            </a:r>
+            <a:r>
+              <a:rPr lang="en-US" sz="2400" b="1" dirty="0"/>
+              <a:t>1937</a:t>
+            </a:r>
+            <a:r>
+              <a:rPr lang="en-US" sz="2400" dirty="0"/>
+              <a:t>)</a:t>
+            </a:r>
+            <a:r>
+              <a:rPr lang="en-US" sz="2400" baseline="30000" dirty="0"/>
+              <a:t>3</a:t>
+            </a:r>
+            <a:r>
+              <a:rPr lang="en-US" sz="2400" dirty="0"/>
+              <a:t>“The conditions causing the excessive rainfall of up from 13 inches in southwestern Indiana to 12.7 in north- central Ohio in March 1913, were almost identical with those of January 1937”</a:t>
+            </a:r>
+          </a:p>
+          <a:p>
+            <a:pPr marL="342900" indent="-342900">
+              <a:buFont typeface="Arial" panose="020B0604020202020204" pitchFamily="34" charset="0"/>
+              <a:buChar char="•"/>
+            </a:pPr>
+            <a:endParaRPr lang="en-US" sz="2400" u="sng" dirty="0"/>
+          </a:p>
+          <a:p>
+            <a:endParaRPr lang="en-US" sz="1600" dirty="0"/>
+          </a:p>
+          <a:p>
+            <a:pPr marL="285750" indent="-285750">
+              <a:buFont typeface="Arial" panose="020B0604020202020204" pitchFamily="34" charset="0"/>
+              <a:buChar char="•"/>
+            </a:pPr>
+            <a:r>
+              <a:rPr lang="en-US" sz="2400" dirty="0"/>
+              <a:t>Record breaking floods across the Mid-west in 2019, surpassing the last great floods of 1993 seem to reflect a similar pattern. This has been the wettest 12 months in the history of United States since 1895</a:t>
+            </a:r>
+            <a:r>
+              <a:rPr lang="en-US" sz="2400" baseline="30000" dirty="0"/>
+              <a:t>4</a:t>
+            </a:r>
+            <a:r>
+              <a:rPr lang="en-US" sz="2400" dirty="0"/>
+              <a:t>, and the longest flood duration since 1927 on the Mississippi </a:t>
+            </a:r>
+          </a:p>
+          <a:p>
+            <a:pPr marL="342900" indent="-342900">
+              <a:buFont typeface="Arial" panose="020B0604020202020204" pitchFamily="34" charset="0"/>
+              <a:buChar char="•"/>
+            </a:pPr>
+            <a:endParaRPr lang="en-US" sz="2400" u="sng" dirty="0"/>
+          </a:p>
+          <a:p>
+            <a:endParaRPr lang="en-US" sz="2400" dirty="0"/>
+          </a:p>
+        </p:txBody>
+      </p:sp>
+      <p:sp>
+        <p:nvSpPr>
+          <p:cNvPr id="22" name="TextBox 21">
+            <a:extLst>
+              <a:ext uri="{FF2B5EF4-FFF2-40B4-BE49-F238E27FC236}">
+                <a16:creationId xmlns:a16="http://schemas.microsoft.com/office/drawing/2014/main" id="{439A97EB-F2E8-49D3-83C2-1E38606671DB}"/>
+              </a:ext>
+            </a:extLst>
+          </p:cNvPr>
+          <p:cNvSpPr txBox="1"/>
+          <p:nvPr/>
+        </p:nvSpPr>
+        <p:spPr>
+          <a:xfrm>
+            <a:off x="703727" y="18554015"/>
+            <a:ext cx="6281632" cy="4832092"/>
+          </a:xfrm>
+          <a:prstGeom prst="rect">
+            <a:avLst/>
+          </a:prstGeom>
+          <a:noFill/>
+        </p:spPr>
+        <p:txBody>
+          <a:bodyPr wrap="square" rtlCol="0">
+            <a:spAutoFit/>
+          </a:bodyPr>
+          <a:lstStyle/>
+          <a:p>
+            <a:r>
+              <a:rPr lang="en-US" sz="2800" u="sng" dirty="0"/>
+              <a:t>PC-Wavelet Clustering </a:t>
+            </a:r>
+            <a:r>
+              <a:rPr lang="en-US" sz="2800" u="sng" dirty="0">
+                <a:sym typeface="Wingdings" panose="05000000000000000000" pitchFamily="2" charset="2"/>
+              </a:rPr>
+              <a:t> Space Time Clustering</a:t>
+            </a:r>
+          </a:p>
+          <a:p>
+            <a:pPr marL="457200" indent="-457200">
+              <a:buFont typeface="Arial" panose="020B0604020202020204" pitchFamily="34" charset="0"/>
+              <a:buChar char="•"/>
+            </a:pPr>
+            <a:r>
+              <a:rPr lang="en-US" sz="2800" dirty="0">
+                <a:sym typeface="Wingdings" panose="05000000000000000000" pitchFamily="2" charset="2"/>
+              </a:rPr>
+              <a:t>Principal Component Analysis  Dimension Reduction</a:t>
+            </a:r>
+          </a:p>
+          <a:p>
+            <a:pPr marL="457200" indent="-457200">
+              <a:buFont typeface="Arial" panose="020B0604020202020204" pitchFamily="34" charset="0"/>
+              <a:buChar char="•"/>
+            </a:pPr>
+            <a:r>
+              <a:rPr lang="en-US" sz="2800" dirty="0">
+                <a:sym typeface="Wingdings" panose="05000000000000000000" pitchFamily="2" charset="2"/>
+              </a:rPr>
+              <a:t>Wavelet Decomposition  Extracting signals over noise.</a:t>
+            </a:r>
+          </a:p>
+          <a:p>
+            <a:pPr marL="457200" indent="-457200">
+              <a:buFont typeface="Arial" panose="020B0604020202020204" pitchFamily="34" charset="0"/>
+              <a:buChar char="•"/>
+            </a:pPr>
+            <a:endParaRPr lang="en-US" sz="2800" dirty="0">
+              <a:sym typeface="Wingdings" panose="05000000000000000000" pitchFamily="2" charset="2"/>
+            </a:endParaRPr>
+          </a:p>
+          <a:p>
+            <a:r>
+              <a:rPr lang="en-US" sz="2800" u="sng" dirty="0">
+                <a:sym typeface="Wingdings" panose="05000000000000000000" pitchFamily="2" charset="2"/>
+              </a:rPr>
+              <a:t>Hidden Markov Model  Aggregated Persistence Structure</a:t>
+            </a:r>
+          </a:p>
+          <a:p>
+            <a:pPr marL="457200" indent="-457200">
+              <a:buFont typeface="Arial" panose="020B0604020202020204" pitchFamily="34" charset="0"/>
+              <a:buChar char="•"/>
+            </a:pPr>
+            <a:endParaRPr lang="en-US" sz="2800" dirty="0">
+              <a:sym typeface="Wingdings" panose="05000000000000000000" pitchFamily="2" charset="2"/>
+            </a:endParaRPr>
+          </a:p>
+          <a:p>
+            <a:endParaRPr lang="en-US" sz="2800" dirty="0"/>
+          </a:p>
+        </p:txBody>
+      </p:sp>
+      <p:sp>
+        <p:nvSpPr>
+          <p:cNvPr id="46" name="TextBox 45">
+            <a:extLst>
+              <a:ext uri="{FF2B5EF4-FFF2-40B4-BE49-F238E27FC236}">
+                <a16:creationId xmlns:a16="http://schemas.microsoft.com/office/drawing/2014/main" id="{1FCEF356-FBCE-49B0-86C3-70F25B4A35E5}"/>
+              </a:ext>
+            </a:extLst>
+          </p:cNvPr>
+          <p:cNvSpPr txBox="1"/>
+          <p:nvPr/>
+        </p:nvSpPr>
+        <p:spPr>
+          <a:xfrm>
+            <a:off x="647369" y="15877903"/>
+            <a:ext cx="21182326" cy="2677656"/>
+          </a:xfrm>
+          <a:prstGeom prst="rect">
+            <a:avLst/>
+          </a:prstGeom>
+          <a:noFill/>
+        </p:spPr>
+        <p:txBody>
+          <a:bodyPr wrap="square" rtlCol="0">
+            <a:spAutoFit/>
+          </a:bodyPr>
+          <a:lstStyle/>
+          <a:p>
+            <a:r>
+              <a:rPr lang="en-US" sz="2800" dirty="0"/>
+              <a:t>Streamflow Gauges  - USGS/Data Retrieval Package in R</a:t>
+            </a:r>
+            <a:r>
+              <a:rPr lang="en-US" sz="2800" baseline="30000" dirty="0"/>
+              <a:t>1</a:t>
+            </a:r>
+            <a:r>
+              <a:rPr lang="en-US" sz="2800" dirty="0"/>
+              <a:t>. Daily data from 28 stations for the period 1937-2017 were used. The site-specific annual maximum was used as a measure for quantifying extremes. All selected stations had a drainage area greater than 1450 sq. Miles. </a:t>
+            </a:r>
+          </a:p>
+          <a:p>
+            <a:pPr marL="342900" indent="-342900">
+              <a:buFont typeface="Arial" panose="020B0604020202020204" pitchFamily="34" charset="0"/>
+              <a:buChar char="•"/>
+            </a:pPr>
+            <a:endParaRPr lang="en-US" sz="2800" dirty="0"/>
+          </a:p>
+          <a:p>
+            <a:r>
+              <a:rPr lang="en-US" sz="2800" dirty="0"/>
+              <a:t>Climate Indices</a:t>
+            </a:r>
+            <a:r>
+              <a:rPr lang="en-US" sz="2800" baseline="30000" dirty="0"/>
+              <a:t>2 </a:t>
+            </a:r>
+            <a:r>
+              <a:rPr lang="en-US" sz="2800" dirty="0"/>
+              <a:t>.ENSO – Nino 3.4 – HadISST. PDO – JISAO. AMO – HadSST. NAO – Jones et al. The monthly data were converted to annual using the mean of the ‘FMA’ climatology. </a:t>
+            </a:r>
+          </a:p>
+          <a:p>
+            <a:endParaRPr lang="en-US" sz="2800" dirty="0"/>
+          </a:p>
+        </p:txBody>
+      </p:sp>
+      <p:sp>
+        <p:nvSpPr>
+          <p:cNvPr id="28" name="Rectangle 27">
+            <a:extLst>
+              <a:ext uri="{FF2B5EF4-FFF2-40B4-BE49-F238E27FC236}">
+                <a16:creationId xmlns:a16="http://schemas.microsoft.com/office/drawing/2014/main" id="{43E76C79-D14D-4BD4-A0B7-F398241AEBC3}"/>
+              </a:ext>
+            </a:extLst>
+          </p:cNvPr>
+          <p:cNvSpPr/>
+          <p:nvPr/>
+        </p:nvSpPr>
+        <p:spPr>
+          <a:xfrm>
+            <a:off x="832602" y="23386107"/>
+            <a:ext cx="6332008" cy="2554545"/>
+          </a:xfrm>
+          <a:prstGeom prst="rect">
+            <a:avLst/>
+          </a:prstGeom>
+        </p:spPr>
+        <p:txBody>
+          <a:bodyPr wrap="square">
+            <a:spAutoFit/>
+          </a:bodyPr>
+          <a:lstStyle/>
+          <a:p>
+            <a:r>
+              <a:rPr lang="en-US" sz="2000" dirty="0"/>
+              <a:t>Sources </a:t>
+            </a:r>
+          </a:p>
+          <a:p>
+            <a:r>
+              <a:rPr lang="en-US" altLang="en-US" sz="2000" dirty="0"/>
+              <a:t>1. </a:t>
+            </a:r>
+            <a:r>
+              <a:rPr lang="en-US" altLang="en-US" sz="2000" dirty="0">
+                <a:solidFill>
+                  <a:srgbClr val="000000"/>
+                </a:solidFill>
+              </a:rPr>
+              <a:t>Hirsch, R.M., and De </a:t>
+            </a:r>
+            <a:r>
+              <a:rPr lang="en-US" altLang="en-US" sz="2000" dirty="0" err="1">
+                <a:solidFill>
+                  <a:srgbClr val="000000"/>
+                </a:solidFill>
+              </a:rPr>
+              <a:t>Cicco</a:t>
+            </a:r>
+            <a:r>
+              <a:rPr lang="en-US" altLang="en-US" sz="2000" dirty="0">
+                <a:solidFill>
+                  <a:srgbClr val="000000"/>
+                </a:solidFill>
+              </a:rPr>
+              <a:t>, L.A., 2015, User guide to Exploration and Graphics for River Trends (EGRET) and </a:t>
+            </a:r>
+            <a:r>
+              <a:rPr lang="en-US" altLang="en-US" sz="2000" dirty="0" err="1">
+                <a:solidFill>
+                  <a:srgbClr val="000000"/>
+                </a:solidFill>
+              </a:rPr>
+              <a:t>dataRetrieval</a:t>
+            </a:r>
+            <a:r>
+              <a:rPr lang="en-US" altLang="en-US" sz="2000" dirty="0">
+                <a:solidFill>
+                  <a:srgbClr val="000000"/>
+                </a:solidFill>
+              </a:rPr>
+              <a:t>: R packages for hydrologic data (version 2.0, February 2015): U.S. Geological Survey Techniques and Methods book 4, chap. A10, 93 p., http://dx.doi.org/10.3133/tm4A10</a:t>
+            </a:r>
+            <a:r>
+              <a:rPr lang="en-US" altLang="en-US" sz="2000" dirty="0"/>
+              <a:t>  2. </a:t>
+            </a:r>
+            <a:r>
+              <a:rPr lang="en-US" altLang="en-US" sz="2000" dirty="0">
+                <a:solidFill>
+                  <a:srgbClr val="000000"/>
+                </a:solidFill>
+              </a:rPr>
+              <a:t>KNMI Climate Explorer - </a:t>
+            </a:r>
+            <a:r>
+              <a:rPr lang="en-US" sz="2000" u="sng" dirty="0"/>
+              <a:t>https://climexp.knmi.nl/</a:t>
+            </a:r>
+          </a:p>
+        </p:txBody>
+      </p:sp>
+      <p:sp>
+        <p:nvSpPr>
+          <p:cNvPr id="31" name="TextBox 30">
+            <a:extLst>
+              <a:ext uri="{FF2B5EF4-FFF2-40B4-BE49-F238E27FC236}">
+                <a16:creationId xmlns:a16="http://schemas.microsoft.com/office/drawing/2014/main" id="{0FD5A6EC-FBBA-4666-A6BF-25B437CA3FC4}"/>
+              </a:ext>
+            </a:extLst>
+          </p:cNvPr>
+          <p:cNvSpPr txBox="1"/>
+          <p:nvPr/>
+        </p:nvSpPr>
+        <p:spPr>
+          <a:xfrm>
+            <a:off x="7293744" y="25506947"/>
+            <a:ext cx="14811996" cy="461665"/>
+          </a:xfrm>
+          <a:prstGeom prst="rect">
+            <a:avLst/>
+          </a:prstGeom>
+          <a:noFill/>
+        </p:spPr>
+        <p:txBody>
+          <a:bodyPr wrap="square" rtlCol="0">
+            <a:spAutoFit/>
+          </a:bodyPr>
+          <a:lstStyle/>
+          <a:p>
+            <a:pPr algn="ctr"/>
+            <a:r>
+              <a:rPr lang="en-US" sz="2400" dirty="0"/>
+              <a:t>Figure 2: Overall schematic of the methodology</a:t>
+            </a:r>
+          </a:p>
+        </p:txBody>
+      </p:sp>
     </p:spTree>
     <p:extLst>
       <p:ext uri="{BB962C8B-B14F-4D97-AF65-F5344CB8AC3E}">
